--- a/资料/流程图/流程图.pptx
+++ b/资料/流程图/流程图.pptx
@@ -105,6 +105,11 @@
       </a:defRPr>
     </a:lvl9pPr>
   </p:defaultTextStyle>
+  <p:extLst>
+    <p:ext uri="{EFAFB233-063F-42B5-8137-9DF3F51BA10A}">
+      <p15:sldGuideLst xmlns:p15="http://schemas.microsoft.com/office/powerpoint/2012/main"/>
+    </p:ext>
+  </p:extLst>
 </p:presentation>
 </file>
 
@@ -3717,8 +3722,12 @@
             <a:t>：</a:t>
           </a:r>
           <a:r>
+            <a:rPr lang="en-US" altLang="zh-CN" dirty="0" err="1"/>
+            <a:t>Max_tourist_number</a:t>
+          </a:r>
+          <a:r>
             <a:rPr lang="en-US" altLang="zh-CN" dirty="0"/>
-            <a:t>tourists number, Tex Rate, Amount of penalty</a:t>
+            <a:t>, Tex Rate, Amount of penalty</a:t>
           </a:r>
           <a:endParaRPr lang="zh-CN" altLang="en-US" dirty="0"/>
         </a:p>
@@ -3761,6 +3770,23 @@
             <a:rPr lang="zh-CN" altLang="en-US" dirty="0"/>
             <a:t>：</a:t>
           </a:r>
+          <a:r>
+            <a:rPr lang="en-US" altLang="zh-CN" dirty="0"/>
+            <a:t>tourist number, </a:t>
+          </a:r>
+          <a:r>
+            <a:rPr lang="en-US" altLang="zh-CN" dirty="0" err="1"/>
+            <a:t>biavariate</a:t>
+          </a:r>
+          <a:r>
+            <a:rPr lang="en-US" altLang="zh-CN" dirty="0"/>
+            <a:t> linear relationship between hidden cost and n &amp; </a:t>
+          </a:r>
+          <a:r>
+            <a:rPr lang="en-US" altLang="zh-CN" dirty="0" err="1"/>
+            <a:t>n_local</a:t>
+          </a:r>
+          <a:endParaRPr lang="zh-CN" altLang="en-US" dirty="0"/>
         </a:p>
       </dgm:t>
     </dgm:pt>
@@ -3831,8 +3857,24 @@
         <a:lstStyle/>
         <a:p>
           <a:r>
-            <a:rPr lang="en-US" altLang="zh-CN" dirty="0"/>
-            <a:t>A:</a:t>
+            <a:rPr lang="en-US" altLang="en-US" dirty="0"/>
+            <a:t>examine how the model's reacts to changes in three parameters: </a:t>
+          </a:r>
+          <a:r>
+            <a:rPr lang="en-US" altLang="en-US" dirty="0" err="1"/>
+            <a:t>max_n</a:t>
+          </a:r>
+          <a:r>
+            <a:rPr lang="en-US" altLang="en-US" dirty="0"/>
+            <a:t>, </a:t>
+          </a:r>
+          <a:r>
+            <a:rPr lang="en-US" altLang="en-US" dirty="0" err="1"/>
+            <a:t>tex</a:t>
+          </a:r>
+          <a:r>
+            <a:rPr lang="en-US" altLang="en-US" dirty="0"/>
+            <a:t>, and q, with one parameter varying while others were held constant. </a:t>
           </a:r>
           <a:endParaRPr lang="zh-CN" altLang="en-US" dirty="0"/>
         </a:p>
@@ -3850,43 +3892,6 @@
       </dgm:t>
     </dgm:pt>
     <dgm:pt modelId="{01E2FF09-7717-4A9A-931D-CDC50A0DABD9}" type="sibTrans" cxnId="{7D32EC8E-197E-443D-B7BC-92C004E6444F}">
-      <dgm:prSet/>
-      <dgm:spPr/>
-      <dgm:t>
-        <a:bodyPr/>
-        <a:lstStyle/>
-        <a:p>
-          <a:endParaRPr lang="zh-CN" altLang="en-US"/>
-        </a:p>
-      </dgm:t>
-    </dgm:pt>
-    <dgm:pt modelId="{6C143383-C715-4E59-8DAB-7CA6010B962D}">
-      <dgm:prSet phldrT="[文本]"/>
-      <dgm:spPr/>
-      <dgm:t>
-        <a:bodyPr/>
-        <a:lstStyle/>
-        <a:p>
-          <a:r>
-            <a:rPr lang="en-US" altLang="zh-CN" dirty="0"/>
-            <a:t>B:</a:t>
-          </a:r>
-          <a:endParaRPr lang="zh-CN" altLang="en-US" dirty="0"/>
-        </a:p>
-      </dgm:t>
-    </dgm:pt>
-    <dgm:pt modelId="{C78E3901-6A72-4A62-84C4-1AB3B7C0F561}" type="parTrans" cxnId="{6AACF388-6F06-4E4C-8887-CB57B29FA656}">
-      <dgm:prSet/>
-      <dgm:spPr/>
-      <dgm:t>
-        <a:bodyPr/>
-        <a:lstStyle/>
-        <a:p>
-          <a:endParaRPr lang="zh-CN" altLang="en-US"/>
-        </a:p>
-      </dgm:t>
-    </dgm:pt>
-    <dgm:pt modelId="{89F5C761-C38B-48AF-9C9B-E99DE7DE8E07}" type="sibTrans" cxnId="{6AACF388-6F06-4E4C-8887-CB57B29FA656}">
       <dgm:prSet/>
       <dgm:spPr/>
       <dgm:t>
@@ -3972,13 +3977,17 @@
       </dgm:t>
     </dgm:pt>
     <dgm:pt modelId="{29B43ED5-16CF-4AE7-90B9-D09F93303681}">
-      <dgm:prSet phldrT="[文本]" phldr="1"/>
+      <dgm:prSet phldrT="[文本]"/>
       <dgm:spPr/>
       <dgm:t>
         <a:bodyPr/>
         <a:lstStyle/>
         <a:p>
-          <a:endParaRPr lang="zh-CN" altLang="en-US"/>
+          <a:r>
+            <a:rPr lang="en-US" altLang="zh-CN" dirty="0"/>
+            <a:t>Fit well</a:t>
+          </a:r>
+          <a:endParaRPr lang="zh-CN" altLang="en-US" dirty="0"/>
         </a:p>
       </dgm:t>
     </dgm:pt>
@@ -4133,9 +4142,7 @@
     <dgm:cxn modelId="{BC04BC72-470F-458F-9FE6-C4F5927889F2}" srcId="{20A4FD4C-05B9-41F9-A4B9-1C3D4596B286}" destId="{DE680293-E735-447B-A054-DF305C0CD88C}" srcOrd="1" destOrd="0" parTransId="{CECEB5E6-CC95-417A-B7F8-096E4D09FEED}" sibTransId="{A1782C6D-4532-4218-B615-896D8E08ABAA}"/>
     <dgm:cxn modelId="{5F6DCB74-5F36-4429-814D-248E5F25824E}" srcId="{C0BC1283-64D5-4A7B-958F-07B74E77D90E}" destId="{AEF3B304-C237-4184-8F1A-A63F8E972B11}" srcOrd="1" destOrd="0" parTransId="{B606ECBD-9C04-4BA1-9D58-0FC3CFA3F481}" sibTransId="{E0703574-6E1A-4B3F-B514-0FFA46A6D792}"/>
     <dgm:cxn modelId="{0E27837C-14F5-4F61-84A0-7EF478D18934}" type="presOf" srcId="{DE680293-E735-447B-A054-DF305C0CD88C}" destId="{8B707BAE-4192-4FB3-B9F5-A2865C00CCA7}" srcOrd="0" destOrd="1" presId="urn:microsoft.com/office/officeart/2005/8/layout/chevron2"/>
-    <dgm:cxn modelId="{3B6CD67D-8F56-4953-8FE7-5DFD8F7F67C2}" type="presOf" srcId="{6C143383-C715-4E59-8DAB-7CA6010B962D}" destId="{719E3DA2-5271-4664-AC7C-3FD55FCF30E7}" srcOrd="0" destOrd="1" presId="urn:microsoft.com/office/officeart/2005/8/layout/chevron2"/>
     <dgm:cxn modelId="{EFF17580-CFE4-4BBD-9F07-39EC3AC9A347}" srcId="{403594F1-D449-4ACD-A958-9DACC7CFDD0E}" destId="{D6C7BF6A-FC91-4DCD-89E5-6FB1F2EE6008}" srcOrd="0" destOrd="0" parTransId="{9ABCB2FD-05D8-41B8-BD1D-FC11C47C3626}" sibTransId="{56C1C83A-8EA2-4420-BB1A-2E5342C80EC9}"/>
-    <dgm:cxn modelId="{6AACF388-6F06-4E4C-8887-CB57B29FA656}" srcId="{AEF3B304-C237-4184-8F1A-A63F8E972B11}" destId="{6C143383-C715-4E59-8DAB-7CA6010B962D}" srcOrd="1" destOrd="0" parTransId="{C78E3901-6A72-4A62-84C4-1AB3B7C0F561}" sibTransId="{89F5C761-C38B-48AF-9C9B-E99DE7DE8E07}"/>
     <dgm:cxn modelId="{7D32EC8E-197E-443D-B7BC-92C004E6444F}" srcId="{AEF3B304-C237-4184-8F1A-A63F8E972B11}" destId="{AB769C1C-B58D-4D20-B6C2-2B7876C89CDE}" srcOrd="0" destOrd="0" parTransId="{2F479909-8441-4BCF-B835-A8BA80F3A770}" sibTransId="{01E2FF09-7717-4A9A-931D-CDC50A0DABD9}"/>
     <dgm:cxn modelId="{B44E4F93-EBB7-4C79-8173-AFB5A4A069AC}" type="presOf" srcId="{C0BC1283-64D5-4A7B-958F-07B74E77D90E}" destId="{7933EAA5-11C7-41B8-975F-0D867D92363B}" srcOrd="0" destOrd="0" presId="urn:microsoft.com/office/officeart/2005/8/layout/chevron2"/>
     <dgm:cxn modelId="{F981E696-74DE-40C0-B557-4387286473DF}" type="presOf" srcId="{AB769C1C-B58D-4D20-B6C2-2B7876C89CDE}" destId="{719E3DA2-5271-4664-AC7C-3FD55FCF30E7}" srcOrd="0" destOrd="0" presId="urn:microsoft.com/office/officeart/2005/8/layout/chevron2"/>
@@ -5912,7 +5919,7 @@
       </dsp:nvSpPr>
       <dsp:spPr>
         <a:xfrm rot="5400000">
-          <a:off x="234610" y="-105883"/>
+          <a:off x="241297" y="-105883"/>
           <a:ext cx="1024581" cy="1236379"/>
         </a:xfrm>
         <a:prstGeom prst="chevron">
@@ -6016,7 +6023,7 @@
         </a:p>
       </dsp:txBody>
       <dsp:txXfrm rot="-5400000">
-        <a:off x="128711" y="16"/>
+        <a:off x="135398" y="16"/>
         <a:ext cx="1236379" cy="1024581"/>
       </dsp:txXfrm>
     </dsp:sp>
@@ -6027,8 +6034,8 @@
       </dsp:nvSpPr>
       <dsp:spPr>
         <a:xfrm rot="5400000">
-          <a:off x="5545962" y="-4051979"/>
-          <a:ext cx="665978" cy="8769966"/>
+          <a:off x="5604372" y="-4099493"/>
+          <a:ext cx="665978" cy="8864994"/>
         </a:xfrm>
         <a:prstGeom prst="round2SameRect">
           <a:avLst/>
@@ -6069,12 +6076,12 @@
         <a:fontRef idx="minor"/>
       </dsp:style>
       <dsp:txBody>
-        <a:bodyPr spcFirstLastPara="0" vert="horz" wrap="square" lIns="120904" tIns="10795" rIns="10795" bIns="10795" numCol="1" spcCol="1270" anchor="ctr" anchorCtr="0">
+        <a:bodyPr spcFirstLastPara="0" vert="horz" wrap="square" lIns="113792" tIns="10160" rIns="10160" bIns="10160" numCol="1" spcCol="1270" anchor="ctr" anchorCtr="0">
           <a:noAutofit/>
         </a:bodyPr>
         <a:lstStyle/>
         <a:p>
-          <a:pPr marL="171450" lvl="1" indent="-171450" algn="l" defTabSz="755650">
+          <a:pPr marL="171450" lvl="1" indent="-171450" algn="l" defTabSz="711200">
             <a:lnSpc>
               <a:spcPct val="90000"/>
             </a:lnSpc>
@@ -6087,21 +6094,25 @@
             <a:buChar char="•"/>
           </a:pPr>
           <a:r>
-            <a:rPr lang="en-US" altLang="zh-CN" sz="1700" kern="1200" dirty="0"/>
+            <a:rPr lang="en-US" altLang="zh-CN" sz="1600" kern="1200" dirty="0"/>
             <a:t>Optimize</a:t>
           </a:r>
           <a:r>
-            <a:rPr lang="zh-CN" altLang="en-US" sz="1700" kern="1200" dirty="0"/>
+            <a:rPr lang="zh-CN" altLang="en-US" sz="1600" kern="1200" dirty="0"/>
             <a:t>：</a:t>
           </a:r>
           <a:r>
-            <a:rPr lang="en-US" altLang="zh-CN" sz="1700" kern="1200" dirty="0"/>
-            <a:t>tourists number, Tex Rate, Amount of penalty</a:t>
+            <a:rPr lang="en-US" altLang="zh-CN" sz="1600" kern="1200" dirty="0" err="1"/>
+            <a:t>Max_tourist_number</a:t>
           </a:r>
-          <a:endParaRPr lang="zh-CN" altLang="en-US" sz="1700" kern="1200" dirty="0"/>
+          <a:r>
+            <a:rPr lang="en-US" altLang="zh-CN" sz="1600" kern="1200" dirty="0"/>
+            <a:t>, Tex Rate, Amount of penalty</a:t>
+          </a:r>
+          <a:endParaRPr lang="zh-CN" altLang="en-US" sz="1600" kern="1200" dirty="0"/>
         </a:p>
         <a:p>
-          <a:pPr marL="171450" lvl="1" indent="-171450" algn="l" defTabSz="755650">
+          <a:pPr marL="171450" lvl="1" indent="-171450" algn="l" defTabSz="711200">
             <a:lnSpc>
               <a:spcPct val="90000"/>
             </a:lnSpc>
@@ -6114,18 +6125,35 @@
             <a:buChar char="•"/>
           </a:pPr>
           <a:r>
-            <a:rPr lang="en-US" altLang="zh-CN" sz="1700" kern="1200" dirty="0"/>
+            <a:rPr lang="en-US" altLang="zh-CN" sz="1600" kern="1200" dirty="0"/>
             <a:t>Constraint</a:t>
           </a:r>
           <a:r>
-            <a:rPr lang="zh-CN" altLang="en-US" sz="1700" kern="1200" dirty="0"/>
+            <a:rPr lang="zh-CN" altLang="en-US" sz="1600" kern="1200" dirty="0"/>
             <a:t>：</a:t>
           </a:r>
+          <a:r>
+            <a:rPr lang="en-US" altLang="zh-CN" sz="1600" kern="1200" dirty="0"/>
+            <a:t>tourist number, </a:t>
+          </a:r>
+          <a:r>
+            <a:rPr lang="en-US" altLang="zh-CN" sz="1600" kern="1200" dirty="0" err="1"/>
+            <a:t>biavariate</a:t>
+          </a:r>
+          <a:r>
+            <a:rPr lang="en-US" altLang="zh-CN" sz="1600" kern="1200" dirty="0"/>
+            <a:t> linear relationship between hidden cost and n &amp; </a:t>
+          </a:r>
+          <a:r>
+            <a:rPr lang="en-US" altLang="zh-CN" sz="1600" kern="1200" dirty="0" err="1"/>
+            <a:t>n_local</a:t>
+          </a:r>
+          <a:endParaRPr lang="zh-CN" altLang="en-US" sz="1600" kern="1200" dirty="0"/>
         </a:p>
       </dsp:txBody>
       <dsp:txXfrm rot="-5400000">
-        <a:off x="1493968" y="32525"/>
-        <a:ext cx="8737456" cy="600958"/>
+        <a:off x="1504864" y="32525"/>
+        <a:ext cx="8832484" cy="600958"/>
       </dsp:txXfrm>
     </dsp:sp>
     <dsp:sp modelId="{4D3B4361-C710-4646-B8C3-A5E3797F5813}">
@@ -6135,7 +6163,7 @@
       </dsp:nvSpPr>
       <dsp:spPr>
         <a:xfrm rot="5400000">
-          <a:off x="234610" y="793885"/>
+          <a:off x="241297" y="793885"/>
           <a:ext cx="1024581" cy="1236379"/>
         </a:xfrm>
         <a:prstGeom prst="chevron">
@@ -6239,7 +6267,7 @@
         </a:p>
       </dsp:txBody>
       <dsp:txXfrm rot="-5400000">
-        <a:off x="128711" y="899784"/>
+        <a:off x="135398" y="899784"/>
         <a:ext cx="1236379" cy="1024581"/>
       </dsp:txXfrm>
     </dsp:sp>
@@ -6250,8 +6278,8 @@
       </dsp:nvSpPr>
       <dsp:spPr>
         <a:xfrm rot="5400000">
-          <a:off x="5545962" y="-3152209"/>
-          <a:ext cx="665978" cy="8769966"/>
+          <a:off x="5604372" y="-3199724"/>
+          <a:ext cx="665978" cy="8864994"/>
         </a:xfrm>
         <a:prstGeom prst="round2SameRect">
           <a:avLst/>
@@ -6292,12 +6320,12 @@
         <a:fontRef idx="minor"/>
       </dsp:style>
       <dsp:txBody>
-        <a:bodyPr spcFirstLastPara="0" vert="horz" wrap="square" lIns="120904" tIns="10795" rIns="10795" bIns="10795" numCol="1" spcCol="1270" anchor="ctr" anchorCtr="0">
+        <a:bodyPr spcFirstLastPara="0" vert="horz" wrap="square" lIns="113792" tIns="10160" rIns="10160" bIns="10160" numCol="1" spcCol="1270" anchor="ctr" anchorCtr="0">
           <a:noAutofit/>
         </a:bodyPr>
         <a:lstStyle/>
         <a:p>
-          <a:pPr marL="171450" lvl="1" indent="-171450" algn="l" defTabSz="755650">
+          <a:pPr marL="171450" lvl="1" indent="-171450" algn="l" defTabSz="711200">
             <a:lnSpc>
               <a:spcPct val="90000"/>
             </a:lnSpc>
@@ -6310,34 +6338,31 @@
             <a:buChar char="•"/>
           </a:pPr>
           <a:r>
-            <a:rPr lang="en-US" altLang="zh-CN" sz="1700" kern="1200" dirty="0"/>
-            <a:t>A:</a:t>
+            <a:rPr lang="en-US" altLang="en-US" sz="1600" kern="1200" dirty="0"/>
+            <a:t>examine how the model's reacts to changes in three parameters: </a:t>
           </a:r>
-          <a:endParaRPr lang="zh-CN" altLang="en-US" sz="1700" kern="1200" dirty="0"/>
-        </a:p>
-        <a:p>
-          <a:pPr marL="171450" lvl="1" indent="-171450" algn="l" defTabSz="755650">
-            <a:lnSpc>
-              <a:spcPct val="90000"/>
-            </a:lnSpc>
-            <a:spcBef>
-              <a:spcPct val="0"/>
-            </a:spcBef>
-            <a:spcAft>
-              <a:spcPct val="15000"/>
-            </a:spcAft>
-            <a:buChar char="•"/>
-          </a:pPr>
           <a:r>
-            <a:rPr lang="en-US" altLang="zh-CN" sz="1700" kern="1200" dirty="0"/>
-            <a:t>B:</a:t>
+            <a:rPr lang="en-US" altLang="en-US" sz="1600" kern="1200" dirty="0" err="1"/>
+            <a:t>max_n</a:t>
           </a:r>
-          <a:endParaRPr lang="zh-CN" altLang="en-US" sz="1700" kern="1200" dirty="0"/>
+          <a:r>
+            <a:rPr lang="en-US" altLang="en-US" sz="1600" kern="1200" dirty="0"/>
+            <a:t>, </a:t>
+          </a:r>
+          <a:r>
+            <a:rPr lang="en-US" altLang="en-US" sz="1600" kern="1200" dirty="0" err="1"/>
+            <a:t>tex</a:t>
+          </a:r>
+          <a:r>
+            <a:rPr lang="en-US" altLang="en-US" sz="1600" kern="1200" dirty="0"/>
+            <a:t>, and q, with one parameter varying while others were held constant. </a:t>
+          </a:r>
+          <a:endParaRPr lang="zh-CN" altLang="en-US" sz="1600" kern="1200" dirty="0"/>
         </a:p>
       </dsp:txBody>
       <dsp:txXfrm rot="-5400000">
-        <a:off x="1493968" y="932295"/>
-        <a:ext cx="8737456" cy="600958"/>
+        <a:off x="1504864" y="932294"/>
+        <a:ext cx="8832484" cy="600958"/>
       </dsp:txXfrm>
     </dsp:sp>
     <dsp:sp modelId="{67B13319-7960-4E8F-A71C-B47B08DFE2D8}">
@@ -6347,7 +6372,7 @@
       </dsp:nvSpPr>
       <dsp:spPr>
         <a:xfrm rot="5400000">
-          <a:off x="234610" y="1693654"/>
+          <a:off x="241297" y="1693654"/>
           <a:ext cx="1024581" cy="1236379"/>
         </a:xfrm>
         <a:prstGeom prst="chevron">
@@ -6451,7 +6476,7 @@
         </a:p>
       </dsp:txBody>
       <dsp:txXfrm rot="-5400000">
-        <a:off x="128711" y="1799553"/>
+        <a:off x="135398" y="1799553"/>
         <a:ext cx="1236379" cy="1024581"/>
       </dsp:txXfrm>
     </dsp:sp>
@@ -6462,8 +6487,8 @@
       </dsp:nvSpPr>
       <dsp:spPr>
         <a:xfrm rot="5400000">
-          <a:off x="5545962" y="-2252440"/>
-          <a:ext cx="665978" cy="8769966"/>
+          <a:off x="5604372" y="-2299955"/>
+          <a:ext cx="665978" cy="8864994"/>
         </a:xfrm>
         <a:prstGeom prst="round2SameRect">
           <a:avLst/>
@@ -6504,12 +6529,12 @@
         <a:fontRef idx="minor"/>
       </dsp:style>
       <dsp:txBody>
-        <a:bodyPr spcFirstLastPara="0" vert="horz" wrap="square" lIns="120904" tIns="10795" rIns="10795" bIns="10795" numCol="1" spcCol="1270" anchor="ctr" anchorCtr="0">
+        <a:bodyPr spcFirstLastPara="0" vert="horz" wrap="square" lIns="113792" tIns="10160" rIns="10160" bIns="10160" numCol="1" spcCol="1270" anchor="ctr" anchorCtr="0">
           <a:noAutofit/>
         </a:bodyPr>
         <a:lstStyle/>
         <a:p>
-          <a:pPr marL="171450" lvl="1" indent="-171450" algn="l" defTabSz="755650">
+          <a:pPr marL="171450" lvl="1" indent="-171450" algn="l" defTabSz="711200">
             <a:lnSpc>
               <a:spcPct val="90000"/>
             </a:lnSpc>
@@ -6522,13 +6547,13 @@
             <a:buChar char="•"/>
           </a:pPr>
           <a:r>
-            <a:rPr lang="en-US" altLang="zh-CN" sz="1700" kern="1200" dirty="0"/>
+            <a:rPr lang="en-US" altLang="zh-CN" sz="1600" kern="1200" dirty="0"/>
             <a:t>Sitka, Alaska</a:t>
           </a:r>
-          <a:endParaRPr lang="zh-CN" altLang="en-US" sz="1700" kern="1200" dirty="0"/>
+          <a:endParaRPr lang="zh-CN" altLang="en-US" sz="1600" kern="1200" dirty="0"/>
         </a:p>
         <a:p>
-          <a:pPr marL="171450" lvl="1" indent="-171450" algn="l" defTabSz="755650">
+          <a:pPr marL="171450" lvl="1" indent="-171450" algn="l" defTabSz="711200">
             <a:lnSpc>
               <a:spcPct val="90000"/>
             </a:lnSpc>
@@ -6540,12 +6565,16 @@
             </a:spcAft>
             <a:buChar char="•"/>
           </a:pPr>
-          <a:endParaRPr lang="zh-CN" altLang="en-US" sz="1700" kern="1200"/>
+          <a:r>
+            <a:rPr lang="en-US" altLang="zh-CN" sz="1600" kern="1200" dirty="0"/>
+            <a:t>Fit well</a:t>
+          </a:r>
+          <a:endParaRPr lang="zh-CN" altLang="en-US" sz="1600" kern="1200" dirty="0"/>
         </a:p>
       </dsp:txBody>
       <dsp:txXfrm rot="-5400000">
-        <a:off x="1493968" y="1832064"/>
-        <a:ext cx="8737456" cy="600958"/>
+        <a:off x="1504864" y="1832063"/>
+        <a:ext cx="8832484" cy="600958"/>
       </dsp:txXfrm>
     </dsp:sp>
   </dsp:spTree>
@@ -11101,7 +11130,7 @@
           <a:p>
             <a:fld id="{BE09DFDF-B921-4060-BE04-C491028AFCE6}" type="datetimeFigureOut">
               <a:rPr lang="zh-CN" altLang="en-US" smtClean="0"/>
-              <a:t>2025/1/27</a:t>
+              <a:t>2025/1/28</a:t>
             </a:fld>
             <a:endParaRPr lang="zh-CN" altLang="en-US"/>
           </a:p>
@@ -11299,7 +11328,7 @@
           <a:p>
             <a:fld id="{BE09DFDF-B921-4060-BE04-C491028AFCE6}" type="datetimeFigureOut">
               <a:rPr lang="zh-CN" altLang="en-US" smtClean="0"/>
-              <a:t>2025/1/27</a:t>
+              <a:t>2025/1/28</a:t>
             </a:fld>
             <a:endParaRPr lang="zh-CN" altLang="en-US"/>
           </a:p>
@@ -11507,7 +11536,7 @@
           <a:p>
             <a:fld id="{BE09DFDF-B921-4060-BE04-C491028AFCE6}" type="datetimeFigureOut">
               <a:rPr lang="zh-CN" altLang="en-US" smtClean="0"/>
-              <a:t>2025/1/27</a:t>
+              <a:t>2025/1/28</a:t>
             </a:fld>
             <a:endParaRPr lang="zh-CN" altLang="en-US"/>
           </a:p>
@@ -11705,7 +11734,7 @@
           <a:p>
             <a:fld id="{BE09DFDF-B921-4060-BE04-C491028AFCE6}" type="datetimeFigureOut">
               <a:rPr lang="zh-CN" altLang="en-US" smtClean="0"/>
-              <a:t>2025/1/27</a:t>
+              <a:t>2025/1/28</a:t>
             </a:fld>
             <a:endParaRPr lang="zh-CN" altLang="en-US"/>
           </a:p>
@@ -11980,7 +12009,7 @@
           <a:p>
             <a:fld id="{BE09DFDF-B921-4060-BE04-C491028AFCE6}" type="datetimeFigureOut">
               <a:rPr lang="zh-CN" altLang="en-US" smtClean="0"/>
-              <a:t>2025/1/27</a:t>
+              <a:t>2025/1/28</a:t>
             </a:fld>
             <a:endParaRPr lang="zh-CN" altLang="en-US"/>
           </a:p>
@@ -12245,7 +12274,7 @@
           <a:p>
             <a:fld id="{BE09DFDF-B921-4060-BE04-C491028AFCE6}" type="datetimeFigureOut">
               <a:rPr lang="zh-CN" altLang="en-US" smtClean="0"/>
-              <a:t>2025/1/27</a:t>
+              <a:t>2025/1/28</a:t>
             </a:fld>
             <a:endParaRPr lang="zh-CN" altLang="en-US"/>
           </a:p>
@@ -12657,7 +12686,7 @@
           <a:p>
             <a:fld id="{BE09DFDF-B921-4060-BE04-C491028AFCE6}" type="datetimeFigureOut">
               <a:rPr lang="zh-CN" altLang="en-US" smtClean="0"/>
-              <a:t>2025/1/27</a:t>
+              <a:t>2025/1/28</a:t>
             </a:fld>
             <a:endParaRPr lang="zh-CN" altLang="en-US"/>
           </a:p>
@@ -12798,7 +12827,7 @@
           <a:p>
             <a:fld id="{BE09DFDF-B921-4060-BE04-C491028AFCE6}" type="datetimeFigureOut">
               <a:rPr lang="zh-CN" altLang="en-US" smtClean="0"/>
-              <a:t>2025/1/27</a:t>
+              <a:t>2025/1/28</a:t>
             </a:fld>
             <a:endParaRPr lang="zh-CN" altLang="en-US"/>
           </a:p>
@@ -12911,7 +12940,7 @@
           <a:p>
             <a:fld id="{BE09DFDF-B921-4060-BE04-C491028AFCE6}" type="datetimeFigureOut">
               <a:rPr lang="zh-CN" altLang="en-US" smtClean="0"/>
-              <a:t>2025/1/27</a:t>
+              <a:t>2025/1/28</a:t>
             </a:fld>
             <a:endParaRPr lang="zh-CN" altLang="en-US"/>
           </a:p>
@@ -13222,7 +13251,7 @@
           <a:p>
             <a:fld id="{BE09DFDF-B921-4060-BE04-C491028AFCE6}" type="datetimeFigureOut">
               <a:rPr lang="zh-CN" altLang="en-US" smtClean="0"/>
-              <a:t>2025/1/27</a:t>
+              <a:t>2025/1/28</a:t>
             </a:fld>
             <a:endParaRPr lang="zh-CN" altLang="en-US"/>
           </a:p>
@@ -13510,7 +13539,7 @@
           <a:p>
             <a:fld id="{BE09DFDF-B921-4060-BE04-C491028AFCE6}" type="datetimeFigureOut">
               <a:rPr lang="zh-CN" altLang="en-US" smtClean="0"/>
-              <a:t>2025/1/27</a:t>
+              <a:t>2025/1/28</a:t>
             </a:fld>
             <a:endParaRPr lang="zh-CN" altLang="en-US"/>
           </a:p>
@@ -13751,7 +13780,7 @@
           <a:p>
             <a:fld id="{BE09DFDF-B921-4060-BE04-C491028AFCE6}" type="datetimeFigureOut">
               <a:rPr lang="zh-CN" altLang="en-US" smtClean="0"/>
-              <a:t>2025/1/27</a:t>
+              <a:t>2025/1/28</a:t>
             </a:fld>
             <a:endParaRPr lang="zh-CN" altLang="en-US"/>
           </a:p>
@@ -15141,14 +15170,14 @@
           <p:nvPr>
             <p:extLst>
               <p:ext uri="{D42A27DB-BD31-4B8C-83A1-F6EECF244321}">
-                <p14:modId xmlns:p14="http://schemas.microsoft.com/office/powerpoint/2010/main" val="2581109033"/>
+                <p14:modId xmlns:p14="http://schemas.microsoft.com/office/powerpoint/2010/main" val="3378696159"/>
               </p:ext>
             </p:extLst>
           </p:nvPr>
         </p:nvGraphicFramePr>
         <p:xfrm>
-          <a:off x="930950" y="5329173"/>
-          <a:ext cx="10392646" cy="2824150"/>
+          <a:off x="930949" y="5329173"/>
+          <a:ext cx="10505257" cy="2824150"/>
         </p:xfrm>
         <a:graphic>
           <a:graphicData uri="http://schemas.openxmlformats.org/drawingml/2006/diagram">

--- a/资料/流程图/流程图.pptx
+++ b/资料/流程图/流程图.pptx
@@ -2424,6 +2424,886 @@
 </dgm:colorsDef>
 </file>
 
+<file path=ppt/diagrams/colors4.xml><?xml version="1.0" encoding="utf-8"?>
+<dgm:colorsDef xmlns:dgm="http://schemas.openxmlformats.org/drawingml/2006/diagram" xmlns:a="http://schemas.openxmlformats.org/drawingml/2006/main" uniqueId="urn:microsoft.com/office/officeart/2005/8/colors/accent2_5">
+  <dgm:title val=""/>
+  <dgm:desc val=""/>
+  <dgm:catLst>
+    <dgm:cat type="accent2" pri="11500"/>
+  </dgm:catLst>
+  <dgm:styleLbl name="node0">
+    <dgm:fillClrLst meth="cycle">
+      <a:schemeClr val="accent2">
+        <a:alpha val="80000"/>
+      </a:schemeClr>
+    </dgm:fillClrLst>
+    <dgm:linClrLst meth="repeat">
+      <a:schemeClr val="lt1"/>
+    </dgm:linClrLst>
+    <dgm:effectClrLst/>
+    <dgm:txLinClrLst/>
+    <dgm:txFillClrLst/>
+    <dgm:txEffectClrLst/>
+  </dgm:styleLbl>
+  <dgm:styleLbl name="node1">
+    <dgm:fillClrLst>
+      <a:schemeClr val="accent2">
+        <a:alpha val="90000"/>
+      </a:schemeClr>
+      <a:schemeClr val="accent2">
+        <a:alpha val="50000"/>
+      </a:schemeClr>
+    </dgm:fillClrLst>
+    <dgm:linClrLst meth="repeat">
+      <a:schemeClr val="lt1"/>
+    </dgm:linClrLst>
+    <dgm:effectClrLst/>
+    <dgm:txLinClrLst/>
+    <dgm:txFillClrLst/>
+    <dgm:txEffectClrLst/>
+  </dgm:styleLbl>
+  <dgm:styleLbl name="alignNode1">
+    <dgm:fillClrLst>
+      <a:schemeClr val="accent2">
+        <a:alpha val="90000"/>
+      </a:schemeClr>
+      <a:schemeClr val="accent2">
+        <a:alpha val="50000"/>
+      </a:schemeClr>
+    </dgm:fillClrLst>
+    <dgm:linClrLst>
+      <a:schemeClr val="accent2">
+        <a:alpha val="90000"/>
+      </a:schemeClr>
+      <a:schemeClr val="accent2">
+        <a:alpha val="50000"/>
+      </a:schemeClr>
+    </dgm:linClrLst>
+    <dgm:effectClrLst/>
+    <dgm:txLinClrLst/>
+    <dgm:txFillClrLst/>
+    <dgm:txEffectClrLst/>
+  </dgm:styleLbl>
+  <dgm:styleLbl name="lnNode1">
+    <dgm:fillClrLst>
+      <a:schemeClr val="accent2">
+        <a:shade val="90000"/>
+      </a:schemeClr>
+      <a:schemeClr val="accent2">
+        <a:alpha val="50000"/>
+        <a:tint val="50000"/>
+      </a:schemeClr>
+    </dgm:fillClrLst>
+    <dgm:linClrLst meth="repeat">
+      <a:schemeClr val="lt1"/>
+    </dgm:linClrLst>
+    <dgm:effectClrLst/>
+    <dgm:txLinClrLst/>
+    <dgm:txFillClrLst/>
+    <dgm:txEffectClrLst/>
+  </dgm:styleLbl>
+  <dgm:styleLbl name="vennNode1">
+    <dgm:fillClrLst>
+      <a:schemeClr val="accent2">
+        <a:shade val="80000"/>
+        <a:alpha val="50000"/>
+      </a:schemeClr>
+      <a:schemeClr val="accent2">
+        <a:alpha val="20000"/>
+      </a:schemeClr>
+    </dgm:fillClrLst>
+    <dgm:linClrLst meth="repeat">
+      <a:schemeClr val="lt1"/>
+    </dgm:linClrLst>
+    <dgm:effectClrLst/>
+    <dgm:txLinClrLst/>
+    <dgm:txFillClrLst/>
+    <dgm:txEffectClrLst/>
+  </dgm:styleLbl>
+  <dgm:styleLbl name="node2">
+    <dgm:fillClrLst>
+      <a:schemeClr val="accent2">
+        <a:alpha val="70000"/>
+      </a:schemeClr>
+    </dgm:fillClrLst>
+    <dgm:linClrLst meth="repeat">
+      <a:schemeClr val="lt1"/>
+    </dgm:linClrLst>
+    <dgm:effectClrLst/>
+    <dgm:txLinClrLst/>
+    <dgm:txFillClrLst/>
+    <dgm:txEffectClrLst/>
+  </dgm:styleLbl>
+  <dgm:styleLbl name="node3">
+    <dgm:fillClrLst>
+      <a:schemeClr val="accent2">
+        <a:alpha val="50000"/>
+      </a:schemeClr>
+    </dgm:fillClrLst>
+    <dgm:linClrLst meth="repeat">
+      <a:schemeClr val="lt1"/>
+    </dgm:linClrLst>
+    <dgm:effectClrLst/>
+    <dgm:txLinClrLst/>
+    <dgm:txFillClrLst/>
+    <dgm:txEffectClrLst/>
+  </dgm:styleLbl>
+  <dgm:styleLbl name="node4">
+    <dgm:fillClrLst>
+      <a:schemeClr val="accent2">
+        <a:alpha val="30000"/>
+      </a:schemeClr>
+    </dgm:fillClrLst>
+    <dgm:linClrLst meth="repeat">
+      <a:schemeClr val="lt1"/>
+    </dgm:linClrLst>
+    <dgm:effectClrLst/>
+    <dgm:txLinClrLst/>
+    <dgm:txFillClrLst/>
+    <dgm:txEffectClrLst/>
+  </dgm:styleLbl>
+  <dgm:styleLbl name="fgImgPlace1">
+    <dgm:fillClrLst>
+      <a:schemeClr val="accent2">
+        <a:tint val="50000"/>
+        <a:alpha val="90000"/>
+      </a:schemeClr>
+      <a:schemeClr val="accent2">
+        <a:tint val="20000"/>
+        <a:alpha val="50000"/>
+      </a:schemeClr>
+    </dgm:fillClrLst>
+    <dgm:linClrLst meth="repeat">
+      <a:schemeClr val="lt1"/>
+    </dgm:linClrLst>
+    <dgm:effectClrLst/>
+    <dgm:txLinClrLst/>
+    <dgm:txFillClrLst meth="repeat">
+      <a:schemeClr val="lt1"/>
+    </dgm:txFillClrLst>
+    <dgm:txEffectClrLst/>
+  </dgm:styleLbl>
+  <dgm:styleLbl name="alignImgPlace1">
+    <dgm:fillClrLst>
+      <a:schemeClr val="accent2">
+        <a:tint val="50000"/>
+      </a:schemeClr>
+      <a:schemeClr val="accent2">
+        <a:tint val="20000"/>
+      </a:schemeClr>
+    </dgm:fillClrLst>
+    <dgm:linClrLst meth="repeat">
+      <a:schemeClr val="lt1"/>
+    </dgm:linClrLst>
+    <dgm:effectClrLst/>
+    <dgm:txLinClrLst/>
+    <dgm:txFillClrLst meth="repeat">
+      <a:schemeClr val="lt1"/>
+    </dgm:txFillClrLst>
+    <dgm:txEffectClrLst/>
+  </dgm:styleLbl>
+  <dgm:styleLbl name="bgImgPlace1">
+    <dgm:fillClrLst>
+      <a:schemeClr val="accent2">
+        <a:tint val="50000"/>
+      </a:schemeClr>
+      <a:schemeClr val="accent2">
+        <a:tint val="20000"/>
+      </a:schemeClr>
+    </dgm:fillClrLst>
+    <dgm:linClrLst meth="repeat">
+      <a:schemeClr val="lt1"/>
+    </dgm:linClrLst>
+    <dgm:effectClrLst/>
+    <dgm:txLinClrLst/>
+    <dgm:txFillClrLst meth="repeat">
+      <a:schemeClr val="lt1"/>
+    </dgm:txFillClrLst>
+    <dgm:txEffectClrLst/>
+  </dgm:styleLbl>
+  <dgm:styleLbl name="sibTrans2D1">
+    <dgm:fillClrLst>
+      <a:schemeClr val="accent2">
+        <a:shade val="90000"/>
+      </a:schemeClr>
+      <a:schemeClr val="accent2">
+        <a:tint val="50000"/>
+      </a:schemeClr>
+    </dgm:fillClrLst>
+    <dgm:linClrLst>
+      <a:schemeClr val="accent2">
+        <a:shade val="90000"/>
+      </a:schemeClr>
+      <a:schemeClr val="accent2">
+        <a:tint val="50000"/>
+      </a:schemeClr>
+    </dgm:linClrLst>
+    <dgm:effectClrLst/>
+    <dgm:txLinClrLst/>
+    <dgm:txFillClrLst/>
+    <dgm:txEffectClrLst/>
+  </dgm:styleLbl>
+  <dgm:styleLbl name="fgSibTrans2D1">
+    <dgm:fillClrLst>
+      <a:schemeClr val="accent2">
+        <a:shade val="90000"/>
+      </a:schemeClr>
+      <a:schemeClr val="accent2">
+        <a:tint val="50000"/>
+      </a:schemeClr>
+    </dgm:fillClrLst>
+    <dgm:linClrLst>
+      <a:schemeClr val="accent2">
+        <a:shade val="90000"/>
+      </a:schemeClr>
+      <a:schemeClr val="accent2">
+        <a:tint val="50000"/>
+      </a:schemeClr>
+    </dgm:linClrLst>
+    <dgm:effectClrLst/>
+    <dgm:txLinClrLst/>
+    <dgm:txFillClrLst/>
+    <dgm:txEffectClrLst/>
+  </dgm:styleLbl>
+  <dgm:styleLbl name="bgSibTrans2D1">
+    <dgm:fillClrLst>
+      <a:schemeClr val="accent2">
+        <a:shade val="90000"/>
+      </a:schemeClr>
+      <a:schemeClr val="accent2">
+        <a:tint val="50000"/>
+      </a:schemeClr>
+    </dgm:fillClrLst>
+    <dgm:linClrLst>
+      <a:schemeClr val="accent2">
+        <a:shade val="90000"/>
+      </a:schemeClr>
+      <a:schemeClr val="accent2">
+        <a:tint val="50000"/>
+      </a:schemeClr>
+    </dgm:linClrLst>
+    <dgm:effectClrLst/>
+    <dgm:txLinClrLst/>
+    <dgm:txFillClrLst/>
+    <dgm:txEffectClrLst/>
+  </dgm:styleLbl>
+  <dgm:styleLbl name="sibTrans1D1">
+    <dgm:fillClrLst>
+      <a:schemeClr val="accent2">
+        <a:shade val="90000"/>
+      </a:schemeClr>
+      <a:schemeClr val="accent2">
+        <a:tint val="50000"/>
+      </a:schemeClr>
+    </dgm:fillClrLst>
+    <dgm:linClrLst>
+      <a:schemeClr val="accent2">
+        <a:shade val="90000"/>
+      </a:schemeClr>
+      <a:schemeClr val="accent2">
+        <a:tint val="50000"/>
+      </a:schemeClr>
+    </dgm:linClrLst>
+    <dgm:effectClrLst/>
+    <dgm:txLinClrLst/>
+    <dgm:txFillClrLst meth="repeat">
+      <a:schemeClr val="tx1"/>
+    </dgm:txFillClrLst>
+    <dgm:txEffectClrLst/>
+  </dgm:styleLbl>
+  <dgm:styleLbl name="callout">
+    <dgm:fillClrLst meth="repeat">
+      <a:schemeClr val="accent2"/>
+    </dgm:fillClrLst>
+    <dgm:linClrLst meth="repeat">
+      <a:schemeClr val="accent2"/>
+    </dgm:linClrLst>
+    <dgm:effectClrLst/>
+    <dgm:txLinClrLst/>
+    <dgm:txFillClrLst meth="repeat">
+      <a:schemeClr val="tx1"/>
+    </dgm:txFillClrLst>
+    <dgm:txEffectClrLst/>
+  </dgm:styleLbl>
+  <dgm:styleLbl name="asst0">
+    <dgm:fillClrLst meth="repeat">
+      <a:schemeClr val="accent2">
+        <a:alpha val="90000"/>
+      </a:schemeClr>
+    </dgm:fillClrLst>
+    <dgm:linClrLst meth="repeat">
+      <a:schemeClr val="lt1"/>
+    </dgm:linClrLst>
+    <dgm:effectClrLst/>
+    <dgm:txLinClrLst/>
+    <dgm:txFillClrLst/>
+    <dgm:txEffectClrLst/>
+  </dgm:styleLbl>
+  <dgm:styleLbl name="asst1">
+    <dgm:fillClrLst meth="repeat">
+      <a:schemeClr val="accent2">
+        <a:alpha val="90000"/>
+      </a:schemeClr>
+    </dgm:fillClrLst>
+    <dgm:linClrLst meth="repeat">
+      <a:schemeClr val="lt1"/>
+    </dgm:linClrLst>
+    <dgm:effectClrLst/>
+    <dgm:txLinClrLst/>
+    <dgm:txFillClrLst/>
+    <dgm:txEffectClrLst/>
+  </dgm:styleLbl>
+  <dgm:styleLbl name="asst2">
+    <dgm:fillClrLst>
+      <a:schemeClr val="accent2">
+        <a:alpha val="90000"/>
+      </a:schemeClr>
+    </dgm:fillClrLst>
+    <dgm:linClrLst meth="repeat">
+      <a:schemeClr val="lt1"/>
+    </dgm:linClrLst>
+    <dgm:effectClrLst/>
+    <dgm:txLinClrLst/>
+    <dgm:txFillClrLst/>
+    <dgm:txEffectClrLst/>
+  </dgm:styleLbl>
+  <dgm:styleLbl name="asst3">
+    <dgm:fillClrLst>
+      <a:schemeClr val="accent2">
+        <a:alpha val="70000"/>
+      </a:schemeClr>
+    </dgm:fillClrLst>
+    <dgm:linClrLst meth="repeat">
+      <a:schemeClr val="lt1"/>
+    </dgm:linClrLst>
+    <dgm:effectClrLst/>
+    <dgm:txLinClrLst/>
+    <dgm:txFillClrLst/>
+    <dgm:txEffectClrLst/>
+  </dgm:styleLbl>
+  <dgm:styleLbl name="asst4">
+    <dgm:fillClrLst>
+      <a:schemeClr val="accent2">
+        <a:alpha val="50000"/>
+      </a:schemeClr>
+    </dgm:fillClrLst>
+    <dgm:linClrLst meth="repeat">
+      <a:schemeClr val="lt1"/>
+    </dgm:linClrLst>
+    <dgm:effectClrLst/>
+    <dgm:txLinClrLst/>
+    <dgm:txFillClrLst/>
+    <dgm:txEffectClrLst/>
+  </dgm:styleLbl>
+  <dgm:styleLbl name="parChTrans2D1">
+    <dgm:fillClrLst meth="repeat">
+      <a:schemeClr val="accent2">
+        <a:shade val="80000"/>
+      </a:schemeClr>
+    </dgm:fillClrLst>
+    <dgm:linClrLst meth="repeat">
+      <a:schemeClr val="accent2">
+        <a:shade val="80000"/>
+      </a:schemeClr>
+    </dgm:linClrLst>
+    <dgm:effectClrLst/>
+    <dgm:txLinClrLst/>
+    <dgm:txFillClrLst/>
+    <dgm:txEffectClrLst/>
+  </dgm:styleLbl>
+  <dgm:styleLbl name="parChTrans2D2">
+    <dgm:fillClrLst meth="repeat">
+      <a:schemeClr val="accent2">
+        <a:tint val="90000"/>
+      </a:schemeClr>
+    </dgm:fillClrLst>
+    <dgm:linClrLst meth="repeat">
+      <a:schemeClr val="accent2">
+        <a:tint val="90000"/>
+      </a:schemeClr>
+    </dgm:linClrLst>
+    <dgm:effectClrLst/>
+    <dgm:txLinClrLst/>
+    <dgm:txFillClrLst/>
+    <dgm:txEffectClrLst/>
+  </dgm:styleLbl>
+  <dgm:styleLbl name="parChTrans2D3">
+    <dgm:fillClrLst meth="repeat">
+      <a:schemeClr val="accent2">
+        <a:tint val="70000"/>
+      </a:schemeClr>
+    </dgm:fillClrLst>
+    <dgm:linClrLst meth="repeat">
+      <a:schemeClr val="accent2">
+        <a:tint val="70000"/>
+      </a:schemeClr>
+    </dgm:linClrLst>
+    <dgm:effectClrLst/>
+    <dgm:txLinClrLst/>
+    <dgm:txFillClrLst/>
+    <dgm:txEffectClrLst/>
+  </dgm:styleLbl>
+  <dgm:styleLbl name="parChTrans2D4">
+    <dgm:fillClrLst meth="repeat">
+      <a:schemeClr val="accent2">
+        <a:tint val="50000"/>
+      </a:schemeClr>
+    </dgm:fillClrLst>
+    <dgm:linClrLst meth="repeat">
+      <a:schemeClr val="accent2">
+        <a:tint val="50000"/>
+      </a:schemeClr>
+    </dgm:linClrLst>
+    <dgm:effectClrLst/>
+    <dgm:txLinClrLst/>
+    <dgm:txFillClrLst meth="repeat">
+      <a:schemeClr val="dk1"/>
+    </dgm:txFillClrLst>
+    <dgm:txEffectClrLst/>
+  </dgm:styleLbl>
+  <dgm:styleLbl name="parChTrans1D1">
+    <dgm:fillClrLst meth="repeat">
+      <a:schemeClr val="accent2">
+        <a:shade val="80000"/>
+      </a:schemeClr>
+    </dgm:fillClrLst>
+    <dgm:linClrLst meth="repeat">
+      <a:schemeClr val="accent2">
+        <a:shade val="80000"/>
+      </a:schemeClr>
+    </dgm:linClrLst>
+    <dgm:effectClrLst/>
+    <dgm:txLinClrLst/>
+    <dgm:txFillClrLst meth="repeat">
+      <a:schemeClr val="tx1"/>
+    </dgm:txFillClrLst>
+    <dgm:txEffectClrLst/>
+  </dgm:styleLbl>
+  <dgm:styleLbl name="parChTrans1D2">
+    <dgm:fillClrLst meth="repeat">
+      <a:schemeClr val="accent2">
+        <a:tint val="90000"/>
+      </a:schemeClr>
+    </dgm:fillClrLst>
+    <dgm:linClrLst meth="repeat">
+      <a:schemeClr val="accent2">
+        <a:tint val="90000"/>
+      </a:schemeClr>
+    </dgm:linClrLst>
+    <dgm:effectClrLst/>
+    <dgm:txLinClrLst/>
+    <dgm:txFillClrLst meth="repeat">
+      <a:schemeClr val="tx1"/>
+    </dgm:txFillClrLst>
+    <dgm:txEffectClrLst/>
+  </dgm:styleLbl>
+  <dgm:styleLbl name="parChTrans1D3">
+    <dgm:fillClrLst meth="repeat">
+      <a:schemeClr val="accent2">
+        <a:tint val="70000"/>
+      </a:schemeClr>
+    </dgm:fillClrLst>
+    <dgm:linClrLst meth="repeat">
+      <a:schemeClr val="accent2">
+        <a:tint val="70000"/>
+      </a:schemeClr>
+    </dgm:linClrLst>
+    <dgm:effectClrLst/>
+    <dgm:txLinClrLst/>
+    <dgm:txFillClrLst meth="repeat">
+      <a:schemeClr val="tx1"/>
+    </dgm:txFillClrLst>
+    <dgm:txEffectClrLst/>
+  </dgm:styleLbl>
+  <dgm:styleLbl name="parChTrans1D4">
+    <dgm:fillClrLst meth="repeat">
+      <a:schemeClr val="accent2">
+        <a:tint val="50000"/>
+      </a:schemeClr>
+    </dgm:fillClrLst>
+    <dgm:linClrLst meth="repeat">
+      <a:schemeClr val="accent2">
+        <a:tint val="50000"/>
+      </a:schemeClr>
+    </dgm:linClrLst>
+    <dgm:effectClrLst/>
+    <dgm:txLinClrLst/>
+    <dgm:txFillClrLst meth="repeat">
+      <a:schemeClr val="tx1"/>
+    </dgm:txFillClrLst>
+    <dgm:txEffectClrLst/>
+  </dgm:styleLbl>
+  <dgm:styleLbl name="fgAcc1">
+    <dgm:fillClrLst meth="repeat">
+      <a:schemeClr val="lt1">
+        <a:alpha val="90000"/>
+      </a:schemeClr>
+    </dgm:fillClrLst>
+    <dgm:linClrLst>
+      <a:schemeClr val="accent2">
+        <a:alpha val="90000"/>
+      </a:schemeClr>
+      <a:schemeClr val="accent2">
+        <a:alpha val="50000"/>
+      </a:schemeClr>
+    </dgm:linClrLst>
+    <dgm:effectClrLst/>
+    <dgm:txLinClrLst/>
+    <dgm:txFillClrLst meth="repeat">
+      <a:schemeClr val="dk1"/>
+    </dgm:txFillClrLst>
+    <dgm:txEffectClrLst/>
+  </dgm:styleLbl>
+  <dgm:styleLbl name="conFgAcc1">
+    <dgm:fillClrLst meth="repeat">
+      <a:schemeClr val="lt1">
+        <a:alpha val="90000"/>
+      </a:schemeClr>
+    </dgm:fillClrLst>
+    <dgm:linClrLst>
+      <a:schemeClr val="accent2">
+        <a:alpha val="90000"/>
+      </a:schemeClr>
+      <a:schemeClr val="accent2">
+        <a:alpha val="50000"/>
+      </a:schemeClr>
+    </dgm:linClrLst>
+    <dgm:effectClrLst/>
+    <dgm:txLinClrLst/>
+    <dgm:txFillClrLst meth="repeat">
+      <a:schemeClr val="dk1"/>
+    </dgm:txFillClrLst>
+    <dgm:txEffectClrLst/>
+  </dgm:styleLbl>
+  <dgm:styleLbl name="alignAcc1">
+    <dgm:fillClrLst meth="repeat">
+      <a:schemeClr val="lt1">
+        <a:alpha val="90000"/>
+      </a:schemeClr>
+    </dgm:fillClrLst>
+    <dgm:linClrLst>
+      <a:schemeClr val="accent2">
+        <a:alpha val="90000"/>
+      </a:schemeClr>
+      <a:schemeClr val="accent2">
+        <a:alpha val="50000"/>
+      </a:schemeClr>
+    </dgm:linClrLst>
+    <dgm:effectClrLst/>
+    <dgm:txLinClrLst/>
+    <dgm:txFillClrLst meth="repeat">
+      <a:schemeClr val="dk1"/>
+    </dgm:txFillClrLst>
+    <dgm:txEffectClrLst/>
+  </dgm:styleLbl>
+  <dgm:styleLbl name="trAlignAcc1">
+    <dgm:fillClrLst meth="repeat">
+      <a:schemeClr val="lt1">
+        <a:alpha val="40000"/>
+      </a:schemeClr>
+    </dgm:fillClrLst>
+    <dgm:linClrLst>
+      <a:schemeClr val="accent2">
+        <a:alpha val="90000"/>
+      </a:schemeClr>
+      <a:schemeClr val="accent2">
+        <a:alpha val="50000"/>
+      </a:schemeClr>
+    </dgm:linClrLst>
+    <dgm:effectClrLst/>
+    <dgm:txLinClrLst/>
+    <dgm:txFillClrLst meth="repeat">
+      <a:schemeClr val="dk1"/>
+    </dgm:txFillClrLst>
+    <dgm:txEffectClrLst/>
+  </dgm:styleLbl>
+  <dgm:styleLbl name="bgAcc1">
+    <dgm:fillClrLst meth="repeat">
+      <a:schemeClr val="lt1">
+        <a:alpha val="90000"/>
+      </a:schemeClr>
+    </dgm:fillClrLst>
+    <dgm:linClrLst>
+      <a:schemeClr val="accent2">
+        <a:alpha val="90000"/>
+      </a:schemeClr>
+      <a:schemeClr val="accent2">
+        <a:alpha val="50000"/>
+      </a:schemeClr>
+    </dgm:linClrLst>
+    <dgm:effectClrLst/>
+    <dgm:txLinClrLst/>
+    <dgm:txFillClrLst meth="repeat">
+      <a:schemeClr val="dk1"/>
+    </dgm:txFillClrLst>
+    <dgm:txEffectClrLst/>
+  </dgm:styleLbl>
+  <dgm:styleLbl name="solidFgAcc1">
+    <dgm:fillClrLst meth="repeat">
+      <a:schemeClr val="lt1"/>
+    </dgm:fillClrLst>
+    <dgm:linClrLst>
+      <a:schemeClr val="accent2">
+        <a:alpha val="90000"/>
+      </a:schemeClr>
+      <a:schemeClr val="accent2">
+        <a:alpha val="50000"/>
+      </a:schemeClr>
+    </dgm:linClrLst>
+    <dgm:effectClrLst/>
+    <dgm:txLinClrLst/>
+    <dgm:txFillClrLst meth="repeat">
+      <a:schemeClr val="dk1"/>
+    </dgm:txFillClrLst>
+    <dgm:txEffectClrLst/>
+  </dgm:styleLbl>
+  <dgm:styleLbl name="solidAlignAcc1">
+    <dgm:fillClrLst meth="repeat">
+      <a:schemeClr val="lt1"/>
+    </dgm:fillClrLst>
+    <dgm:linClrLst meth="repeat">
+      <a:schemeClr val="accent2"/>
+    </dgm:linClrLst>
+    <dgm:effectClrLst/>
+    <dgm:txLinClrLst/>
+    <dgm:txFillClrLst meth="repeat">
+      <a:schemeClr val="dk1"/>
+    </dgm:txFillClrLst>
+    <dgm:txEffectClrLst/>
+  </dgm:styleLbl>
+  <dgm:styleLbl name="solidBgAcc1">
+    <dgm:fillClrLst meth="repeat">
+      <a:schemeClr val="lt1"/>
+    </dgm:fillClrLst>
+    <dgm:linClrLst meth="repeat">
+      <a:schemeClr val="accent2"/>
+    </dgm:linClrLst>
+    <dgm:effectClrLst/>
+    <dgm:txLinClrLst/>
+    <dgm:txFillClrLst meth="repeat">
+      <a:schemeClr val="dk1"/>
+    </dgm:txFillClrLst>
+    <dgm:txEffectClrLst/>
+  </dgm:styleLbl>
+  <dgm:styleLbl name="fgAccFollowNode1">
+    <dgm:fillClrLst>
+      <a:schemeClr val="accent2">
+        <a:alpha val="90000"/>
+        <a:tint val="40000"/>
+      </a:schemeClr>
+      <a:schemeClr val="accent2">
+        <a:alpha val="50000"/>
+        <a:tint val="40000"/>
+      </a:schemeClr>
+    </dgm:fillClrLst>
+    <dgm:linClrLst meth="repeat">
+      <a:schemeClr val="accent2">
+        <a:alpha val="90000"/>
+        <a:tint val="40000"/>
+      </a:schemeClr>
+    </dgm:linClrLst>
+    <dgm:effectClrLst/>
+    <dgm:txLinClrLst/>
+    <dgm:txFillClrLst meth="repeat">
+      <a:schemeClr val="dk1"/>
+    </dgm:txFillClrLst>
+    <dgm:txEffectClrLst/>
+  </dgm:styleLbl>
+  <dgm:styleLbl name="alignAccFollowNode1">
+    <dgm:fillClrLst meth="repeat">
+      <a:schemeClr val="accent2">
+        <a:alpha val="90000"/>
+        <a:tint val="40000"/>
+      </a:schemeClr>
+    </dgm:fillClrLst>
+    <dgm:linClrLst meth="repeat">
+      <a:schemeClr val="accent2">
+        <a:alpha val="90000"/>
+        <a:tint val="40000"/>
+      </a:schemeClr>
+    </dgm:linClrLst>
+    <dgm:effectClrLst/>
+    <dgm:txLinClrLst/>
+    <dgm:txFillClrLst meth="repeat">
+      <a:schemeClr val="dk1"/>
+    </dgm:txFillClrLst>
+    <dgm:txEffectClrLst/>
+  </dgm:styleLbl>
+  <dgm:styleLbl name="bgAccFollowNode1">
+    <dgm:fillClrLst meth="repeat">
+      <a:schemeClr val="accent2">
+        <a:alpha val="90000"/>
+        <a:tint val="40000"/>
+      </a:schemeClr>
+    </dgm:fillClrLst>
+    <dgm:linClrLst meth="repeat">
+      <a:schemeClr val="lt1"/>
+    </dgm:linClrLst>
+    <dgm:effectClrLst/>
+    <dgm:txLinClrLst/>
+    <dgm:txFillClrLst meth="repeat">
+      <a:schemeClr val="dk1"/>
+    </dgm:txFillClrLst>
+    <dgm:txEffectClrLst/>
+  </dgm:styleLbl>
+  <dgm:styleLbl name="fgAcc0">
+    <dgm:fillClrLst meth="repeat">
+      <a:schemeClr val="lt1">
+        <a:alpha val="90000"/>
+      </a:schemeClr>
+    </dgm:fillClrLst>
+    <dgm:linClrLst meth="repeat">
+      <a:schemeClr val="accent2">
+        <a:shade val="80000"/>
+      </a:schemeClr>
+    </dgm:linClrLst>
+    <dgm:effectClrLst/>
+    <dgm:txLinClrLst/>
+    <dgm:txFillClrLst meth="repeat">
+      <a:schemeClr val="dk1"/>
+    </dgm:txFillClrLst>
+    <dgm:txEffectClrLst/>
+  </dgm:styleLbl>
+  <dgm:styleLbl name="fgAcc2">
+    <dgm:fillClrLst meth="repeat">
+      <a:schemeClr val="lt1">
+        <a:alpha val="90000"/>
+      </a:schemeClr>
+    </dgm:fillClrLst>
+    <dgm:linClrLst meth="repeat">
+      <a:schemeClr val="accent2">
+        <a:tint val="90000"/>
+      </a:schemeClr>
+    </dgm:linClrLst>
+    <dgm:effectClrLst/>
+    <dgm:txLinClrLst/>
+    <dgm:txFillClrLst meth="repeat">
+      <a:schemeClr val="dk1"/>
+    </dgm:txFillClrLst>
+    <dgm:txEffectClrLst/>
+  </dgm:styleLbl>
+  <dgm:styleLbl name="fgAcc3">
+    <dgm:fillClrLst meth="repeat">
+      <a:schemeClr val="lt1">
+        <a:alpha val="90000"/>
+      </a:schemeClr>
+    </dgm:fillClrLst>
+    <dgm:linClrLst meth="repeat">
+      <a:schemeClr val="accent2">
+        <a:tint val="70000"/>
+      </a:schemeClr>
+    </dgm:linClrLst>
+    <dgm:effectClrLst/>
+    <dgm:txLinClrLst/>
+    <dgm:txFillClrLst meth="repeat">
+      <a:schemeClr val="dk1"/>
+    </dgm:txFillClrLst>
+    <dgm:txEffectClrLst/>
+  </dgm:styleLbl>
+  <dgm:styleLbl name="fgAcc4">
+    <dgm:fillClrLst meth="repeat">
+      <a:schemeClr val="lt1">
+        <a:alpha val="90000"/>
+      </a:schemeClr>
+    </dgm:fillClrLst>
+    <dgm:linClrLst meth="repeat">
+      <a:schemeClr val="accent2">
+        <a:tint val="50000"/>
+      </a:schemeClr>
+    </dgm:linClrLst>
+    <dgm:effectClrLst/>
+    <dgm:txLinClrLst/>
+    <dgm:txFillClrLst meth="repeat">
+      <a:schemeClr val="dk1"/>
+    </dgm:txFillClrLst>
+    <dgm:txEffectClrLst/>
+  </dgm:styleLbl>
+  <dgm:styleLbl name="bgShp">
+    <dgm:fillClrLst meth="repeat">
+      <a:schemeClr val="accent2">
+        <a:tint val="40000"/>
+      </a:schemeClr>
+    </dgm:fillClrLst>
+    <dgm:linClrLst meth="repeat">
+      <a:schemeClr val="dk1"/>
+    </dgm:linClrLst>
+    <dgm:effectClrLst/>
+    <dgm:txLinClrLst/>
+    <dgm:txFillClrLst meth="repeat">
+      <a:schemeClr val="dk1"/>
+    </dgm:txFillClrLst>
+    <dgm:txEffectClrLst/>
+  </dgm:styleLbl>
+  <dgm:styleLbl name="dkBgShp">
+    <dgm:fillClrLst meth="repeat">
+      <a:schemeClr val="accent2">
+        <a:shade val="90000"/>
+      </a:schemeClr>
+    </dgm:fillClrLst>
+    <dgm:linClrLst meth="repeat">
+      <a:schemeClr val="dk1"/>
+    </dgm:linClrLst>
+    <dgm:effectClrLst/>
+    <dgm:txLinClrLst/>
+    <dgm:txFillClrLst meth="repeat">
+      <a:schemeClr val="lt1"/>
+    </dgm:txFillClrLst>
+    <dgm:txEffectClrLst/>
+  </dgm:styleLbl>
+  <dgm:styleLbl name="trBgShp">
+    <dgm:fillClrLst meth="repeat">
+      <a:schemeClr val="accent2">
+        <a:tint val="50000"/>
+        <a:alpha val="40000"/>
+      </a:schemeClr>
+    </dgm:fillClrLst>
+    <dgm:linClrLst meth="repeat">
+      <a:schemeClr val="accent2"/>
+    </dgm:linClrLst>
+    <dgm:effectClrLst/>
+    <dgm:txLinClrLst/>
+    <dgm:txFillClrLst meth="repeat">
+      <a:schemeClr val="lt1"/>
+    </dgm:txFillClrLst>
+    <dgm:txEffectClrLst/>
+  </dgm:styleLbl>
+  <dgm:styleLbl name="fgShp">
+    <dgm:fillClrLst meth="repeat">
+      <a:schemeClr val="accent2">
+        <a:tint val="40000"/>
+      </a:schemeClr>
+    </dgm:fillClrLst>
+    <dgm:linClrLst meth="repeat">
+      <a:schemeClr val="lt1"/>
+    </dgm:linClrLst>
+    <dgm:effectClrLst/>
+    <dgm:txLinClrLst/>
+    <dgm:txFillClrLst meth="repeat">
+      <a:schemeClr val="dk1"/>
+    </dgm:txFillClrLst>
+    <dgm:txEffectClrLst/>
+  </dgm:styleLbl>
+  <dgm:styleLbl name="revTx">
+    <dgm:fillClrLst meth="repeat">
+      <a:schemeClr val="lt1">
+        <a:alpha val="0"/>
+      </a:schemeClr>
+    </dgm:fillClrLst>
+    <dgm:linClrLst meth="repeat">
+      <a:schemeClr val="dk1">
+        <a:alpha val="0"/>
+      </a:schemeClr>
+    </dgm:linClrLst>
+    <dgm:effectClrLst/>
+    <dgm:txLinClrLst/>
+    <dgm:txFillClrLst meth="repeat">
+      <a:schemeClr val="tx1"/>
+    </dgm:txFillClrLst>
+    <dgm:txEffectClrLst/>
+  </dgm:styleLbl>
+</dgm:colorsDef>
+</file>
+
 <file path=ppt/diagrams/data1.xml><?xml version="1.0" encoding="utf-8"?>
 <dgm:dataModel xmlns:dgm="http://schemas.openxmlformats.org/drawingml/2006/diagram" xmlns:a="http://schemas.openxmlformats.org/drawingml/2006/main">
   <dgm:ptLst>
@@ -3011,9 +3891,9 @@
     <dgm:cxn modelId="{247BDA27-022A-4B1C-8911-1F0CD85F4FC2}" srcId="{7C729959-6112-4B9E-8DB8-4EDB4AAC110C}" destId="{ED28B189-7B63-46F1-BEB4-EC5B4CD58817}" srcOrd="0" destOrd="0" parTransId="{DF186D05-CCF5-4384-B84D-BCA709E51CDB}" sibTransId="{6538C10A-5240-49E3-9AAF-7E61B9FBAD83}"/>
     <dgm:cxn modelId="{B9F6F928-6582-4E08-A833-4740891F0DA5}" type="presOf" srcId="{D8F2BE1E-77CF-409B-B14E-29386247E749}" destId="{8F7C1629-A271-4A28-A4A1-1BA918578D73}" srcOrd="0" destOrd="0" presId="urn:microsoft.com/office/officeart/2005/8/layout/hierarchy4"/>
     <dgm:cxn modelId="{C0989A31-1EC1-4518-B4D8-F3D3C2251833}" srcId="{FE11105C-D075-410D-ACFF-2ED51AB1BD8F}" destId="{713EA455-D95E-4BD4-915F-0A1BBB90AABE}" srcOrd="0" destOrd="0" parTransId="{A7224728-02B9-4CEB-A945-7D38D9503E05}" sibTransId="{47999F96-61E1-4F6B-9A6C-D4DEFCE4DD21}"/>
-    <dgm:cxn modelId="{047EB56E-4F1D-498C-B76D-56E47ABF89AF}" type="presOf" srcId="{469ACFCC-D087-447F-AE10-D931B2C2FFB1}" destId="{145AA089-1FB5-47B0-8510-AA3608FB137C}" srcOrd="0" destOrd="0" presId="urn:microsoft.com/office/officeart/2005/8/layout/hierarchy4"/>
     <dgm:cxn modelId="{DAB51B50-826A-4115-A44A-9A46DC245C7C}" srcId="{77222237-365F-421B-B56C-09DABB5AFC31}" destId="{469ACFCC-D087-447F-AE10-D931B2C2FFB1}" srcOrd="1" destOrd="0" parTransId="{EC5403AD-8569-4C1D-99F2-1BCDF8037225}" sibTransId="{5338FF02-449C-47D5-AF75-B2F29F53CB2B}"/>
     <dgm:cxn modelId="{FC2B4B51-D526-4D0B-AED1-0B2E75238E49}" type="presOf" srcId="{77222237-365F-421B-B56C-09DABB5AFC31}" destId="{27F65DB4-7C48-424D-A8DA-974218FF4936}" srcOrd="0" destOrd="0" presId="urn:microsoft.com/office/officeart/2005/8/layout/hierarchy4"/>
+    <dgm:cxn modelId="{047EB56E-4F1D-498C-B76D-56E47ABF89AF}" type="presOf" srcId="{469ACFCC-D087-447F-AE10-D931B2C2FFB1}" destId="{145AA089-1FB5-47B0-8510-AA3608FB137C}" srcOrd="0" destOrd="0" presId="urn:microsoft.com/office/officeart/2005/8/layout/hierarchy4"/>
     <dgm:cxn modelId="{FE8A2A78-105B-4327-B5EF-DE87C5082974}" type="presOf" srcId="{7C729959-6112-4B9E-8DB8-4EDB4AAC110C}" destId="{D90AA51D-5C62-4975-A075-2816AF949F8A}" srcOrd="0" destOrd="0" presId="urn:microsoft.com/office/officeart/2005/8/layout/hierarchy4"/>
     <dgm:cxn modelId="{A3E7A987-BEC0-4E4A-8783-3C071E6CC117}" srcId="{D55D57C8-CBE4-47F0-A979-B323AABB08B1}" destId="{77222237-365F-421B-B56C-09DABB5AFC31}" srcOrd="0" destOrd="0" parTransId="{01243CD3-86E6-4DDC-9AFE-62D891F9E32E}" sibTransId="{2E4A3B2B-9CF8-423C-A154-2531D649A970}"/>
     <dgm:cxn modelId="{AE4D669D-B55B-4E33-854E-80DDB315EA7E}" type="presOf" srcId="{713EA455-D95E-4BD4-915F-0A1BBB90AABE}" destId="{5A3D0466-6A95-49E9-B6B7-81679DF32F60}" srcOrd="0" destOrd="0" presId="urn:microsoft.com/office/officeart/2005/8/layout/hierarchy4"/>
@@ -3633,9 +4513,9 @@
     <dgm:cxn modelId="{247BDA27-022A-4B1C-8911-1F0CD85F4FC2}" srcId="{7C729959-6112-4B9E-8DB8-4EDB4AAC110C}" destId="{ED28B189-7B63-46F1-BEB4-EC5B4CD58817}" srcOrd="0" destOrd="0" parTransId="{DF186D05-CCF5-4384-B84D-BCA709E51CDB}" sibTransId="{6538C10A-5240-49E3-9AAF-7E61B9FBAD83}"/>
     <dgm:cxn modelId="{B9F6F928-6582-4E08-A833-4740891F0DA5}" type="presOf" srcId="{D8F2BE1E-77CF-409B-B14E-29386247E749}" destId="{8F7C1629-A271-4A28-A4A1-1BA918578D73}" srcOrd="0" destOrd="0" presId="urn:microsoft.com/office/officeart/2005/8/layout/hierarchy4"/>
     <dgm:cxn modelId="{C0989A31-1EC1-4518-B4D8-F3D3C2251833}" srcId="{FE11105C-D075-410D-ACFF-2ED51AB1BD8F}" destId="{713EA455-D95E-4BD4-915F-0A1BBB90AABE}" srcOrd="0" destOrd="0" parTransId="{A7224728-02B9-4CEB-A945-7D38D9503E05}" sibTransId="{47999F96-61E1-4F6B-9A6C-D4DEFCE4DD21}"/>
-    <dgm:cxn modelId="{047EB56E-4F1D-498C-B76D-56E47ABF89AF}" type="presOf" srcId="{469ACFCC-D087-447F-AE10-D931B2C2FFB1}" destId="{145AA089-1FB5-47B0-8510-AA3608FB137C}" srcOrd="0" destOrd="0" presId="urn:microsoft.com/office/officeart/2005/8/layout/hierarchy4"/>
     <dgm:cxn modelId="{DAB51B50-826A-4115-A44A-9A46DC245C7C}" srcId="{77222237-365F-421B-B56C-09DABB5AFC31}" destId="{469ACFCC-D087-447F-AE10-D931B2C2FFB1}" srcOrd="1" destOrd="0" parTransId="{EC5403AD-8569-4C1D-99F2-1BCDF8037225}" sibTransId="{5338FF02-449C-47D5-AF75-B2F29F53CB2B}"/>
     <dgm:cxn modelId="{FC2B4B51-D526-4D0B-AED1-0B2E75238E49}" type="presOf" srcId="{77222237-365F-421B-B56C-09DABB5AFC31}" destId="{27F65DB4-7C48-424D-A8DA-974218FF4936}" srcOrd="0" destOrd="0" presId="urn:microsoft.com/office/officeart/2005/8/layout/hierarchy4"/>
+    <dgm:cxn modelId="{047EB56E-4F1D-498C-B76D-56E47ABF89AF}" type="presOf" srcId="{469ACFCC-D087-447F-AE10-D931B2C2FFB1}" destId="{145AA089-1FB5-47B0-8510-AA3608FB137C}" srcOrd="0" destOrd="0" presId="urn:microsoft.com/office/officeart/2005/8/layout/hierarchy4"/>
     <dgm:cxn modelId="{FE8A2A78-105B-4327-B5EF-DE87C5082974}" type="presOf" srcId="{7C729959-6112-4B9E-8DB8-4EDB4AAC110C}" destId="{D90AA51D-5C62-4975-A075-2816AF949F8A}" srcOrd="0" destOrd="0" presId="urn:microsoft.com/office/officeart/2005/8/layout/hierarchy4"/>
     <dgm:cxn modelId="{A3E7A987-BEC0-4E4A-8783-3C071E6CC117}" srcId="{D55D57C8-CBE4-47F0-A979-B323AABB08B1}" destId="{77222237-365F-421B-B56C-09DABB5AFC31}" srcOrd="0" destOrd="0" parTransId="{01243CD3-86E6-4DDC-9AFE-62D891F9E32E}" sibTransId="{2E4A3B2B-9CF8-423C-A154-2531D649A970}"/>
     <dgm:cxn modelId="{AE4D669D-B55B-4E33-854E-80DDB315EA7E}" type="presOf" srcId="{713EA455-D95E-4BD4-915F-0A1BBB90AABE}" destId="{5A3D0466-6A95-49E9-B6B7-81679DF32F60}" srcOrd="0" destOrd="0" presId="urn:microsoft.com/office/officeart/2005/8/layout/hierarchy4"/>
@@ -3706,33 +4586,125 @@
         </a:p>
       </dgm:t>
     </dgm:pt>
-    <dgm:pt modelId="{0DEF8D44-0DAE-4094-9D7F-A3F19874170E}">
-      <dgm:prSet phldrT="[文本]"/>
-      <dgm:spPr/>
-      <dgm:t>
-        <a:bodyPr/>
-        <a:lstStyle/>
-        <a:p>
-          <a:r>
-            <a:rPr lang="en-US" altLang="zh-CN" dirty="0"/>
-            <a:t>Optimize</a:t>
-          </a:r>
-          <a:r>
-            <a:rPr lang="zh-CN" altLang="en-US" dirty="0"/>
-            <a:t>：</a:t>
-          </a:r>
-          <a:r>
-            <a:rPr lang="en-US" altLang="zh-CN" dirty="0" err="1"/>
-            <a:t>Max_tourist_number</a:t>
-          </a:r>
-          <a:r>
-            <a:rPr lang="en-US" altLang="zh-CN" dirty="0"/>
-            <a:t>, Tex Rate, Amount of penalty</a:t>
-          </a:r>
-          <a:endParaRPr lang="zh-CN" altLang="en-US" dirty="0"/>
-        </a:p>
-      </dgm:t>
-    </dgm:pt>
+    <mc:AlternateContent xmlns:mc="http://schemas.openxmlformats.org/markup-compatibility/2006">
+      <mc:Choice xmlns:a14="http://schemas.microsoft.com/office/drawing/2010/main" Requires="a14">
+        <dgm:pt modelId="{0DEF8D44-0DAE-4094-9D7F-A3F19874170E}">
+          <dgm:prSet phldrT="[文本]"/>
+          <dgm:spPr/>
+          <dgm:t>
+            <a:bodyPr/>
+            <a:lstStyle/>
+            <a:p>
+              <a:r>
+                <a:rPr lang="en-US" altLang="zh-CN" dirty="0"/>
+                <a:t>Optimization: </a:t>
+              </a:r>
+              <a14:m>
+                <m:oMath xmlns:m="http://schemas.openxmlformats.org/officeDocument/2006/math">
+                  <m:sSub>
+                    <m:sSubPr>
+                      <m:ctrlPr>
+                        <a:rPr lang="en-US" altLang="zh-CN" i="1" dirty="0" smtClean="0">
+                          <a:latin typeface="Cambria Math" panose="02040503050406030204" pitchFamily="18" charset="0"/>
+                        </a:rPr>
+                      </m:ctrlPr>
+                    </m:sSubPr>
+                    <m:e>
+                      <m:r>
+                        <a:rPr lang="en-US" altLang="zh-CN" i="1" dirty="0" smtClean="0">
+                          <a:latin typeface="Cambria Math" panose="02040503050406030204" pitchFamily="18" charset="0"/>
+                        </a:rPr>
+                        <m:t>𝑁</m:t>
+                      </m:r>
+                    </m:e>
+                    <m:sub>
+                      <m:r>
+                        <a:rPr lang="en-US" altLang="zh-CN" i="1" dirty="0" smtClean="0">
+                          <a:latin typeface="Cambria Math" panose="02040503050406030204" pitchFamily="18" charset="0"/>
+                        </a:rPr>
+                        <m:t>𝑀𝑎𝑥</m:t>
+                      </m:r>
+                    </m:sub>
+                  </m:sSub>
+                </m:oMath>
+              </a14:m>
+              <a:r>
+                <a:rPr lang="en-US" altLang="zh-CN" dirty="0"/>
+                <a:t> (Maximum ,  </a:t>
+              </a:r>
+              <a:r>
+                <a:rPr lang="en-US" altLang="en-US" dirty="0"/>
+                <a:t>𝜂 (Tax Rate) , </a:t>
+              </a:r>
+              <a:r>
+                <a:rPr lang="en-US" altLang="zh-CN" dirty="0"/>
+                <a:t> </a:t>
+              </a:r>
+              <a14:m>
+                <m:oMath xmlns:m="http://schemas.openxmlformats.org/officeDocument/2006/math">
+                  <m:r>
+                    <a:rPr lang="en-US" altLang="en-US" i="1" dirty="0" smtClean="0">
+                      <a:latin typeface="Cambria Math" panose="02040503050406030204" pitchFamily="18" charset="0"/>
+                    </a:rPr>
+                    <m:t>𝑄</m:t>
+                  </m:r>
+                </m:oMath>
+              </a14:m>
+              <a:r>
+                <a:rPr lang="en-US" altLang="zh-CN" dirty="0"/>
+                <a:t> ( Amount of Penalty)</a:t>
+              </a:r>
+              <a:endParaRPr lang="zh-CN" altLang="en-US" dirty="0"/>
+            </a:p>
+          </dgm:t>
+        </dgm:pt>
+      </mc:Choice>
+      <mc:Fallback>
+        <dgm:pt modelId="{0DEF8D44-0DAE-4094-9D7F-A3F19874170E}">
+          <dgm:prSet phldrT="[文本]"/>
+          <dgm:spPr/>
+          <dgm:t>
+            <a:bodyPr/>
+            <a:lstStyle/>
+            <a:p>
+              <a:r>
+                <a:rPr lang="en-US" altLang="zh-CN" dirty="0"/>
+                <a:t>Optimization: </a:t>
+              </a:r>
+              <a:r>
+                <a:rPr lang="en-US" altLang="zh-CN" i="0" dirty="0">
+                  <a:latin typeface="Cambria Math" panose="02040503050406030204" pitchFamily="18" charset="0"/>
+                </a:rPr>
+                <a:t>𝑁_𝑀𝑎𝑥</a:t>
+              </a:r>
+              <a:r>
+                <a:rPr lang="en-US" altLang="zh-CN" dirty="0"/>
+                <a:t> (Maximum ,  </a:t>
+              </a:r>
+              <a:r>
+                <a:rPr lang="en-US" altLang="en-US" dirty="0"/>
+                <a:t>𝜂 (Tax Rate) , </a:t>
+              </a:r>
+              <a:r>
+                <a:rPr lang="en-US" altLang="zh-CN" dirty="0"/>
+                <a:t> </a:t>
+              </a:r>
+              <a:r>
+                <a:rPr lang="en-US" altLang="en-US" i="0" dirty="0">
+                  <a:latin typeface="Cambria Math" panose="02040503050406030204" pitchFamily="18" charset="0"/>
+                </a:rPr>
+                <a:t>𝑄</a:t>
+              </a:r>
+              <a:r>
+                <a:rPr lang="en-US" altLang="zh-CN" dirty="0"/>
+                <a:t> ( Amount of Penalty)</a:t>
+              </a:r>
+              <a:endParaRPr lang="zh-CN" altLang="en-US" dirty="0"/>
+            </a:p>
+          </dgm:t>
+        </dgm:pt>
+      </mc:Fallback>
+    </mc:AlternateContent>
     <dgm:pt modelId="{5CFB0CC9-E888-4421-BD4A-1719856A6857}" type="parTrans" cxnId="{29695A5F-99F2-4EC3-AD41-EFB6EB908A3C}">
       <dgm:prSet/>
       <dgm:spPr/>
@@ -3755,41 +4727,101 @@
         </a:p>
       </dgm:t>
     </dgm:pt>
-    <dgm:pt modelId="{DE680293-E735-447B-A054-DF305C0CD88C}">
-      <dgm:prSet phldrT="[文本]"/>
-      <dgm:spPr/>
-      <dgm:t>
-        <a:bodyPr/>
-        <a:lstStyle/>
-        <a:p>
-          <a:r>
-            <a:rPr lang="en-US" altLang="zh-CN" dirty="0"/>
-            <a:t>Constraint</a:t>
-          </a:r>
-          <a:r>
-            <a:rPr lang="zh-CN" altLang="en-US" dirty="0"/>
-            <a:t>：</a:t>
-          </a:r>
-          <a:r>
-            <a:rPr lang="en-US" altLang="zh-CN" dirty="0"/>
-            <a:t>tourist number, </a:t>
-          </a:r>
-          <a:r>
-            <a:rPr lang="en-US" altLang="zh-CN" dirty="0" err="1"/>
-            <a:t>biavariate</a:t>
-          </a:r>
-          <a:r>
-            <a:rPr lang="en-US" altLang="zh-CN" dirty="0"/>
-            <a:t> linear relationship between hidden cost and n &amp; </a:t>
-          </a:r>
-          <a:r>
-            <a:rPr lang="en-US" altLang="zh-CN" dirty="0" err="1"/>
-            <a:t>n_local</a:t>
-          </a:r>
-          <a:endParaRPr lang="zh-CN" altLang="en-US" dirty="0"/>
-        </a:p>
-      </dgm:t>
-    </dgm:pt>
+    <mc:AlternateContent xmlns:mc="http://schemas.openxmlformats.org/markup-compatibility/2006">
+      <mc:Choice xmlns:a14="http://schemas.microsoft.com/office/drawing/2010/main" Requires="a14">
+        <dgm:pt modelId="{DE680293-E735-447B-A054-DF305C0CD88C}">
+          <dgm:prSet phldrT="[文本]"/>
+          <dgm:spPr/>
+          <dgm:t>
+            <a:bodyPr/>
+            <a:lstStyle/>
+            <a:p>
+              <a:r>
+                <a:rPr lang="en-US" altLang="zh-CN" dirty="0"/>
+                <a:t>Constraint    : Tourist number, bivariate linear relationship between hidden cost and </a:t>
+              </a:r>
+              <a14:m>
+                <m:oMath xmlns:m="http://schemas.openxmlformats.org/officeDocument/2006/math">
+                  <m:r>
+                    <a:rPr lang="en-US" altLang="zh-CN" i="1" dirty="0" smtClean="0">
+                      <a:latin typeface="Cambria Math" panose="02040503050406030204" pitchFamily="18" charset="0"/>
+                    </a:rPr>
+                    <m:t>𝑁</m:t>
+                  </m:r>
+                </m:oMath>
+              </a14:m>
+              <a:r>
+                <a:rPr lang="en-US" altLang="zh-CN" dirty="0"/>
+                <a:t> &amp; </a:t>
+              </a:r>
+              <a14:m>
+                <m:oMath xmlns:m="http://schemas.openxmlformats.org/officeDocument/2006/math">
+                  <m:sSub>
+                    <m:sSubPr>
+                      <m:ctrlPr>
+                        <a:rPr lang="en-US" altLang="zh-CN" i="1" dirty="0" smtClean="0">
+                          <a:latin typeface="Cambria Math" panose="02040503050406030204" pitchFamily="18" charset="0"/>
+                        </a:rPr>
+                      </m:ctrlPr>
+                    </m:sSubPr>
+                    <m:e>
+                      <m:r>
+                        <a:rPr lang="en-US" altLang="zh-CN" i="1" dirty="0" smtClean="0">
+                          <a:latin typeface="Cambria Math" panose="02040503050406030204" pitchFamily="18" charset="0"/>
+                        </a:rPr>
+                        <m:t>𝑁</m:t>
+                      </m:r>
+                    </m:e>
+                    <m:sub>
+                      <m:r>
+                        <a:rPr lang="en-US" altLang="zh-CN" i="1" dirty="0" smtClean="0">
+                          <a:latin typeface="Cambria Math" panose="02040503050406030204" pitchFamily="18" charset="0"/>
+                        </a:rPr>
+                        <m:t>𝐿𝑜𝑐𝑎𝑙</m:t>
+                      </m:r>
+                    </m:sub>
+                  </m:sSub>
+                </m:oMath>
+              </a14:m>
+              <a:endParaRPr lang="zh-CN" altLang="en-US" dirty="0"/>
+            </a:p>
+          </dgm:t>
+        </dgm:pt>
+      </mc:Choice>
+      <mc:Fallback>
+        <dgm:pt modelId="{DE680293-E735-447B-A054-DF305C0CD88C}">
+          <dgm:prSet phldrT="[文本]"/>
+          <dgm:spPr/>
+          <dgm:t>
+            <a:bodyPr/>
+            <a:lstStyle/>
+            <a:p>
+              <a:r>
+                <a:rPr lang="en-US" altLang="zh-CN" dirty="0"/>
+                <a:t>Constraint    : Tourist number, bivariate linear relationship between hidden cost and </a:t>
+              </a:r>
+              <a:r>
+                <a:rPr lang="en-US" altLang="zh-CN" i="0" dirty="0">
+                  <a:latin typeface="Cambria Math" panose="02040503050406030204" pitchFamily="18" charset="0"/>
+                </a:rPr>
+                <a:t>𝑁</a:t>
+              </a:r>
+              <a:r>
+                <a:rPr lang="en-US" altLang="zh-CN" dirty="0"/>
+                <a:t> &amp; </a:t>
+              </a:r>
+              <a:r>
+                <a:rPr lang="en-US" altLang="zh-CN" i="0" dirty="0">
+                  <a:latin typeface="Cambria Math" panose="02040503050406030204" pitchFamily="18" charset="0"/>
+                </a:rPr>
+                <a:t>𝑁_𝐿𝑜𝑐𝑎𝑙</a:t>
+              </a:r>
+              <a:endParaRPr lang="zh-CN" altLang="en-US" dirty="0"/>
+            </a:p>
+          </dgm:t>
+        </dgm:pt>
+      </mc:Fallback>
+    </mc:AlternateContent>
     <dgm:pt modelId="{CECEB5E6-CC95-417A-B7F8-096E4D09FEED}" type="parTrans" cxnId="{BC04BC72-470F-458F-9FE6-C4F5927889F2}">
       <dgm:prSet/>
       <dgm:spPr/>
@@ -3849,37 +4881,109 @@
         </a:p>
       </dgm:t>
     </dgm:pt>
-    <dgm:pt modelId="{AB769C1C-B58D-4D20-B6C2-2B7876C89CDE}">
-      <dgm:prSet phldrT="[文本]"/>
-      <dgm:spPr/>
-      <dgm:t>
-        <a:bodyPr/>
-        <a:lstStyle/>
-        <a:p>
-          <a:r>
-            <a:rPr lang="en-US" altLang="en-US" dirty="0"/>
-            <a:t>examine how the model's reacts to changes in three parameters: </a:t>
-          </a:r>
-          <a:r>
-            <a:rPr lang="en-US" altLang="en-US" dirty="0" err="1"/>
-            <a:t>max_n</a:t>
-          </a:r>
-          <a:r>
-            <a:rPr lang="en-US" altLang="en-US" dirty="0"/>
-            <a:t>, </a:t>
-          </a:r>
-          <a:r>
-            <a:rPr lang="en-US" altLang="en-US" dirty="0" err="1"/>
-            <a:t>tex</a:t>
-          </a:r>
-          <a:r>
-            <a:rPr lang="en-US" altLang="en-US" dirty="0"/>
-            <a:t>, and q, with one parameter varying while others were held constant. </a:t>
-          </a:r>
-          <a:endParaRPr lang="zh-CN" altLang="en-US" dirty="0"/>
-        </a:p>
-      </dgm:t>
-    </dgm:pt>
+    <mc:AlternateContent xmlns:mc="http://schemas.openxmlformats.org/markup-compatibility/2006">
+      <mc:Choice xmlns:a14="http://schemas.microsoft.com/office/drawing/2010/main" Requires="a14">
+        <dgm:pt modelId="{AB769C1C-B58D-4D20-B6C2-2B7876C89CDE}">
+          <dgm:prSet phldrT="[文本]"/>
+          <dgm:spPr/>
+          <dgm:t>
+            <a:bodyPr/>
+            <a:lstStyle/>
+            <a:p>
+              <a:r>
+                <a:rPr lang="en-US" altLang="en-US" dirty="0"/>
+                <a:t>Examine how the model reacts to changes in three parameters: </a:t>
+              </a:r>
+              <a14:m>
+                <m:oMath xmlns:m="http://schemas.openxmlformats.org/officeDocument/2006/math">
+                  <m:sSub>
+                    <m:sSubPr>
+                      <m:ctrlPr>
+                        <a:rPr lang="en-US" altLang="en-US" i="1" dirty="0" err="1" smtClean="0">
+                          <a:latin typeface="Cambria Math" panose="02040503050406030204" pitchFamily="18" charset="0"/>
+                        </a:rPr>
+                      </m:ctrlPr>
+                    </m:sSubPr>
+                    <m:e>
+                      <m:r>
+                        <a:rPr lang="en-US" altLang="en-US" i="1" dirty="0" err="1" smtClean="0">
+                          <a:latin typeface="Cambria Math" panose="02040503050406030204" pitchFamily="18" charset="0"/>
+                        </a:rPr>
+                        <m:t>𝑁</m:t>
+                      </m:r>
+                    </m:e>
+                    <m:sub>
+                      <m:r>
+                        <a:rPr lang="en-US" altLang="en-US" i="1" dirty="0" err="1" smtClean="0">
+                          <a:latin typeface="Cambria Math" panose="02040503050406030204" pitchFamily="18" charset="0"/>
+                        </a:rPr>
+                        <m:t>𝑀𝑎𝑥</m:t>
+                      </m:r>
+                    </m:sub>
+                  </m:sSub>
+                </m:oMath>
+              </a14:m>
+              <a:r>
+                <a:rPr lang="en-US" altLang="en-US" dirty="0"/>
+                <a:t>, 𝜂, and </a:t>
+              </a:r>
+              <a14:m>
+                <m:oMath xmlns:m="http://schemas.openxmlformats.org/officeDocument/2006/math">
+                  <m:r>
+                    <a:rPr lang="en-US" altLang="en-US" i="1" dirty="0" smtClean="0">
+                      <a:latin typeface="Cambria Math" panose="02040503050406030204" pitchFamily="18" charset="0"/>
+                    </a:rPr>
+                    <m:t>𝑄</m:t>
+                  </m:r>
+                </m:oMath>
+              </a14:m>
+              <a:r>
+                <a:rPr lang="en-US" altLang="en-US" dirty="0"/>
+                <a:t>, with one parameter varying while others were held constant. </a:t>
+              </a:r>
+              <a:endParaRPr lang="zh-CN" altLang="en-US" dirty="0"/>
+            </a:p>
+          </dgm:t>
+        </dgm:pt>
+      </mc:Choice>
+      <mc:Fallback>
+        <dgm:pt modelId="{AB769C1C-B58D-4D20-B6C2-2B7876C89CDE}">
+          <dgm:prSet phldrT="[文本]"/>
+          <dgm:spPr/>
+          <dgm:t>
+            <a:bodyPr/>
+            <a:lstStyle/>
+            <a:p>
+              <a:r>
+                <a:rPr lang="en-US" altLang="en-US" dirty="0"/>
+                <a:t>Examine how the model reacts to changes in three parameters: </a:t>
+              </a:r>
+              <a:r>
+                <a:rPr lang="en-US" altLang="en-US" i="0" dirty="0" err="1">
+                  <a:latin typeface="Cambria Math" panose="02040503050406030204" pitchFamily="18" charset="0"/>
+                </a:rPr>
+                <a:t>𝑁_𝑀𝑎𝑥</a:t>
+              </a:r>
+              <a:r>
+                <a:rPr lang="en-US" altLang="en-US" dirty="0"/>
+                <a:t>, 𝜂, and </a:t>
+              </a:r>
+              <a:r>
+                <a:rPr lang="en-US" altLang="en-US" i="0" dirty="0">
+                  <a:latin typeface="Cambria Math" panose="02040503050406030204" pitchFamily="18" charset="0"/>
+                </a:rPr>
+                <a:t>𝑄</a:t>
+              </a:r>
+              <a:r>
+                <a:rPr lang="en-US" altLang="en-US" dirty="0"/>
+                <a:t>, with one parameter varying while others were held constant. </a:t>
+              </a:r>
+              <a:endParaRPr lang="zh-CN" altLang="en-US" dirty="0"/>
+            </a:p>
+          </dgm:t>
+        </dgm:pt>
+      </mc:Fallback>
+    </mc:AlternateContent>
     <dgm:pt modelId="{2F479909-8441-4BCF-B835-A8BA80F3A770}" type="parTrans" cxnId="{7D32EC8E-197E-443D-B7BC-92C004E6444F}">
       <dgm:prSet/>
       <dgm:spPr/>
@@ -3985,7 +5089,7 @@
         <a:p>
           <a:r>
             <a:rPr lang="en-US" altLang="zh-CN" dirty="0"/>
-            <a:t>Fit well</a:t>
+            <a:t>Fits well</a:t>
           </a:r>
           <a:endParaRPr lang="zh-CN" altLang="en-US" dirty="0"/>
         </a:p>
@@ -4137,8 +5241,8 @@
     <dgm:cxn modelId="{04EF0C28-33A1-46A7-BB23-E6ECC802B221}" type="presOf" srcId="{403594F1-D449-4ACD-A958-9DACC7CFDD0E}" destId="{67B13319-7960-4E8F-A71C-B47B08DFE2D8}" srcOrd="0" destOrd="0" presId="urn:microsoft.com/office/officeart/2005/8/layout/chevron2"/>
     <dgm:cxn modelId="{81F2AA28-F3E0-464B-8298-65D03E2D4C85}" srcId="{C0BC1283-64D5-4A7B-958F-07B74E77D90E}" destId="{403594F1-D449-4ACD-A958-9DACC7CFDD0E}" srcOrd="2" destOrd="0" parTransId="{BFA55D12-1DB4-4234-A312-D1D873EDFFCA}" sibTransId="{3D58ACAC-6459-41EA-A457-D8D7FB2E9045}"/>
     <dgm:cxn modelId="{AF3F832F-E729-4457-876A-D061B0FEF0AA}" type="presOf" srcId="{AEF3B304-C237-4184-8F1A-A63F8E972B11}" destId="{4D3B4361-C710-4646-B8C3-A5E3797F5813}" srcOrd="0" destOrd="0" presId="urn:microsoft.com/office/officeart/2005/8/layout/chevron2"/>
+    <dgm:cxn modelId="{B9098946-460C-414D-B3B3-3622903C02A4}" type="presOf" srcId="{20A4FD4C-05B9-41F9-A4B9-1C3D4596B286}" destId="{2320C3E7-31C7-4E66-BA2E-E7DA20EBF9DE}" srcOrd="0" destOrd="0" presId="urn:microsoft.com/office/officeart/2005/8/layout/chevron2"/>
     <dgm:cxn modelId="{29695A5F-99F2-4EC3-AD41-EFB6EB908A3C}" srcId="{20A4FD4C-05B9-41F9-A4B9-1C3D4596B286}" destId="{0DEF8D44-0DAE-4094-9D7F-A3F19874170E}" srcOrd="0" destOrd="0" parTransId="{5CFB0CC9-E888-4421-BD4A-1719856A6857}" sibTransId="{C949C34E-3009-4541-BBA0-5C69A2368288}"/>
-    <dgm:cxn modelId="{B9098946-460C-414D-B3B3-3622903C02A4}" type="presOf" srcId="{20A4FD4C-05B9-41F9-A4B9-1C3D4596B286}" destId="{2320C3E7-31C7-4E66-BA2E-E7DA20EBF9DE}" srcOrd="0" destOrd="0" presId="urn:microsoft.com/office/officeart/2005/8/layout/chevron2"/>
     <dgm:cxn modelId="{BC04BC72-470F-458F-9FE6-C4F5927889F2}" srcId="{20A4FD4C-05B9-41F9-A4B9-1C3D4596B286}" destId="{DE680293-E735-447B-A054-DF305C0CD88C}" srcOrd="1" destOrd="0" parTransId="{CECEB5E6-CC95-417A-B7F8-096E4D09FEED}" sibTransId="{A1782C6D-4532-4218-B615-896D8E08ABAA}"/>
     <dgm:cxn modelId="{5F6DCB74-5F36-4429-814D-248E5F25824E}" srcId="{C0BC1283-64D5-4A7B-958F-07B74E77D90E}" destId="{AEF3B304-C237-4184-8F1A-A63F8E972B11}" srcOrd="1" destOrd="0" parTransId="{B606ECBD-9C04-4BA1-9D58-0FC3CFA3F481}" sibTransId="{E0703574-6E1A-4B3F-B514-0FFA46A6D792}"/>
     <dgm:cxn modelId="{0E27837C-14F5-4F61-84A0-7EF478D18934}" type="presOf" srcId="{DE680293-E735-447B-A054-DF305C0CD88C}" destId="{8B707BAE-4192-4FB3-B9F5-A2865C00CCA7}" srcOrd="0" destOrd="1" presId="urn:microsoft.com/office/officeart/2005/8/layout/chevron2"/>
@@ -4167,6 +5271,593 @@
   <dgm:extLst>
     <a:ext uri="http://schemas.microsoft.com/office/drawing/2008/diagram">
       <dsp:dataModelExt xmlns:dsp="http://schemas.microsoft.com/office/drawing/2008/diagram" relId="rId13" minVer="http://schemas.openxmlformats.org/drawingml/2006/diagram"/>
+    </a:ext>
+  </dgm:extLst>
+</dgm:dataModel>
+</file>
+
+<file path=ppt/diagrams/data4.xml><?xml version="1.0" encoding="utf-8"?>
+<dgm:dataModel xmlns:dgm="http://schemas.openxmlformats.org/drawingml/2006/diagram" xmlns:a="http://schemas.openxmlformats.org/drawingml/2006/main">
+  <dgm:ptLst>
+    <dgm:pt modelId="{C0BC1283-64D5-4A7B-958F-07B74E77D90E}" type="doc">
+      <dgm:prSet loTypeId="urn:microsoft.com/office/officeart/2005/8/layout/chevron2" loCatId="process" qsTypeId="urn:microsoft.com/office/officeart/2005/8/quickstyle/simple5" qsCatId="simple" csTypeId="urn:microsoft.com/office/officeart/2005/8/colors/accent1_2" csCatId="accent1" phldr="1"/>
+      <dgm:spPr/>
+      <dgm:t>
+        <a:bodyPr/>
+        <a:lstStyle/>
+        <a:p>
+          <a:endParaRPr lang="zh-CN" altLang="en-US"/>
+        </a:p>
+      </dgm:t>
+    </dgm:pt>
+    <dgm:pt modelId="{0DEF8D44-0DAE-4094-9D7F-A3F19874170E}">
+      <dgm:prSet phldrT="[文本]"/>
+      <dgm:spPr>
+        <a:blipFill>
+          <a:blip xmlns:r="http://schemas.openxmlformats.org/officeDocument/2006/relationships" r:embed="rId1"/>
+          <a:stretch>
+            <a:fillRect l="-286" t="-3704" b="-11111"/>
+          </a:stretch>
+        </a:blipFill>
+      </dgm:spPr>
+      <dgm:t>
+        <a:bodyPr/>
+        <a:lstStyle/>
+        <a:p>
+          <a:r>
+            <a:rPr lang="en-CN">
+              <a:noFill/>
+            </a:rPr>
+            <a:t> </a:t>
+          </a:r>
+        </a:p>
+      </dgm:t>
+    </dgm:pt>
+    <dgm:pt modelId="{5CFB0CC9-E888-4421-BD4A-1719856A6857}" type="parTrans" cxnId="{29695A5F-99F2-4EC3-AD41-EFB6EB908A3C}">
+      <dgm:prSet/>
+      <dgm:spPr/>
+      <dgm:t>
+        <a:bodyPr/>
+        <a:lstStyle/>
+        <a:p>
+          <a:endParaRPr lang="zh-CN" altLang="en-US"/>
+        </a:p>
+      </dgm:t>
+    </dgm:pt>
+    <dgm:pt modelId="{C949C34E-3009-4541-BBA0-5C69A2368288}" type="sibTrans" cxnId="{29695A5F-99F2-4EC3-AD41-EFB6EB908A3C}">
+      <dgm:prSet/>
+      <dgm:spPr/>
+      <dgm:t>
+        <a:bodyPr/>
+        <a:lstStyle/>
+        <a:p>
+          <a:endParaRPr lang="zh-CN" altLang="en-US"/>
+        </a:p>
+      </dgm:t>
+    </dgm:pt>
+    <dgm:pt modelId="{DE680293-E735-447B-A054-DF305C0CD88C}">
+      <dgm:prSet phldrT="[文本]"/>
+      <dgm:spPr/>
+      <dgm:t>
+        <a:bodyPr/>
+        <a:lstStyle/>
+        <a:p>
+          <a:r>
+            <a:rPr lang="en-CN">
+              <a:noFill/>
+            </a:rPr>
+            <a:t> </a:t>
+          </a:r>
+        </a:p>
+      </dgm:t>
+    </dgm:pt>
+    <dgm:pt modelId="{CECEB5E6-CC95-417A-B7F8-096E4D09FEED}" type="parTrans" cxnId="{BC04BC72-470F-458F-9FE6-C4F5927889F2}">
+      <dgm:prSet/>
+      <dgm:spPr/>
+      <dgm:t>
+        <a:bodyPr/>
+        <a:lstStyle/>
+        <a:p>
+          <a:endParaRPr lang="zh-CN" altLang="en-US"/>
+        </a:p>
+      </dgm:t>
+    </dgm:pt>
+    <dgm:pt modelId="{A1782C6D-4532-4218-B615-896D8E08ABAA}" type="sibTrans" cxnId="{BC04BC72-470F-458F-9FE6-C4F5927889F2}">
+      <dgm:prSet/>
+      <dgm:spPr/>
+      <dgm:t>
+        <a:bodyPr/>
+        <a:lstStyle/>
+        <a:p>
+          <a:endParaRPr lang="zh-CN" altLang="en-US"/>
+        </a:p>
+      </dgm:t>
+    </dgm:pt>
+    <dgm:pt modelId="{AEF3B304-C237-4184-8F1A-A63F8E972B11}">
+      <dgm:prSet phldrT="[文本]"/>
+      <dgm:spPr/>
+      <dgm:t>
+        <a:bodyPr/>
+        <a:lstStyle/>
+        <a:p>
+          <a:r>
+            <a:rPr lang="en-US" altLang="en-US" dirty="0"/>
+            <a:t>sensibility</a:t>
+          </a:r>
+          <a:endParaRPr lang="zh-CN" altLang="en-US" dirty="0"/>
+        </a:p>
+      </dgm:t>
+    </dgm:pt>
+    <dgm:pt modelId="{B606ECBD-9C04-4BA1-9D58-0FC3CFA3F481}" type="parTrans" cxnId="{5F6DCB74-5F36-4429-814D-248E5F25824E}">
+      <dgm:prSet/>
+      <dgm:spPr/>
+      <dgm:t>
+        <a:bodyPr/>
+        <a:lstStyle/>
+        <a:p>
+          <a:endParaRPr lang="zh-CN" altLang="en-US"/>
+        </a:p>
+      </dgm:t>
+    </dgm:pt>
+    <dgm:pt modelId="{E0703574-6E1A-4B3F-B514-0FFA46A6D792}" type="sibTrans" cxnId="{5F6DCB74-5F36-4429-814D-248E5F25824E}">
+      <dgm:prSet/>
+      <dgm:spPr/>
+      <dgm:t>
+        <a:bodyPr/>
+        <a:lstStyle/>
+        <a:p>
+          <a:endParaRPr lang="zh-CN" altLang="en-US"/>
+        </a:p>
+      </dgm:t>
+    </dgm:pt>
+    <dgm:pt modelId="{AB769C1C-B58D-4D20-B6C2-2B7876C89CDE}">
+      <dgm:prSet phldrT="[文本]"/>
+      <dgm:spPr>
+        <a:blipFill>
+          <a:blip xmlns:r="http://schemas.openxmlformats.org/officeDocument/2006/relationships" r:embed="rId2"/>
+          <a:stretch>
+            <a:fillRect l="-286" b="-7407"/>
+          </a:stretch>
+        </a:blipFill>
+      </dgm:spPr>
+      <dgm:t>
+        <a:bodyPr/>
+        <a:lstStyle/>
+        <a:p>
+          <a:r>
+            <a:rPr lang="en-CN">
+              <a:noFill/>
+            </a:rPr>
+            <a:t> </a:t>
+          </a:r>
+        </a:p>
+      </dgm:t>
+    </dgm:pt>
+    <dgm:pt modelId="{2F479909-8441-4BCF-B835-A8BA80F3A770}" type="parTrans" cxnId="{7D32EC8E-197E-443D-B7BC-92C004E6444F}">
+      <dgm:prSet/>
+      <dgm:spPr/>
+      <dgm:t>
+        <a:bodyPr/>
+        <a:lstStyle/>
+        <a:p>
+          <a:endParaRPr lang="zh-CN" altLang="en-US"/>
+        </a:p>
+      </dgm:t>
+    </dgm:pt>
+    <dgm:pt modelId="{01E2FF09-7717-4A9A-931D-CDC50A0DABD9}" type="sibTrans" cxnId="{7D32EC8E-197E-443D-B7BC-92C004E6444F}">
+      <dgm:prSet/>
+      <dgm:spPr/>
+      <dgm:t>
+        <a:bodyPr/>
+        <a:lstStyle/>
+        <a:p>
+          <a:endParaRPr lang="zh-CN" altLang="en-US"/>
+        </a:p>
+      </dgm:t>
+    </dgm:pt>
+    <dgm:pt modelId="{403594F1-D449-4ACD-A958-9DACC7CFDD0E}">
+      <dgm:prSet phldrT="[文本]"/>
+      <dgm:spPr/>
+      <dgm:t>
+        <a:bodyPr/>
+        <a:lstStyle/>
+        <a:p>
+          <a:r>
+            <a:rPr lang="en-US" altLang="en-US" dirty="0"/>
+            <a:t>mobility</a:t>
+          </a:r>
+          <a:endParaRPr lang="zh-CN" altLang="en-US" dirty="0"/>
+        </a:p>
+      </dgm:t>
+    </dgm:pt>
+    <dgm:pt modelId="{BFA55D12-1DB4-4234-A312-D1D873EDFFCA}" type="parTrans" cxnId="{81F2AA28-F3E0-464B-8298-65D03E2D4C85}">
+      <dgm:prSet/>
+      <dgm:spPr/>
+      <dgm:t>
+        <a:bodyPr/>
+        <a:lstStyle/>
+        <a:p>
+          <a:endParaRPr lang="zh-CN" altLang="en-US"/>
+        </a:p>
+      </dgm:t>
+    </dgm:pt>
+    <dgm:pt modelId="{3D58ACAC-6459-41EA-A457-D8D7FB2E9045}" type="sibTrans" cxnId="{81F2AA28-F3E0-464B-8298-65D03E2D4C85}">
+      <dgm:prSet/>
+      <dgm:spPr/>
+      <dgm:t>
+        <a:bodyPr/>
+        <a:lstStyle/>
+        <a:p>
+          <a:endParaRPr lang="zh-CN" altLang="en-US"/>
+        </a:p>
+      </dgm:t>
+    </dgm:pt>
+    <dgm:pt modelId="{D6C7BF6A-FC91-4DCD-89E5-6FB1F2EE6008}">
+      <dgm:prSet phldrT="[文本]"/>
+      <dgm:spPr/>
+      <dgm:t>
+        <a:bodyPr/>
+        <a:lstStyle/>
+        <a:p>
+          <a:r>
+            <a:rPr lang="en-US" altLang="zh-CN" dirty="0"/>
+            <a:t>Sitka, Alaska</a:t>
+          </a:r>
+          <a:endParaRPr lang="zh-CN" altLang="en-US" dirty="0"/>
+        </a:p>
+      </dgm:t>
+    </dgm:pt>
+    <dgm:pt modelId="{9ABCB2FD-05D8-41B8-BD1D-FC11C47C3626}" type="parTrans" cxnId="{EFF17580-CFE4-4BBD-9F07-39EC3AC9A347}">
+      <dgm:prSet/>
+      <dgm:spPr/>
+      <dgm:t>
+        <a:bodyPr/>
+        <a:lstStyle/>
+        <a:p>
+          <a:endParaRPr lang="zh-CN" altLang="en-US"/>
+        </a:p>
+      </dgm:t>
+    </dgm:pt>
+    <dgm:pt modelId="{56C1C83A-8EA2-4420-BB1A-2E5342C80EC9}" type="sibTrans" cxnId="{EFF17580-CFE4-4BBD-9F07-39EC3AC9A347}">
+      <dgm:prSet/>
+      <dgm:spPr/>
+      <dgm:t>
+        <a:bodyPr/>
+        <a:lstStyle/>
+        <a:p>
+          <a:endParaRPr lang="zh-CN" altLang="en-US"/>
+        </a:p>
+      </dgm:t>
+    </dgm:pt>
+    <dgm:pt modelId="{29B43ED5-16CF-4AE7-90B9-D09F93303681}">
+      <dgm:prSet phldrT="[文本]"/>
+      <dgm:spPr/>
+      <dgm:t>
+        <a:bodyPr/>
+        <a:lstStyle/>
+        <a:p>
+          <a:r>
+            <a:rPr lang="en-US" altLang="zh-CN" dirty="0"/>
+            <a:t>Fits well</a:t>
+          </a:r>
+          <a:endParaRPr lang="zh-CN" altLang="en-US" dirty="0"/>
+        </a:p>
+      </dgm:t>
+    </dgm:pt>
+    <dgm:pt modelId="{E0199F89-4657-4AD0-A5DD-89A51F45353F}" type="parTrans" cxnId="{1B376E10-2382-47CD-84AA-9A322A0A48EE}">
+      <dgm:prSet/>
+      <dgm:spPr/>
+      <dgm:t>
+        <a:bodyPr/>
+        <a:lstStyle/>
+        <a:p>
+          <a:endParaRPr lang="zh-CN" altLang="en-US"/>
+        </a:p>
+      </dgm:t>
+    </dgm:pt>
+    <dgm:pt modelId="{4500DD93-8FC6-4195-BDB0-8AF8459B7B27}" type="sibTrans" cxnId="{1B376E10-2382-47CD-84AA-9A322A0A48EE}">
+      <dgm:prSet/>
+      <dgm:spPr/>
+      <dgm:t>
+        <a:bodyPr/>
+        <a:lstStyle/>
+        <a:p>
+          <a:endParaRPr lang="zh-CN" altLang="en-US"/>
+        </a:p>
+      </dgm:t>
+    </dgm:pt>
+    <dgm:pt modelId="{20A4FD4C-05B9-41F9-A4B9-1C3D4596B286}">
+      <dgm:prSet phldrT="[文本]"/>
+      <dgm:spPr/>
+      <dgm:t>
+        <a:bodyPr/>
+        <a:lstStyle/>
+        <a:p>
+          <a:r>
+            <a:rPr lang="en-US" altLang="zh-CN" dirty="0"/>
+            <a:t>sustainability</a:t>
+          </a:r>
+          <a:endParaRPr lang="zh-CN" altLang="en-US" dirty="0"/>
+        </a:p>
+      </dgm:t>
+    </dgm:pt>
+    <dgm:pt modelId="{83B6811F-CE58-4F40-BDA3-7DFF7FD787CC}" type="sibTrans" cxnId="{FA161BBD-D780-4451-BD1D-CBE83763DA24}">
+      <dgm:prSet/>
+      <dgm:spPr/>
+      <dgm:t>
+        <a:bodyPr/>
+        <a:lstStyle/>
+        <a:p>
+          <a:endParaRPr lang="zh-CN" altLang="en-US"/>
+        </a:p>
+      </dgm:t>
+    </dgm:pt>
+    <dgm:pt modelId="{DC1DCEAD-DBE6-4E3E-B347-06CF8DFD7F6C}" type="parTrans" cxnId="{FA161BBD-D780-4451-BD1D-CBE83763DA24}">
+      <dgm:prSet/>
+      <dgm:spPr/>
+      <dgm:t>
+        <a:bodyPr/>
+        <a:lstStyle/>
+        <a:p>
+          <a:endParaRPr lang="zh-CN" altLang="en-US"/>
+        </a:p>
+      </dgm:t>
+    </dgm:pt>
+    <dgm:pt modelId="{7933EAA5-11C7-41B8-975F-0D867D92363B}" type="pres">
+      <dgm:prSet presAssocID="{C0BC1283-64D5-4A7B-958F-07B74E77D90E}" presName="linearFlow" presStyleCnt="0">
+        <dgm:presLayoutVars>
+          <dgm:dir/>
+          <dgm:animLvl val="lvl"/>
+          <dgm:resizeHandles val="exact"/>
+        </dgm:presLayoutVars>
+      </dgm:prSet>
+      <dgm:spPr/>
+    </dgm:pt>
+    <dgm:pt modelId="{080C68DA-45DB-4A06-BDE6-4CED4E924BA4}" type="pres">
+      <dgm:prSet presAssocID="{20A4FD4C-05B9-41F9-A4B9-1C3D4596B286}" presName="composite" presStyleCnt="0"/>
+      <dgm:spPr/>
+    </dgm:pt>
+    <dgm:pt modelId="{2320C3E7-31C7-4E66-BA2E-E7DA20EBF9DE}" type="pres">
+      <dgm:prSet presAssocID="{20A4FD4C-05B9-41F9-A4B9-1C3D4596B286}" presName="parentText" presStyleLbl="alignNode1" presStyleIdx="0" presStyleCnt="3" custScaleX="172388" custScaleY="100000">
+        <dgm:presLayoutVars>
+          <dgm:chMax val="1"/>
+          <dgm:bulletEnabled val="1"/>
+        </dgm:presLayoutVars>
+      </dgm:prSet>
+      <dgm:spPr/>
+    </dgm:pt>
+    <dgm:pt modelId="{8B707BAE-4192-4FB3-B9F5-A2865C00CCA7}" type="pres">
+      <dgm:prSet presAssocID="{20A4FD4C-05B9-41F9-A4B9-1C3D4596B286}" presName="descendantText" presStyleLbl="alignAcc1" presStyleIdx="0" presStyleCnt="3" custScaleX="91862">
+        <dgm:presLayoutVars>
+          <dgm:bulletEnabled val="1"/>
+        </dgm:presLayoutVars>
+      </dgm:prSet>
+      <dgm:spPr/>
+    </dgm:pt>
+    <dgm:pt modelId="{AA31A206-FC0F-474F-8768-14C1F024F01A}" type="pres">
+      <dgm:prSet presAssocID="{83B6811F-CE58-4F40-BDA3-7DFF7FD787CC}" presName="sp" presStyleCnt="0"/>
+      <dgm:spPr/>
+    </dgm:pt>
+    <dgm:pt modelId="{DCFC62B9-8193-4065-8A38-358A56A9CC88}" type="pres">
+      <dgm:prSet presAssocID="{AEF3B304-C237-4184-8F1A-A63F8E972B11}" presName="composite" presStyleCnt="0"/>
+      <dgm:spPr/>
+    </dgm:pt>
+    <dgm:pt modelId="{4D3B4361-C710-4646-B8C3-A5E3797F5813}" type="pres">
+      <dgm:prSet presAssocID="{AEF3B304-C237-4184-8F1A-A63F8E972B11}" presName="parentText" presStyleLbl="alignNode1" presStyleIdx="1" presStyleCnt="3" custScaleX="172388">
+        <dgm:presLayoutVars>
+          <dgm:chMax val="1"/>
+          <dgm:bulletEnabled val="1"/>
+        </dgm:presLayoutVars>
+      </dgm:prSet>
+      <dgm:spPr/>
+    </dgm:pt>
+    <dgm:pt modelId="{719E3DA2-5271-4664-AC7C-3FD55FCF30E7}" type="pres">
+      <dgm:prSet presAssocID="{AEF3B304-C237-4184-8F1A-A63F8E972B11}" presName="descendantText" presStyleLbl="alignAcc1" presStyleIdx="1" presStyleCnt="3" custScaleX="91862">
+        <dgm:presLayoutVars>
+          <dgm:bulletEnabled val="1"/>
+        </dgm:presLayoutVars>
+      </dgm:prSet>
+      <dgm:spPr/>
+    </dgm:pt>
+    <dgm:pt modelId="{2E927771-A4AB-4077-A61A-6943EED7489F}" type="pres">
+      <dgm:prSet presAssocID="{E0703574-6E1A-4B3F-B514-0FFA46A6D792}" presName="sp" presStyleCnt="0"/>
+      <dgm:spPr/>
+    </dgm:pt>
+    <dgm:pt modelId="{06B89068-D667-48B9-9BF1-CD6E1E889B39}" type="pres">
+      <dgm:prSet presAssocID="{403594F1-D449-4ACD-A958-9DACC7CFDD0E}" presName="composite" presStyleCnt="0"/>
+      <dgm:spPr/>
+    </dgm:pt>
+    <dgm:pt modelId="{67B13319-7960-4E8F-A71C-B47B08DFE2D8}" type="pres">
+      <dgm:prSet presAssocID="{403594F1-D449-4ACD-A958-9DACC7CFDD0E}" presName="parentText" presStyleLbl="alignNode1" presStyleIdx="2" presStyleCnt="3" custScaleX="172388">
+        <dgm:presLayoutVars>
+          <dgm:chMax val="1"/>
+          <dgm:bulletEnabled val="1"/>
+        </dgm:presLayoutVars>
+      </dgm:prSet>
+      <dgm:spPr/>
+    </dgm:pt>
+    <dgm:pt modelId="{791A9246-2D90-4FCA-9B9F-3C57152AEF2A}" type="pres">
+      <dgm:prSet presAssocID="{403594F1-D449-4ACD-A958-9DACC7CFDD0E}" presName="descendantText" presStyleLbl="alignAcc1" presStyleIdx="2" presStyleCnt="3" custScaleX="91862">
+        <dgm:presLayoutVars>
+          <dgm:bulletEnabled val="1"/>
+        </dgm:presLayoutVars>
+      </dgm:prSet>
+      <dgm:spPr/>
+    </dgm:pt>
+  </dgm:ptLst>
+  <dgm:cxnLst>
+    <dgm:cxn modelId="{1B376E10-2382-47CD-84AA-9A322A0A48EE}" srcId="{403594F1-D449-4ACD-A958-9DACC7CFDD0E}" destId="{29B43ED5-16CF-4AE7-90B9-D09F93303681}" srcOrd="1" destOrd="0" parTransId="{E0199F89-4657-4AD0-A5DD-89A51F45353F}" sibTransId="{4500DD93-8FC6-4195-BDB0-8AF8459B7B27}"/>
+    <dgm:cxn modelId="{04EF0C28-33A1-46A7-BB23-E6ECC802B221}" type="presOf" srcId="{403594F1-D449-4ACD-A958-9DACC7CFDD0E}" destId="{67B13319-7960-4E8F-A71C-B47B08DFE2D8}" srcOrd="0" destOrd="0" presId="urn:microsoft.com/office/officeart/2005/8/layout/chevron2"/>
+    <dgm:cxn modelId="{81F2AA28-F3E0-464B-8298-65D03E2D4C85}" srcId="{C0BC1283-64D5-4A7B-958F-07B74E77D90E}" destId="{403594F1-D449-4ACD-A958-9DACC7CFDD0E}" srcOrd="2" destOrd="0" parTransId="{BFA55D12-1DB4-4234-A312-D1D873EDFFCA}" sibTransId="{3D58ACAC-6459-41EA-A457-D8D7FB2E9045}"/>
+    <dgm:cxn modelId="{AF3F832F-E729-4457-876A-D061B0FEF0AA}" type="presOf" srcId="{AEF3B304-C237-4184-8F1A-A63F8E972B11}" destId="{4D3B4361-C710-4646-B8C3-A5E3797F5813}" srcOrd="0" destOrd="0" presId="urn:microsoft.com/office/officeart/2005/8/layout/chevron2"/>
+    <dgm:cxn modelId="{B9098946-460C-414D-B3B3-3622903C02A4}" type="presOf" srcId="{20A4FD4C-05B9-41F9-A4B9-1C3D4596B286}" destId="{2320C3E7-31C7-4E66-BA2E-E7DA20EBF9DE}" srcOrd="0" destOrd="0" presId="urn:microsoft.com/office/officeart/2005/8/layout/chevron2"/>
+    <dgm:cxn modelId="{29695A5F-99F2-4EC3-AD41-EFB6EB908A3C}" srcId="{20A4FD4C-05B9-41F9-A4B9-1C3D4596B286}" destId="{0DEF8D44-0DAE-4094-9D7F-A3F19874170E}" srcOrd="0" destOrd="0" parTransId="{5CFB0CC9-E888-4421-BD4A-1719856A6857}" sibTransId="{C949C34E-3009-4541-BBA0-5C69A2368288}"/>
+    <dgm:cxn modelId="{BC04BC72-470F-458F-9FE6-C4F5927889F2}" srcId="{20A4FD4C-05B9-41F9-A4B9-1C3D4596B286}" destId="{DE680293-E735-447B-A054-DF305C0CD88C}" srcOrd="1" destOrd="0" parTransId="{CECEB5E6-CC95-417A-B7F8-096E4D09FEED}" sibTransId="{A1782C6D-4532-4218-B615-896D8E08ABAA}"/>
+    <dgm:cxn modelId="{5F6DCB74-5F36-4429-814D-248E5F25824E}" srcId="{C0BC1283-64D5-4A7B-958F-07B74E77D90E}" destId="{AEF3B304-C237-4184-8F1A-A63F8E972B11}" srcOrd="1" destOrd="0" parTransId="{B606ECBD-9C04-4BA1-9D58-0FC3CFA3F481}" sibTransId="{E0703574-6E1A-4B3F-B514-0FFA46A6D792}"/>
+    <dgm:cxn modelId="{0E27837C-14F5-4F61-84A0-7EF478D18934}" type="presOf" srcId="{DE680293-E735-447B-A054-DF305C0CD88C}" destId="{8B707BAE-4192-4FB3-B9F5-A2865C00CCA7}" srcOrd="0" destOrd="1" presId="urn:microsoft.com/office/officeart/2005/8/layout/chevron2"/>
+    <dgm:cxn modelId="{EFF17580-CFE4-4BBD-9F07-39EC3AC9A347}" srcId="{403594F1-D449-4ACD-A958-9DACC7CFDD0E}" destId="{D6C7BF6A-FC91-4DCD-89E5-6FB1F2EE6008}" srcOrd="0" destOrd="0" parTransId="{9ABCB2FD-05D8-41B8-BD1D-FC11C47C3626}" sibTransId="{56C1C83A-8EA2-4420-BB1A-2E5342C80EC9}"/>
+    <dgm:cxn modelId="{7D32EC8E-197E-443D-B7BC-92C004E6444F}" srcId="{AEF3B304-C237-4184-8F1A-A63F8E972B11}" destId="{AB769C1C-B58D-4D20-B6C2-2B7876C89CDE}" srcOrd="0" destOrd="0" parTransId="{2F479909-8441-4BCF-B835-A8BA80F3A770}" sibTransId="{01E2FF09-7717-4A9A-931D-CDC50A0DABD9}"/>
+    <dgm:cxn modelId="{B44E4F93-EBB7-4C79-8173-AFB5A4A069AC}" type="presOf" srcId="{C0BC1283-64D5-4A7B-958F-07B74E77D90E}" destId="{7933EAA5-11C7-41B8-975F-0D867D92363B}" srcOrd="0" destOrd="0" presId="urn:microsoft.com/office/officeart/2005/8/layout/chevron2"/>
+    <dgm:cxn modelId="{F981E696-74DE-40C0-B557-4387286473DF}" type="presOf" srcId="{AB769C1C-B58D-4D20-B6C2-2B7876C89CDE}" destId="{719E3DA2-5271-4664-AC7C-3FD55FCF30E7}" srcOrd="0" destOrd="0" presId="urn:microsoft.com/office/officeart/2005/8/layout/chevron2"/>
+    <dgm:cxn modelId="{0EFBA4B7-ACD8-4C23-B3F9-1C62A33A9075}" type="presOf" srcId="{0DEF8D44-0DAE-4094-9D7F-A3F19874170E}" destId="{8B707BAE-4192-4FB3-B9F5-A2865C00CCA7}" srcOrd="0" destOrd="0" presId="urn:microsoft.com/office/officeart/2005/8/layout/chevron2"/>
+    <dgm:cxn modelId="{FA161BBD-D780-4451-BD1D-CBE83763DA24}" srcId="{C0BC1283-64D5-4A7B-958F-07B74E77D90E}" destId="{20A4FD4C-05B9-41F9-A4B9-1C3D4596B286}" srcOrd="0" destOrd="0" parTransId="{DC1DCEAD-DBE6-4E3E-B347-06CF8DFD7F6C}" sibTransId="{83B6811F-CE58-4F40-BDA3-7DFF7FD787CC}"/>
+    <dgm:cxn modelId="{7C5140CC-DD36-4959-9230-18DD67616D5C}" type="presOf" srcId="{D6C7BF6A-FC91-4DCD-89E5-6FB1F2EE6008}" destId="{791A9246-2D90-4FCA-9B9F-3C57152AEF2A}" srcOrd="0" destOrd="0" presId="urn:microsoft.com/office/officeart/2005/8/layout/chevron2"/>
+    <dgm:cxn modelId="{786F5EF9-D603-46C1-A121-D8D4B8531FB7}" type="presOf" srcId="{29B43ED5-16CF-4AE7-90B9-D09F93303681}" destId="{791A9246-2D90-4FCA-9B9F-3C57152AEF2A}" srcOrd="0" destOrd="1" presId="urn:microsoft.com/office/officeart/2005/8/layout/chevron2"/>
+    <dgm:cxn modelId="{A0A3C8B5-0765-423A-9914-C5F20995CA91}" type="presParOf" srcId="{7933EAA5-11C7-41B8-975F-0D867D92363B}" destId="{080C68DA-45DB-4A06-BDE6-4CED4E924BA4}" srcOrd="0" destOrd="0" presId="urn:microsoft.com/office/officeart/2005/8/layout/chevron2"/>
+    <dgm:cxn modelId="{65C9E3A1-6DAC-483A-8CC8-DD2F76278BFD}" type="presParOf" srcId="{080C68DA-45DB-4A06-BDE6-4CED4E924BA4}" destId="{2320C3E7-31C7-4E66-BA2E-E7DA20EBF9DE}" srcOrd="0" destOrd="0" presId="urn:microsoft.com/office/officeart/2005/8/layout/chevron2"/>
+    <dgm:cxn modelId="{51712123-F78A-4ED9-82BB-6C7402F9F71F}" type="presParOf" srcId="{080C68DA-45DB-4A06-BDE6-4CED4E924BA4}" destId="{8B707BAE-4192-4FB3-B9F5-A2865C00CCA7}" srcOrd="1" destOrd="0" presId="urn:microsoft.com/office/officeart/2005/8/layout/chevron2"/>
+    <dgm:cxn modelId="{BEB37B1F-229C-4264-A540-9C0E6FB22DA2}" type="presParOf" srcId="{7933EAA5-11C7-41B8-975F-0D867D92363B}" destId="{AA31A206-FC0F-474F-8768-14C1F024F01A}" srcOrd="1" destOrd="0" presId="urn:microsoft.com/office/officeart/2005/8/layout/chevron2"/>
+    <dgm:cxn modelId="{057A2C47-BAD5-4138-9C41-C4D403E470E8}" type="presParOf" srcId="{7933EAA5-11C7-41B8-975F-0D867D92363B}" destId="{DCFC62B9-8193-4065-8A38-358A56A9CC88}" srcOrd="2" destOrd="0" presId="urn:microsoft.com/office/officeart/2005/8/layout/chevron2"/>
+    <dgm:cxn modelId="{DF8B82B7-7AE0-4C03-A164-BAF7EECACAF1}" type="presParOf" srcId="{DCFC62B9-8193-4065-8A38-358A56A9CC88}" destId="{4D3B4361-C710-4646-B8C3-A5E3797F5813}" srcOrd="0" destOrd="0" presId="urn:microsoft.com/office/officeart/2005/8/layout/chevron2"/>
+    <dgm:cxn modelId="{114E6979-F6FD-4F64-906B-9B836A5F0593}" type="presParOf" srcId="{DCFC62B9-8193-4065-8A38-358A56A9CC88}" destId="{719E3DA2-5271-4664-AC7C-3FD55FCF30E7}" srcOrd="1" destOrd="0" presId="urn:microsoft.com/office/officeart/2005/8/layout/chevron2"/>
+    <dgm:cxn modelId="{8C7C9017-F245-4B62-8BA6-13B6367E2097}" type="presParOf" srcId="{7933EAA5-11C7-41B8-975F-0D867D92363B}" destId="{2E927771-A4AB-4077-A61A-6943EED7489F}" srcOrd="3" destOrd="0" presId="urn:microsoft.com/office/officeart/2005/8/layout/chevron2"/>
+    <dgm:cxn modelId="{40032399-30A3-4C6D-8A58-A13ADD0C66B1}" type="presParOf" srcId="{7933EAA5-11C7-41B8-975F-0D867D92363B}" destId="{06B89068-D667-48B9-9BF1-CD6E1E889B39}" srcOrd="4" destOrd="0" presId="urn:microsoft.com/office/officeart/2005/8/layout/chevron2"/>
+    <dgm:cxn modelId="{82859108-2568-498F-8C8E-56490D2F53D3}" type="presParOf" srcId="{06B89068-D667-48B9-9BF1-CD6E1E889B39}" destId="{67B13319-7960-4E8F-A71C-B47B08DFE2D8}" srcOrd="0" destOrd="0" presId="urn:microsoft.com/office/officeart/2005/8/layout/chevron2"/>
+    <dgm:cxn modelId="{2ED21CB1-6751-4582-928E-1ED85AD129BB}" type="presParOf" srcId="{06B89068-D667-48B9-9BF1-CD6E1E889B39}" destId="{791A9246-2D90-4FCA-9B9F-3C57152AEF2A}" srcOrd="1" destOrd="0" presId="urn:microsoft.com/office/officeart/2005/8/layout/chevron2"/>
+  </dgm:cxnLst>
+  <dgm:bg/>
+  <dgm:whole/>
+  <dgm:extLst>
+    <a:ext uri="http://schemas.microsoft.com/office/drawing/2008/diagram">
+      <dsp:dataModelExt xmlns:dsp="http://schemas.microsoft.com/office/drawing/2008/diagram" relId="rId13" minVer="http://schemas.openxmlformats.org/drawingml/2006/diagram"/>
+    </a:ext>
+  </dgm:extLst>
+</dgm:dataModel>
+</file>
+
+<file path=ppt/diagrams/data5.xml><?xml version="1.0" encoding="utf-8"?>
+<dgm:dataModel xmlns:dgm="http://schemas.openxmlformats.org/drawingml/2006/diagram" xmlns:a="http://schemas.openxmlformats.org/drawingml/2006/main">
+  <dgm:ptLst>
+    <dgm:pt modelId="{C58C6C8D-8271-6544-B7F8-80771455244E}" type="doc">
+      <dgm:prSet loTypeId="urn:microsoft.com/office/officeart/2005/8/layout/hierarchy4" loCatId="process" qsTypeId="urn:microsoft.com/office/officeart/2005/8/quickstyle/simple5" qsCatId="simple" csTypeId="urn:microsoft.com/office/officeart/2005/8/colors/accent2_5" csCatId="accent2" phldr="1"/>
+      <dgm:spPr/>
+      <dgm:t>
+        <a:bodyPr/>
+        <a:lstStyle/>
+        <a:p>
+          <a:endParaRPr lang="en-US"/>
+        </a:p>
+      </dgm:t>
+    </dgm:pt>
+    <dgm:pt modelId="{56A8A3D4-966E-314F-8145-4CC2033348FB}">
+      <dgm:prSet phldrT="[Text]"/>
+      <dgm:spPr>
+        <a:gradFill rotWithShape="0">
+          <a:gsLst>
+            <a:gs pos="59000">
+              <a:schemeClr val="accent2">
+                <a:alpha val="80000"/>
+                <a:hueOff val="0"/>
+                <a:satOff val="0"/>
+                <a:lumOff val="0"/>
+                <a:alphaOff val="0"/>
+                <a:satMod val="103000"/>
+                <a:lumMod val="102000"/>
+                <a:tint val="94000"/>
+              </a:schemeClr>
+            </a:gs>
+            <a:gs pos="85000">
+              <a:schemeClr val="accent2">
+                <a:alpha val="80000"/>
+                <a:hueOff val="0"/>
+                <a:satOff val="0"/>
+                <a:lumOff val="0"/>
+                <a:alphaOff val="0"/>
+                <a:satMod val="110000"/>
+                <a:lumMod val="100000"/>
+                <a:shade val="100000"/>
+              </a:schemeClr>
+            </a:gs>
+            <a:gs pos="100000">
+              <a:schemeClr val="accent2">
+                <a:alpha val="80000"/>
+                <a:hueOff val="0"/>
+                <a:satOff val="0"/>
+                <a:lumOff val="0"/>
+                <a:alphaOff val="0"/>
+                <a:lumMod val="99000"/>
+                <a:satMod val="120000"/>
+                <a:shade val="78000"/>
+              </a:schemeClr>
+            </a:gs>
+          </a:gsLst>
+        </a:gradFill>
+      </dgm:spPr>
+      <dgm:t>
+        <a:bodyPr/>
+        <a:lstStyle/>
+        <a:p>
+          <a:r>
+            <a:rPr lang="en-US" dirty="0"/>
+            <a:t>Memo</a:t>
+          </a:r>
+        </a:p>
+      </dgm:t>
+    </dgm:pt>
+    <dgm:pt modelId="{AC16DB77-49ED-9B41-A3D8-0C749B1C999D}" type="parTrans" cxnId="{5F107841-D256-C84C-A2E2-D0695EAA493C}">
+      <dgm:prSet/>
+      <dgm:spPr/>
+      <dgm:t>
+        <a:bodyPr/>
+        <a:lstStyle/>
+        <a:p>
+          <a:endParaRPr lang="en-US"/>
+        </a:p>
+      </dgm:t>
+    </dgm:pt>
+    <dgm:pt modelId="{365397B7-D90B-3B41-939E-415245105CF7}" type="sibTrans" cxnId="{5F107841-D256-C84C-A2E2-D0695EAA493C}">
+      <dgm:prSet/>
+      <dgm:spPr/>
+      <dgm:t>
+        <a:bodyPr/>
+        <a:lstStyle/>
+        <a:p>
+          <a:endParaRPr lang="en-US"/>
+        </a:p>
+      </dgm:t>
+    </dgm:pt>
+    <dgm:pt modelId="{833C3E9C-B23C-7644-B534-3C81E37CD054}" type="pres">
+      <dgm:prSet presAssocID="{C58C6C8D-8271-6544-B7F8-80771455244E}" presName="Name0" presStyleCnt="0">
+        <dgm:presLayoutVars>
+          <dgm:chPref val="1"/>
+          <dgm:dir/>
+          <dgm:animOne val="branch"/>
+          <dgm:animLvl val="lvl"/>
+          <dgm:resizeHandles/>
+        </dgm:presLayoutVars>
+      </dgm:prSet>
+      <dgm:spPr/>
+    </dgm:pt>
+    <dgm:pt modelId="{057884B3-1507-7E41-82F9-FBA194725FE2}" type="pres">
+      <dgm:prSet presAssocID="{56A8A3D4-966E-314F-8145-4CC2033348FB}" presName="vertOne" presStyleCnt="0"/>
+      <dgm:spPr/>
+    </dgm:pt>
+    <dgm:pt modelId="{A632801D-B129-3B46-BCB6-601E7D1DB279}" type="pres">
+      <dgm:prSet presAssocID="{56A8A3D4-966E-314F-8145-4CC2033348FB}" presName="txOne" presStyleLbl="node0" presStyleIdx="0" presStyleCnt="1" custScaleX="97386" custScaleY="100000" custLinFactY="165064" custLinFactNeighborX="1307" custLinFactNeighborY="200000">
+        <dgm:presLayoutVars>
+          <dgm:chPref val="3"/>
+        </dgm:presLayoutVars>
+      </dgm:prSet>
+      <dgm:spPr/>
+    </dgm:pt>
+    <dgm:pt modelId="{D04DE8BD-94E3-9547-B329-D36BD0ABD917}" type="pres">
+      <dgm:prSet presAssocID="{56A8A3D4-966E-314F-8145-4CC2033348FB}" presName="horzOne" presStyleCnt="0"/>
+      <dgm:spPr/>
+    </dgm:pt>
+  </dgm:ptLst>
+  <dgm:cxnLst>
+    <dgm:cxn modelId="{5F107841-D256-C84C-A2E2-D0695EAA493C}" srcId="{C58C6C8D-8271-6544-B7F8-80771455244E}" destId="{56A8A3D4-966E-314F-8145-4CC2033348FB}" srcOrd="0" destOrd="0" parTransId="{AC16DB77-49ED-9B41-A3D8-0C749B1C999D}" sibTransId="{365397B7-D90B-3B41-939E-415245105CF7}"/>
+    <dgm:cxn modelId="{C4A5CD61-9D86-214D-AD66-251907038367}" type="presOf" srcId="{56A8A3D4-966E-314F-8145-4CC2033348FB}" destId="{A632801D-B129-3B46-BCB6-601E7D1DB279}" srcOrd="0" destOrd="0" presId="urn:microsoft.com/office/officeart/2005/8/layout/hierarchy4"/>
+    <dgm:cxn modelId="{C5ACBBA7-63AC-5F4C-B592-73EFB1EF0CAE}" type="presOf" srcId="{C58C6C8D-8271-6544-B7F8-80771455244E}" destId="{833C3E9C-B23C-7644-B534-3C81E37CD054}" srcOrd="0" destOrd="0" presId="urn:microsoft.com/office/officeart/2005/8/layout/hierarchy4"/>
+    <dgm:cxn modelId="{8D9AFDCF-AE89-C444-A8D0-94C66331CBEF}" type="presParOf" srcId="{833C3E9C-B23C-7644-B534-3C81E37CD054}" destId="{057884B3-1507-7E41-82F9-FBA194725FE2}" srcOrd="0" destOrd="0" presId="urn:microsoft.com/office/officeart/2005/8/layout/hierarchy4"/>
+    <dgm:cxn modelId="{C8592674-399A-2A48-B534-9316251A22AA}" type="presParOf" srcId="{057884B3-1507-7E41-82F9-FBA194725FE2}" destId="{A632801D-B129-3B46-BCB6-601E7D1DB279}" srcOrd="0" destOrd="0" presId="urn:microsoft.com/office/officeart/2005/8/layout/hierarchy4"/>
+    <dgm:cxn modelId="{1763BDC5-E3E3-0F4E-A0EC-B581FB77F4E4}" type="presParOf" srcId="{057884B3-1507-7E41-82F9-FBA194725FE2}" destId="{D04DE8BD-94E3-9547-B329-D36BD0ABD917}" srcOrd="1" destOrd="0" presId="urn:microsoft.com/office/officeart/2005/8/layout/hierarchy4"/>
+  </dgm:cxnLst>
+  <dgm:bg/>
+  <dgm:whole/>
+  <dgm:extLst>
+    <a:ext uri="http://schemas.microsoft.com/office/drawing/2008/diagram">
+      <dsp:dataModelExt xmlns:dsp="http://schemas.microsoft.com/office/drawing/2008/diagram" relId="rId19" minVer="http://schemas.openxmlformats.org/drawingml/2006/diagram"/>
     </a:ext>
   </dgm:extLst>
 </dgm:dataModel>
@@ -6095,19 +7786,62 @@
           </a:pPr>
           <a:r>
             <a:rPr lang="en-US" altLang="zh-CN" sz="1600" kern="1200" dirty="0"/>
-            <a:t>Optimize</a:t>
+            <a:t>Optimization: </a:t>
+          </a:r>
+          <a14:m xmlns:a14="http://schemas.microsoft.com/office/drawing/2010/main">
+            <m:oMath xmlns:m="http://schemas.openxmlformats.org/officeDocument/2006/math">
+              <m:sSub>
+                <m:sSubPr>
+                  <m:ctrlPr>
+                    <a:rPr lang="en-US" altLang="zh-CN" sz="1600" i="1" kern="1200" dirty="0" smtClean="0">
+                      <a:latin typeface="Cambria Math" panose="02040503050406030204" pitchFamily="18" charset="0"/>
+                    </a:rPr>
+                  </m:ctrlPr>
+                </m:sSubPr>
+                <m:e>
+                  <m:r>
+                    <a:rPr lang="en-US" altLang="zh-CN" sz="1600" i="1" kern="1200" dirty="0" smtClean="0">
+                      <a:latin typeface="Cambria Math" panose="02040503050406030204" pitchFamily="18" charset="0"/>
+                    </a:rPr>
+                    <m:t>𝑁</m:t>
+                  </m:r>
+                </m:e>
+                <m:sub>
+                  <m:r>
+                    <a:rPr lang="en-US" altLang="zh-CN" sz="1600" i="1" kern="1200" dirty="0" smtClean="0">
+                      <a:latin typeface="Cambria Math" panose="02040503050406030204" pitchFamily="18" charset="0"/>
+                    </a:rPr>
+                    <m:t>𝑀𝑎𝑥</m:t>
+                  </m:r>
+                </m:sub>
+              </m:sSub>
+            </m:oMath>
+          </a14:m>
+          <a:r>
+            <a:rPr lang="en-US" altLang="zh-CN" sz="1600" kern="1200" dirty="0"/>
+            <a:t> (Maximum ,  </a:t>
           </a:r>
           <a:r>
-            <a:rPr lang="zh-CN" altLang="en-US" sz="1600" kern="1200" dirty="0"/>
-            <a:t>：</a:t>
-          </a:r>
-          <a:r>
-            <a:rPr lang="en-US" altLang="zh-CN" sz="1600" kern="1200" dirty="0" err="1"/>
-            <a:t>Max_tourist_number</a:t>
+            <a:rPr lang="en-US" altLang="en-US" sz="1600" kern="1200" dirty="0"/>
+            <a:t>𝜂 (Tax Rate) , </a:t>
           </a:r>
           <a:r>
             <a:rPr lang="en-US" altLang="zh-CN" sz="1600" kern="1200" dirty="0"/>
-            <a:t>, Tex Rate, Amount of penalty</a:t>
+            <a:t> </a:t>
+          </a:r>
+          <a14:m xmlns:a14="http://schemas.microsoft.com/office/drawing/2010/main">
+            <m:oMath xmlns:m="http://schemas.openxmlformats.org/officeDocument/2006/math">
+              <m:r>
+                <a:rPr lang="en-US" altLang="en-US" sz="1600" i="1" kern="1200" dirty="0" smtClean="0">
+                  <a:latin typeface="Cambria Math" panose="02040503050406030204" pitchFamily="18" charset="0"/>
+                </a:rPr>
+                <m:t>𝑄</m:t>
+              </m:r>
+            </m:oMath>
+          </a14:m>
+          <a:r>
+            <a:rPr lang="en-US" altLang="zh-CN" sz="1600" kern="1200" dirty="0"/>
+            <a:t> ( Amount of Penalty)</a:t>
           </a:r>
           <a:endParaRPr lang="zh-CN" altLang="en-US" sz="1600" kern="1200" dirty="0"/>
         </a:p>
@@ -6126,28 +7860,51 @@
           </a:pPr>
           <a:r>
             <a:rPr lang="en-US" altLang="zh-CN" sz="1600" kern="1200" dirty="0"/>
-            <a:t>Constraint</a:t>
+            <a:t>Constraint    : Tourist number, bivariate linear relationship between hidden cost and </a:t>
           </a:r>
-          <a:r>
-            <a:rPr lang="zh-CN" altLang="en-US" sz="1600" kern="1200" dirty="0"/>
-            <a:t>：</a:t>
-          </a:r>
+          <a14:m xmlns:a14="http://schemas.microsoft.com/office/drawing/2010/main">
+            <m:oMath xmlns:m="http://schemas.openxmlformats.org/officeDocument/2006/math">
+              <m:r>
+                <a:rPr lang="en-US" altLang="zh-CN" sz="1600" i="1" kern="1200" dirty="0" smtClean="0">
+                  <a:latin typeface="Cambria Math" panose="02040503050406030204" pitchFamily="18" charset="0"/>
+                </a:rPr>
+                <m:t>𝑁</m:t>
+              </m:r>
+            </m:oMath>
+          </a14:m>
           <a:r>
             <a:rPr lang="en-US" altLang="zh-CN" sz="1600" kern="1200" dirty="0"/>
-            <a:t>tourist number, </a:t>
+            <a:t> &amp; </a:t>
           </a:r>
-          <a:r>
-            <a:rPr lang="en-US" altLang="zh-CN" sz="1600" kern="1200" dirty="0" err="1"/>
-            <a:t>biavariate</a:t>
-          </a:r>
-          <a:r>
-            <a:rPr lang="en-US" altLang="zh-CN" sz="1600" kern="1200" dirty="0"/>
-            <a:t> linear relationship between hidden cost and n &amp; </a:t>
-          </a:r>
-          <a:r>
-            <a:rPr lang="en-US" altLang="zh-CN" sz="1600" kern="1200" dirty="0" err="1"/>
-            <a:t>n_local</a:t>
-          </a:r>
+          <a14:m xmlns:a14="http://schemas.microsoft.com/office/drawing/2010/main">
+            <m:oMath xmlns:m="http://schemas.openxmlformats.org/officeDocument/2006/math">
+              <m:sSub>
+                <m:sSubPr>
+                  <m:ctrlPr>
+                    <a:rPr lang="en-US" altLang="zh-CN" sz="1600" i="1" kern="1200" dirty="0" smtClean="0">
+                      <a:latin typeface="Cambria Math" panose="02040503050406030204" pitchFamily="18" charset="0"/>
+                    </a:rPr>
+                  </m:ctrlPr>
+                </m:sSubPr>
+                <m:e>
+                  <m:r>
+                    <a:rPr lang="en-US" altLang="zh-CN" sz="1600" i="1" kern="1200" dirty="0" smtClean="0">
+                      <a:latin typeface="Cambria Math" panose="02040503050406030204" pitchFamily="18" charset="0"/>
+                    </a:rPr>
+                    <m:t>𝑁</m:t>
+                  </m:r>
+                </m:e>
+                <m:sub>
+                  <m:r>
+                    <a:rPr lang="en-US" altLang="zh-CN" sz="1600" i="1" kern="1200" dirty="0" smtClean="0">
+                      <a:latin typeface="Cambria Math" panose="02040503050406030204" pitchFamily="18" charset="0"/>
+                    </a:rPr>
+                    <m:t>𝐿𝑜𝑐𝑎𝑙</m:t>
+                  </m:r>
+                </m:sub>
+              </m:sSub>
+            </m:oMath>
+          </a14:m>
           <a:endParaRPr lang="zh-CN" altLang="en-US" sz="1600" kern="1200" dirty="0"/>
         </a:p>
       </dsp:txBody>
@@ -6339,23 +8096,54 @@
           </a:pPr>
           <a:r>
             <a:rPr lang="en-US" altLang="en-US" sz="1600" kern="1200" dirty="0"/>
-            <a:t>examine how the model's reacts to changes in three parameters: </a:t>
+            <a:t>Examine how the model reacts to changes in three parameters: </a:t>
           </a:r>
-          <a:r>
-            <a:rPr lang="en-US" altLang="en-US" sz="1600" kern="1200" dirty="0" err="1"/>
-            <a:t>max_n</a:t>
-          </a:r>
+          <a14:m xmlns:a14="http://schemas.microsoft.com/office/drawing/2010/main">
+            <m:oMath xmlns:m="http://schemas.openxmlformats.org/officeDocument/2006/math">
+              <m:sSub>
+                <m:sSubPr>
+                  <m:ctrlPr>
+                    <a:rPr lang="en-US" altLang="en-US" sz="1600" i="1" kern="1200" dirty="0" err="1" smtClean="0">
+                      <a:latin typeface="Cambria Math" panose="02040503050406030204" pitchFamily="18" charset="0"/>
+                    </a:rPr>
+                  </m:ctrlPr>
+                </m:sSubPr>
+                <m:e>
+                  <m:r>
+                    <a:rPr lang="en-US" altLang="en-US" sz="1600" i="1" kern="1200" dirty="0" err="1" smtClean="0">
+                      <a:latin typeface="Cambria Math" panose="02040503050406030204" pitchFamily="18" charset="0"/>
+                    </a:rPr>
+                    <m:t>𝑁</m:t>
+                  </m:r>
+                </m:e>
+                <m:sub>
+                  <m:r>
+                    <a:rPr lang="en-US" altLang="en-US" sz="1600" i="1" kern="1200" dirty="0" err="1" smtClean="0">
+                      <a:latin typeface="Cambria Math" panose="02040503050406030204" pitchFamily="18" charset="0"/>
+                    </a:rPr>
+                    <m:t>𝑀𝑎𝑥</m:t>
+                  </m:r>
+                </m:sub>
+              </m:sSub>
+            </m:oMath>
+          </a14:m>
           <a:r>
             <a:rPr lang="en-US" altLang="en-US" sz="1600" kern="1200" dirty="0"/>
-            <a:t>, </a:t>
+            <a:t>, 𝜂, and </a:t>
           </a:r>
-          <a:r>
-            <a:rPr lang="en-US" altLang="en-US" sz="1600" kern="1200" dirty="0" err="1"/>
-            <a:t>tex</a:t>
-          </a:r>
+          <a14:m xmlns:a14="http://schemas.microsoft.com/office/drawing/2010/main">
+            <m:oMath xmlns:m="http://schemas.openxmlformats.org/officeDocument/2006/math">
+              <m:r>
+                <a:rPr lang="en-US" altLang="en-US" sz="1600" i="1" kern="1200" dirty="0" smtClean="0">
+                  <a:latin typeface="Cambria Math" panose="02040503050406030204" pitchFamily="18" charset="0"/>
+                </a:rPr>
+                <m:t>𝑄</m:t>
+              </m:r>
+            </m:oMath>
+          </a14:m>
           <a:r>
             <a:rPr lang="en-US" altLang="en-US" sz="1600" kern="1200" dirty="0"/>
-            <a:t>, and q, with one parameter varying while others were held constant. </a:t>
+            <a:t>, with one parameter varying while others were held constant. </a:t>
           </a:r>
           <a:endParaRPr lang="zh-CN" altLang="en-US" sz="1600" kern="1200" dirty="0"/>
         </a:p>
@@ -6567,7 +8355,7 @@
           </a:pPr>
           <a:r>
             <a:rPr lang="en-US" altLang="zh-CN" sz="1600" kern="1200" dirty="0"/>
-            <a:t>Fit well</a:t>
+            <a:t>Fits well</a:t>
           </a:r>
           <a:endParaRPr lang="zh-CN" altLang="en-US" sz="1600" kern="1200" dirty="0"/>
         </a:p>
@@ -6575,6 +8363,128 @@
       <dsp:txXfrm rot="-5400000">
         <a:off x="1504864" y="1832063"/>
         <a:ext cx="8832484" cy="600958"/>
+      </dsp:txXfrm>
+    </dsp:sp>
+  </dsp:spTree>
+</dsp:drawing>
+</file>
+
+<file path=ppt/diagrams/drawing4.xml><?xml version="1.0" encoding="utf-8"?>
+<dsp:drawing xmlns:dgm="http://schemas.openxmlformats.org/drawingml/2006/diagram" xmlns:dsp="http://schemas.microsoft.com/office/drawing/2008/diagram" xmlns:a="http://schemas.openxmlformats.org/drawingml/2006/main">
+  <dsp:spTree>
+    <dsp:nvGrpSpPr>
+      <dsp:cNvPr id="0" name=""/>
+      <dsp:cNvGrpSpPr/>
+    </dsp:nvGrpSpPr>
+    <dsp:grpSpPr/>
+    <dsp:sp modelId="{A632801D-B129-3B46-BCB6-601E7D1DB279}">
+      <dsp:nvSpPr>
+        <dsp:cNvPr id="0" name=""/>
+        <dsp:cNvSpPr/>
+      </dsp:nvSpPr>
+      <dsp:spPr>
+        <a:xfrm>
+          <a:off x="278629" y="0"/>
+          <a:ext cx="10380492" cy="719657"/>
+        </a:xfrm>
+        <a:prstGeom prst="roundRect">
+          <a:avLst>
+            <a:gd name="adj" fmla="val 10000"/>
+          </a:avLst>
+        </a:prstGeom>
+        <a:gradFill rotWithShape="0">
+          <a:gsLst>
+            <a:gs pos="59000">
+              <a:schemeClr val="accent2">
+                <a:alpha val="80000"/>
+                <a:hueOff val="0"/>
+                <a:satOff val="0"/>
+                <a:lumOff val="0"/>
+                <a:alphaOff val="0"/>
+                <a:satMod val="103000"/>
+                <a:lumMod val="102000"/>
+                <a:tint val="94000"/>
+              </a:schemeClr>
+            </a:gs>
+            <a:gs pos="85000">
+              <a:schemeClr val="accent2">
+                <a:alpha val="80000"/>
+                <a:hueOff val="0"/>
+                <a:satOff val="0"/>
+                <a:lumOff val="0"/>
+                <a:alphaOff val="0"/>
+                <a:satMod val="110000"/>
+                <a:lumMod val="100000"/>
+                <a:shade val="100000"/>
+              </a:schemeClr>
+            </a:gs>
+            <a:gs pos="100000">
+              <a:schemeClr val="accent2">
+                <a:alpha val="80000"/>
+                <a:hueOff val="0"/>
+                <a:satOff val="0"/>
+                <a:lumOff val="0"/>
+                <a:alphaOff val="0"/>
+                <a:lumMod val="99000"/>
+                <a:satMod val="120000"/>
+                <a:shade val="78000"/>
+              </a:schemeClr>
+            </a:gs>
+          </a:gsLst>
+          <a:lin ang="5400000" scaled="0"/>
+        </a:gradFill>
+        <a:ln>
+          <a:noFill/>
+        </a:ln>
+        <a:effectLst>
+          <a:outerShdw blurRad="57150" dist="19050" dir="5400000" algn="ctr" rotWithShape="0">
+            <a:srgbClr val="000000">
+              <a:alpha val="63000"/>
+            </a:srgbClr>
+          </a:outerShdw>
+        </a:effectLst>
+      </dsp:spPr>
+      <dsp:style>
+        <a:lnRef idx="0">
+          <a:scrgbClr r="0" g="0" b="0"/>
+        </a:lnRef>
+        <a:fillRef idx="3">
+          <a:scrgbClr r="0" g="0" b="0"/>
+        </a:fillRef>
+        <a:effectRef idx="3">
+          <a:scrgbClr r="0" g="0" b="0"/>
+        </a:effectRef>
+        <a:fontRef idx="minor">
+          <a:schemeClr val="lt1"/>
+        </a:fontRef>
+      </dsp:style>
+      <dsp:txBody>
+        <a:bodyPr spcFirstLastPara="0" vert="horz" wrap="square" lIns="106680" tIns="106680" rIns="106680" bIns="106680" numCol="1" spcCol="1270" anchor="ctr" anchorCtr="0">
+          <a:noAutofit/>
+        </a:bodyPr>
+        <a:lstStyle/>
+        <a:p>
+          <a:pPr marL="0" lvl="0" indent="0" algn="ctr" defTabSz="1244600">
+            <a:lnSpc>
+              <a:spcPct val="90000"/>
+            </a:lnSpc>
+            <a:spcBef>
+              <a:spcPct val="0"/>
+            </a:spcBef>
+            <a:spcAft>
+              <a:spcPct val="35000"/>
+            </a:spcAft>
+            <a:buNone/>
+          </a:pPr>
+          <a:r>
+            <a:rPr lang="en-US" sz="2800" kern="1200" dirty="0"/>
+            <a:t>Memo</a:t>
+          </a:r>
+        </a:p>
+      </dsp:txBody>
+      <dsp:txXfrm>
+        <a:off x="299707" y="21078"/>
+        <a:ext cx="10338336" cy="677501"/>
       </dsp:txXfrm>
     </dsp:sp>
   </dsp:spTree>
@@ -7881,6 +9791,528 @@
 </dgm:layoutDef>
 </file>
 
+<file path=ppt/diagrams/layout4.xml><?xml version="1.0" encoding="utf-8"?>
+<dgm:layoutDef xmlns:dgm="http://schemas.openxmlformats.org/drawingml/2006/diagram" xmlns:a="http://schemas.openxmlformats.org/drawingml/2006/main" uniqueId="urn:microsoft.com/office/officeart/2005/8/layout/hierarchy4">
+  <dgm:title val=""/>
+  <dgm:desc val=""/>
+  <dgm:catLst>
+    <dgm:cat type="hierarchy" pri="4000"/>
+    <dgm:cat type="list" pri="24000"/>
+    <dgm:cat type="relationship" pri="10000"/>
+  </dgm:catLst>
+  <dgm:sampData>
+    <dgm:dataModel>
+      <dgm:ptLst>
+        <dgm:pt modelId="0" type="doc"/>
+        <dgm:pt modelId="1">
+          <dgm:prSet phldr="1"/>
+        </dgm:pt>
+        <dgm:pt modelId="2">
+          <dgm:prSet phldr="1"/>
+        </dgm:pt>
+        <dgm:pt modelId="21">
+          <dgm:prSet phldr="1"/>
+        </dgm:pt>
+        <dgm:pt modelId="22">
+          <dgm:prSet phldr="1"/>
+        </dgm:pt>
+        <dgm:pt modelId="3">
+          <dgm:prSet phldr="1"/>
+        </dgm:pt>
+        <dgm:pt modelId="31">
+          <dgm:prSet phldr="1"/>
+        </dgm:pt>
+      </dgm:ptLst>
+      <dgm:cxnLst>
+        <dgm:cxn modelId="4" srcId="0" destId="1" srcOrd="0" destOrd="0"/>
+        <dgm:cxn modelId="5" srcId="1" destId="2" srcOrd="0" destOrd="0"/>
+        <dgm:cxn modelId="6" srcId="1" destId="3" srcOrd="1" destOrd="0"/>
+        <dgm:cxn modelId="23" srcId="2" destId="21" srcOrd="0" destOrd="0"/>
+        <dgm:cxn modelId="24" srcId="2" destId="22" srcOrd="1" destOrd="0"/>
+        <dgm:cxn modelId="33" srcId="3" destId="31" srcOrd="0" destOrd="0"/>
+      </dgm:cxnLst>
+      <dgm:bg/>
+      <dgm:whole/>
+    </dgm:dataModel>
+  </dgm:sampData>
+  <dgm:styleData>
+    <dgm:dataModel>
+      <dgm:ptLst>
+        <dgm:pt modelId="0" type="doc"/>
+        <dgm:pt modelId="1"/>
+        <dgm:pt modelId="11"/>
+        <dgm:pt modelId="12"/>
+      </dgm:ptLst>
+      <dgm:cxnLst>
+        <dgm:cxn modelId="2" srcId="0" destId="1" srcOrd="0" destOrd="0"/>
+        <dgm:cxn modelId="13" srcId="1" destId="11" srcOrd="0" destOrd="0"/>
+        <dgm:cxn modelId="14" srcId="1" destId="12" srcOrd="1" destOrd="0"/>
+      </dgm:cxnLst>
+      <dgm:bg/>
+      <dgm:whole/>
+    </dgm:dataModel>
+  </dgm:styleData>
+  <dgm:clrData>
+    <dgm:dataModel>
+      <dgm:ptLst>
+        <dgm:pt modelId="0" type="doc"/>
+        <dgm:pt modelId="1"/>
+        <dgm:pt modelId="2"/>
+        <dgm:pt modelId="21"/>
+        <dgm:pt modelId="211"/>
+        <dgm:pt modelId="3"/>
+        <dgm:pt modelId="31"/>
+        <dgm:pt modelId="311"/>
+      </dgm:ptLst>
+      <dgm:cxnLst>
+        <dgm:cxn modelId="4" srcId="0" destId="1" srcOrd="0" destOrd="0"/>
+        <dgm:cxn modelId="5" srcId="1" destId="2" srcOrd="0" destOrd="0"/>
+        <dgm:cxn modelId="6" srcId="1" destId="3" srcOrd="1" destOrd="0"/>
+        <dgm:cxn modelId="23" srcId="2" destId="21" srcOrd="0" destOrd="0"/>
+        <dgm:cxn modelId="24" srcId="21" destId="211" srcOrd="0" destOrd="0"/>
+        <dgm:cxn modelId="33" srcId="3" destId="31" srcOrd="0" destOrd="0"/>
+        <dgm:cxn modelId="34" srcId="31" destId="311" srcOrd="0" destOrd="0"/>
+      </dgm:cxnLst>
+      <dgm:bg/>
+      <dgm:whole/>
+    </dgm:dataModel>
+  </dgm:clrData>
+  <dgm:layoutNode name="Name0">
+    <dgm:varLst>
+      <dgm:chPref val="1"/>
+      <dgm:dir/>
+      <dgm:animOne val="branch"/>
+      <dgm:animLvl val="lvl"/>
+      <dgm:resizeHandles/>
+    </dgm:varLst>
+    <dgm:choose name="Name1">
+      <dgm:if name="Name2" func="var" arg="dir" op="equ" val="norm">
+        <dgm:alg type="lin">
+          <dgm:param type="linDir" val="fromL"/>
+          <dgm:param type="nodeVertAlign" val="t"/>
+        </dgm:alg>
+      </dgm:if>
+      <dgm:else name="Name3">
+        <dgm:alg type="lin">
+          <dgm:param type="linDir" val="fromR"/>
+          <dgm:param type="nodeVertAlign" val="t"/>
+        </dgm:alg>
+      </dgm:else>
+    </dgm:choose>
+    <dgm:shape xmlns:r="http://schemas.openxmlformats.org/officeDocument/2006/relationships" r:blip="">
+      <dgm:adjLst/>
+    </dgm:shape>
+    <dgm:presOf/>
+    <dgm:constrLst>
+      <dgm:constr type="w" for="ch" forName="vertOne" refType="w"/>
+      <dgm:constr type="w" for="des" forName="horzOne" refType="w"/>
+      <dgm:constr type="w" for="des" forName="txOne" refType="w"/>
+      <dgm:constr type="w" for="des" forName="vertTwo" refType="w"/>
+      <dgm:constr type="w" for="des" forName="horzTwo" refType="w"/>
+      <dgm:constr type="w" for="des" forName="txTwo" refType="w"/>
+      <dgm:constr type="w" for="des" forName="vertThree" refType="w"/>
+      <dgm:constr type="w" for="des" forName="horzThree" refType="w"/>
+      <dgm:constr type="w" for="des" forName="txThree" refType="w"/>
+      <dgm:constr type="w" for="des" forName="vertFour" refType="w"/>
+      <dgm:constr type="w" for="des" forName="horzFour" refType="w"/>
+      <dgm:constr type="w" for="des" forName="txFour" refType="w"/>
+      <dgm:constr type="h" for="des" ptType="node" op="equ"/>
+      <dgm:constr type="h" for="des" forName="txOne" refType="h"/>
+      <dgm:constr type="userH" for="des" ptType="node" refType="h" refFor="des" refForName="txOne"/>
+      <dgm:constr type="primFontSz" for="des" forName="txOne" val="65"/>
+      <dgm:constr type="primFontSz" for="des" forName="txTwo" val="65"/>
+      <dgm:constr type="primFontSz" for="des" forName="txTwo" refType="primFontSz" refFor="des" refForName="txOne" op="lte"/>
+      <dgm:constr type="primFontSz" for="des" forName="txThree" val="65"/>
+      <dgm:constr type="primFontSz" for="des" forName="txThree" refType="primFontSz" refFor="des" refForName="txOne" op="lte"/>
+      <dgm:constr type="primFontSz" for="des" forName="txThree" refType="primFontSz" refFor="des" refForName="txTwo" op="lte"/>
+      <dgm:constr type="primFontSz" for="des" forName="txFour" val="65"/>
+      <dgm:constr type="primFontSz" for="des" forName="txFour" refType="primFontSz" refFor="des" refForName="txOne" op="lte"/>
+      <dgm:constr type="primFontSz" for="des" forName="txFour" refType="primFontSz" refFor="des" refForName="txTwo" op="lte"/>
+      <dgm:constr type="primFontSz" for="des" forName="txFour" refType="primFontSz" refFor="des" refForName="txThree" op="lte"/>
+      <dgm:constr type="w" for="des" forName="sibSpaceOne" refType="w" fact="0.168"/>
+      <dgm:constr type="w" for="des" forName="sibSpaceTwo" refType="w" refFor="des" refForName="sibSpaceOne" op="equ" fact="0.5"/>
+      <dgm:constr type="w" for="des" forName="sibSpaceThree" refType="w" refFor="des" refForName="sibSpaceTwo" op="equ" fact="0.5"/>
+      <dgm:constr type="w" for="des" forName="sibSpaceFour" refType="w" refFor="des" refForName="sibSpaceThree" op="equ" fact="0.5"/>
+      <dgm:constr type="h" for="des" forName="parTransOne" refType="w" fact="0.056"/>
+      <dgm:constr type="h" for="des" forName="parTransTwo" refType="h" refFor="des" refForName="parTransOne" op="equ"/>
+      <dgm:constr type="h" for="des" forName="parTransThree" refType="h" refFor="des" refForName="parTransTwo" op="equ"/>
+      <dgm:constr type="h" for="des" forName="parTransFour" refType="h" refFor="des" refForName="parTransThree" op="equ"/>
+    </dgm:constrLst>
+    <dgm:ruleLst/>
+    <dgm:forEach name="Name4" axis="ch" ptType="node">
+      <dgm:layoutNode name="vertOne">
+        <dgm:alg type="lin">
+          <dgm:param type="linDir" val="fromT"/>
+        </dgm:alg>
+        <dgm:shape xmlns:r="http://schemas.openxmlformats.org/officeDocument/2006/relationships" r:blip="">
+          <dgm:adjLst/>
+        </dgm:shape>
+        <dgm:presOf/>
+        <dgm:constrLst>
+          <dgm:constr type="w" for="ch" forName="txOne" refType="w" refFor="ch" refForName="horzOne" op="gte"/>
+        </dgm:constrLst>
+        <dgm:ruleLst/>
+        <dgm:layoutNode name="txOne" styleLbl="node0">
+          <dgm:varLst>
+            <dgm:chPref val="3"/>
+          </dgm:varLst>
+          <dgm:alg type="tx"/>
+          <dgm:shape xmlns:r="http://schemas.openxmlformats.org/officeDocument/2006/relationships" type="roundRect" r:blip="">
+            <dgm:adjLst>
+              <dgm:adj idx="1" val="0.1"/>
+            </dgm:adjLst>
+          </dgm:shape>
+          <dgm:presOf axis="self"/>
+          <dgm:constrLst>
+            <dgm:constr type="tMarg" refType="primFontSz" fact="0.3"/>
+            <dgm:constr type="bMarg" refType="primFontSz" fact="0.3"/>
+            <dgm:constr type="lMarg" refType="primFontSz" fact="0.3"/>
+            <dgm:constr type="rMarg" refType="primFontSz" fact="0.3"/>
+          </dgm:constrLst>
+          <dgm:ruleLst>
+            <dgm:rule type="primFontSz" val="5" fact="NaN" max="NaN"/>
+          </dgm:ruleLst>
+        </dgm:layoutNode>
+        <dgm:choose name="Name5">
+          <dgm:if name="Name6" axis="des" ptType="node" func="cnt" op="gt" val="0">
+            <dgm:layoutNode name="parTransOne">
+              <dgm:alg type="sp"/>
+              <dgm:shape xmlns:r="http://schemas.openxmlformats.org/officeDocument/2006/relationships" r:blip="">
+                <dgm:adjLst/>
+              </dgm:shape>
+              <dgm:presOf/>
+              <dgm:constrLst/>
+              <dgm:ruleLst/>
+            </dgm:layoutNode>
+          </dgm:if>
+          <dgm:else name="Name7"/>
+        </dgm:choose>
+        <dgm:layoutNode name="horzOne">
+          <dgm:choose name="Name8">
+            <dgm:if name="Name9" func="var" arg="dir" op="equ" val="norm">
+              <dgm:alg type="lin">
+                <dgm:param type="linDir" val="fromL"/>
+                <dgm:param type="nodeVertAlign" val="t"/>
+              </dgm:alg>
+            </dgm:if>
+            <dgm:else name="Name10">
+              <dgm:alg type="lin">
+                <dgm:param type="linDir" val="fromR"/>
+                <dgm:param type="nodeVertAlign" val="t"/>
+              </dgm:alg>
+            </dgm:else>
+          </dgm:choose>
+          <dgm:shape xmlns:r="http://schemas.openxmlformats.org/officeDocument/2006/relationships" r:blip="">
+            <dgm:adjLst/>
+          </dgm:shape>
+          <dgm:presOf/>
+          <dgm:constrLst/>
+          <dgm:ruleLst>
+            <dgm:rule type="w" val="INF" fact="NaN" max="NaN"/>
+          </dgm:ruleLst>
+          <dgm:forEach name="Name11" axis="ch" ptType="node">
+            <dgm:layoutNode name="vertTwo">
+              <dgm:alg type="lin">
+                <dgm:param type="linDir" val="fromT"/>
+              </dgm:alg>
+              <dgm:shape xmlns:r="http://schemas.openxmlformats.org/officeDocument/2006/relationships" r:blip="">
+                <dgm:adjLst/>
+              </dgm:shape>
+              <dgm:presOf/>
+              <dgm:constrLst>
+                <dgm:constr type="w" for="ch" forName="txTwo" refType="w" refFor="ch" refForName="horzTwo" op="gte"/>
+              </dgm:constrLst>
+              <dgm:ruleLst/>
+              <dgm:layoutNode name="txTwo">
+                <dgm:varLst>
+                  <dgm:chPref val="3"/>
+                </dgm:varLst>
+                <dgm:alg type="tx"/>
+                <dgm:shape xmlns:r="http://schemas.openxmlformats.org/officeDocument/2006/relationships" type="roundRect" r:blip="">
+                  <dgm:adjLst>
+                    <dgm:adj idx="1" val="0.1"/>
+                  </dgm:adjLst>
+                </dgm:shape>
+                <dgm:presOf axis="self"/>
+                <dgm:constrLst>
+                  <dgm:constr type="userH"/>
+                  <dgm:constr type="h" refType="userH"/>
+                  <dgm:constr type="tMarg" refType="primFontSz" fact="0.3"/>
+                  <dgm:constr type="bMarg" refType="primFontSz" fact="0.3"/>
+                  <dgm:constr type="lMarg" refType="primFontSz" fact="0.3"/>
+                  <dgm:constr type="rMarg" refType="primFontSz" fact="0.3"/>
+                </dgm:constrLst>
+                <dgm:ruleLst>
+                  <dgm:rule type="primFontSz" val="5" fact="NaN" max="NaN"/>
+                </dgm:ruleLst>
+              </dgm:layoutNode>
+              <dgm:choose name="Name12">
+                <dgm:if name="Name13" axis="des" ptType="node" func="cnt" op="gt" val="0">
+                  <dgm:layoutNode name="parTransTwo">
+                    <dgm:alg type="sp"/>
+                    <dgm:shape xmlns:r="http://schemas.openxmlformats.org/officeDocument/2006/relationships" r:blip="">
+                      <dgm:adjLst/>
+                    </dgm:shape>
+                    <dgm:presOf/>
+                    <dgm:constrLst/>
+                    <dgm:ruleLst/>
+                  </dgm:layoutNode>
+                </dgm:if>
+                <dgm:else name="Name14"/>
+              </dgm:choose>
+              <dgm:layoutNode name="horzTwo">
+                <dgm:choose name="Name15">
+                  <dgm:if name="Name16" func="var" arg="dir" op="equ" val="norm">
+                    <dgm:alg type="lin">
+                      <dgm:param type="linDir" val="fromL"/>
+                      <dgm:param type="nodeVertAlign" val="t"/>
+                    </dgm:alg>
+                  </dgm:if>
+                  <dgm:else name="Name17">
+                    <dgm:alg type="lin">
+                      <dgm:param type="linDir" val="fromR"/>
+                      <dgm:param type="nodeVertAlign" val="t"/>
+                    </dgm:alg>
+                  </dgm:else>
+                </dgm:choose>
+                <dgm:shape xmlns:r="http://schemas.openxmlformats.org/officeDocument/2006/relationships" r:blip="">
+                  <dgm:adjLst/>
+                </dgm:shape>
+                <dgm:presOf/>
+                <dgm:constrLst/>
+                <dgm:ruleLst>
+                  <dgm:rule type="w" val="INF" fact="NaN" max="NaN"/>
+                </dgm:ruleLst>
+                <dgm:forEach name="Name18" axis="ch" ptType="node">
+                  <dgm:layoutNode name="vertThree">
+                    <dgm:alg type="lin">
+                      <dgm:param type="linDir" val="fromT"/>
+                    </dgm:alg>
+                    <dgm:shape xmlns:r="http://schemas.openxmlformats.org/officeDocument/2006/relationships" r:blip="">
+                      <dgm:adjLst/>
+                    </dgm:shape>
+                    <dgm:presOf/>
+                    <dgm:constrLst>
+                      <dgm:constr type="w" for="ch" forName="txThree" refType="w" refFor="ch" refForName="horzThree" op="gte"/>
+                    </dgm:constrLst>
+                    <dgm:ruleLst/>
+                    <dgm:layoutNode name="txThree">
+                      <dgm:varLst>
+                        <dgm:chPref val="3"/>
+                      </dgm:varLst>
+                      <dgm:alg type="tx"/>
+                      <dgm:shape xmlns:r="http://schemas.openxmlformats.org/officeDocument/2006/relationships" type="roundRect" r:blip="">
+                        <dgm:adjLst>
+                          <dgm:adj idx="1" val="0.1"/>
+                        </dgm:adjLst>
+                      </dgm:shape>
+                      <dgm:presOf axis="self"/>
+                      <dgm:constrLst>
+                        <dgm:constr type="userH"/>
+                        <dgm:constr type="h" refType="userH"/>
+                        <dgm:constr type="tMarg" refType="primFontSz" fact="0.3"/>
+                        <dgm:constr type="bMarg" refType="primFontSz" fact="0.3"/>
+                        <dgm:constr type="lMarg" refType="primFontSz" fact="0.3"/>
+                        <dgm:constr type="rMarg" refType="primFontSz" fact="0.3"/>
+                      </dgm:constrLst>
+                      <dgm:ruleLst>
+                        <dgm:rule type="primFontSz" val="5" fact="NaN" max="NaN"/>
+                      </dgm:ruleLst>
+                    </dgm:layoutNode>
+                    <dgm:choose name="Name19">
+                      <dgm:if name="Name20" axis="des" ptType="node" func="cnt" op="gt" val="0">
+                        <dgm:layoutNode name="parTransThree">
+                          <dgm:alg type="sp"/>
+                          <dgm:shape xmlns:r="http://schemas.openxmlformats.org/officeDocument/2006/relationships" r:blip="">
+                            <dgm:adjLst/>
+                          </dgm:shape>
+                          <dgm:presOf/>
+                          <dgm:constrLst/>
+                          <dgm:ruleLst/>
+                        </dgm:layoutNode>
+                      </dgm:if>
+                      <dgm:else name="Name21"/>
+                    </dgm:choose>
+                    <dgm:layoutNode name="horzThree">
+                      <dgm:choose name="Name22">
+                        <dgm:if name="Name23" func="var" arg="dir" op="equ" val="norm">
+                          <dgm:alg type="lin">
+                            <dgm:param type="linDir" val="fromL"/>
+                            <dgm:param type="nodeVertAlign" val="t"/>
+                          </dgm:alg>
+                        </dgm:if>
+                        <dgm:else name="Name24">
+                          <dgm:alg type="lin">
+                            <dgm:param type="linDir" val="fromR"/>
+                            <dgm:param type="nodeVertAlign" val="t"/>
+                          </dgm:alg>
+                        </dgm:else>
+                      </dgm:choose>
+                      <dgm:shape xmlns:r="http://schemas.openxmlformats.org/officeDocument/2006/relationships" r:blip="">
+                        <dgm:adjLst/>
+                      </dgm:shape>
+                      <dgm:presOf/>
+                      <dgm:constrLst/>
+                      <dgm:ruleLst>
+                        <dgm:rule type="w" val="INF" fact="NaN" max="NaN"/>
+                      </dgm:ruleLst>
+                      <dgm:forEach name="repeat" axis="ch" ptType="node">
+                        <dgm:layoutNode name="vertFour">
+                          <dgm:varLst>
+                            <dgm:chPref val="3"/>
+                          </dgm:varLst>
+                          <dgm:alg type="lin">
+                            <dgm:param type="linDir" val="fromT"/>
+                          </dgm:alg>
+                          <dgm:shape xmlns:r="http://schemas.openxmlformats.org/officeDocument/2006/relationships" r:blip="">
+                            <dgm:adjLst/>
+                          </dgm:shape>
+                          <dgm:presOf/>
+                          <dgm:constrLst>
+                            <dgm:constr type="w" for="ch" forName="txFour" refType="w" refFor="ch" refForName="horzFour" op="gte"/>
+                          </dgm:constrLst>
+                          <dgm:ruleLst/>
+                          <dgm:layoutNode name="txFour">
+                            <dgm:varLst>
+                              <dgm:chPref val="3"/>
+                            </dgm:varLst>
+                            <dgm:alg type="tx"/>
+                            <dgm:shape xmlns:r="http://schemas.openxmlformats.org/officeDocument/2006/relationships" type="roundRect" r:blip="">
+                              <dgm:adjLst>
+                                <dgm:adj idx="1" val="0.1"/>
+                              </dgm:adjLst>
+                            </dgm:shape>
+                            <dgm:presOf axis="self"/>
+                            <dgm:constrLst>
+                              <dgm:constr type="userH"/>
+                              <dgm:constr type="h" refType="userH"/>
+                              <dgm:constr type="tMarg" refType="primFontSz" fact="0.3"/>
+                              <dgm:constr type="bMarg" refType="primFontSz" fact="0.3"/>
+                              <dgm:constr type="lMarg" refType="primFontSz" fact="0.3"/>
+                              <dgm:constr type="rMarg" refType="primFontSz" fact="0.3"/>
+                            </dgm:constrLst>
+                            <dgm:ruleLst>
+                              <dgm:rule type="primFontSz" val="5" fact="NaN" max="NaN"/>
+                            </dgm:ruleLst>
+                          </dgm:layoutNode>
+                          <dgm:choose name="Name25">
+                            <dgm:if name="Name26" axis="des" ptType="node" func="cnt" op="gt" val="0">
+                              <dgm:layoutNode name="parTransFour">
+                                <dgm:alg type="sp"/>
+                                <dgm:shape xmlns:r="http://schemas.openxmlformats.org/officeDocument/2006/relationships" r:blip="">
+                                  <dgm:adjLst/>
+                                </dgm:shape>
+                                <dgm:presOf/>
+                                <dgm:constrLst/>
+                                <dgm:ruleLst/>
+                              </dgm:layoutNode>
+                            </dgm:if>
+                            <dgm:else name="Name27"/>
+                          </dgm:choose>
+                          <dgm:layoutNode name="horzFour">
+                            <dgm:choose name="Name28">
+                              <dgm:if name="Name29" func="var" arg="dir" op="equ" val="norm">
+                                <dgm:alg type="lin">
+                                  <dgm:param type="linDir" val="fromL"/>
+                                  <dgm:param type="nodeVertAlign" val="t"/>
+                                </dgm:alg>
+                              </dgm:if>
+                              <dgm:else name="Name30">
+                                <dgm:alg type="lin">
+                                  <dgm:param type="linDir" val="fromR"/>
+                                  <dgm:param type="nodeVertAlign" val="t"/>
+                                </dgm:alg>
+                              </dgm:else>
+                            </dgm:choose>
+                            <dgm:shape xmlns:r="http://schemas.openxmlformats.org/officeDocument/2006/relationships" r:blip="">
+                              <dgm:adjLst/>
+                            </dgm:shape>
+                            <dgm:presOf/>
+                            <dgm:constrLst/>
+                            <dgm:ruleLst>
+                              <dgm:rule type="w" val="INF" fact="NaN" max="NaN"/>
+                            </dgm:ruleLst>
+                            <dgm:forEach name="Name31" ref="repeat"/>
+                          </dgm:layoutNode>
+                        </dgm:layoutNode>
+                        <dgm:choose name="Name32">
+                          <dgm:if name="Name33" axis="self" ptType="node" func="revPos" op="gte" val="2">
+                            <dgm:forEach name="Name34" axis="followSib" ptType="sibTrans" cnt="1">
+                              <dgm:layoutNode name="sibSpaceFour">
+                                <dgm:alg type="sp"/>
+                                <dgm:shape xmlns:r="http://schemas.openxmlformats.org/officeDocument/2006/relationships" r:blip="">
+                                  <dgm:adjLst/>
+                                </dgm:shape>
+                                <dgm:presOf/>
+                                <dgm:constrLst/>
+                                <dgm:ruleLst/>
+                              </dgm:layoutNode>
+                            </dgm:forEach>
+                          </dgm:if>
+                          <dgm:else name="Name35"/>
+                        </dgm:choose>
+                      </dgm:forEach>
+                    </dgm:layoutNode>
+                  </dgm:layoutNode>
+                  <dgm:choose name="Name36">
+                    <dgm:if name="Name37" axis="self" ptType="node" func="revPos" op="gte" val="2">
+                      <dgm:forEach name="Name38" axis="followSib" ptType="sibTrans" cnt="1">
+                        <dgm:layoutNode name="sibSpaceThree">
+                          <dgm:alg type="sp"/>
+                          <dgm:shape xmlns:r="http://schemas.openxmlformats.org/officeDocument/2006/relationships" r:blip="">
+                            <dgm:adjLst/>
+                          </dgm:shape>
+                          <dgm:presOf/>
+                          <dgm:constrLst/>
+                          <dgm:ruleLst/>
+                        </dgm:layoutNode>
+                      </dgm:forEach>
+                    </dgm:if>
+                    <dgm:else name="Name39"/>
+                  </dgm:choose>
+                </dgm:forEach>
+              </dgm:layoutNode>
+            </dgm:layoutNode>
+            <dgm:choose name="Name40">
+              <dgm:if name="Name41" axis="self" ptType="node" func="revPos" op="gte" val="2">
+                <dgm:forEach name="Name42" axis="followSib" ptType="sibTrans" cnt="1">
+                  <dgm:layoutNode name="sibSpaceTwo">
+                    <dgm:alg type="sp"/>
+                    <dgm:shape xmlns:r="http://schemas.openxmlformats.org/officeDocument/2006/relationships" r:blip="">
+                      <dgm:adjLst/>
+                    </dgm:shape>
+                    <dgm:presOf/>
+                    <dgm:constrLst/>
+                    <dgm:ruleLst/>
+                  </dgm:layoutNode>
+                </dgm:forEach>
+              </dgm:if>
+              <dgm:else name="Name43"/>
+            </dgm:choose>
+          </dgm:forEach>
+        </dgm:layoutNode>
+      </dgm:layoutNode>
+      <dgm:choose name="Name44">
+        <dgm:if name="Name45" axis="self" ptType="node" func="revPos" op="gte" val="2">
+          <dgm:forEach name="Name46" axis="followSib" ptType="sibTrans" cnt="1">
+            <dgm:layoutNode name="sibSpaceOne">
+              <dgm:alg type="sp"/>
+              <dgm:shape xmlns:r="http://schemas.openxmlformats.org/officeDocument/2006/relationships" r:blip="">
+                <dgm:adjLst/>
+              </dgm:shape>
+              <dgm:presOf/>
+              <dgm:constrLst/>
+              <dgm:ruleLst/>
+            </dgm:layoutNode>
+          </dgm:forEach>
+        </dgm:if>
+        <dgm:else name="Name47"/>
+      </dgm:choose>
+    </dgm:forEach>
+  </dgm:layoutNode>
+</dgm:layoutDef>
+</file>
+
 <file path=ppt/diagrams/quickStyle1.xml><?xml version="1.0" encoding="utf-8"?>
 <dgm:styleDef xmlns:dgm="http://schemas.openxmlformats.org/drawingml/2006/diagram" xmlns:a="http://schemas.openxmlformats.org/drawingml/2006/main" uniqueId="urn:microsoft.com/office/officeart/2005/8/quickstyle/simple1">
   <dgm:title val=""/>
@@ -9950,6 +12382,1040 @@
 </file>
 
 <file path=ppt/diagrams/quickStyle3.xml><?xml version="1.0" encoding="utf-8"?>
+<dgm:styleDef xmlns:dgm="http://schemas.openxmlformats.org/drawingml/2006/diagram" xmlns:a="http://schemas.openxmlformats.org/drawingml/2006/main" uniqueId="urn:microsoft.com/office/officeart/2005/8/quickstyle/simple5">
+  <dgm:title val=""/>
+  <dgm:desc val=""/>
+  <dgm:catLst>
+    <dgm:cat type="simple" pri="10500"/>
+  </dgm:catLst>
+  <dgm:scene3d>
+    <a:camera prst="orthographicFront"/>
+    <a:lightRig rig="threePt" dir="t"/>
+  </dgm:scene3d>
+  <dgm:styleLbl name="node0">
+    <dgm:scene3d>
+      <a:camera prst="orthographicFront"/>
+      <a:lightRig rig="threePt" dir="t"/>
+    </dgm:scene3d>
+    <dgm:sp3d/>
+    <dgm:txPr/>
+    <dgm:style>
+      <a:lnRef idx="0">
+        <a:scrgbClr r="0" g="0" b="0"/>
+      </a:lnRef>
+      <a:fillRef idx="3">
+        <a:scrgbClr r="0" g="0" b="0"/>
+      </a:fillRef>
+      <a:effectRef idx="3">
+        <a:scrgbClr r="0" g="0" b="0"/>
+      </a:effectRef>
+      <a:fontRef idx="minor">
+        <a:schemeClr val="lt1"/>
+      </a:fontRef>
+    </dgm:style>
+  </dgm:styleLbl>
+  <dgm:styleLbl name="lnNode1">
+    <dgm:scene3d>
+      <a:camera prst="orthographicFront"/>
+      <a:lightRig rig="threePt" dir="t"/>
+    </dgm:scene3d>
+    <dgm:sp3d/>
+    <dgm:txPr/>
+    <dgm:style>
+      <a:lnRef idx="0">
+        <a:scrgbClr r="0" g="0" b="0"/>
+      </a:lnRef>
+      <a:fillRef idx="3">
+        <a:scrgbClr r="0" g="0" b="0"/>
+      </a:fillRef>
+      <a:effectRef idx="3">
+        <a:scrgbClr r="0" g="0" b="0"/>
+      </a:effectRef>
+      <a:fontRef idx="minor">
+        <a:schemeClr val="lt1"/>
+      </a:fontRef>
+    </dgm:style>
+  </dgm:styleLbl>
+  <dgm:styleLbl name="vennNode1">
+    <dgm:scene3d>
+      <a:camera prst="orthographicFront"/>
+      <a:lightRig rig="threePt" dir="t"/>
+    </dgm:scene3d>
+    <dgm:sp3d/>
+    <dgm:txPr/>
+    <dgm:style>
+      <a:lnRef idx="0">
+        <a:scrgbClr r="0" g="0" b="0"/>
+      </a:lnRef>
+      <a:fillRef idx="3">
+        <a:scrgbClr r="0" g="0" b="0"/>
+      </a:fillRef>
+      <a:effectRef idx="3">
+        <a:scrgbClr r="0" g="0" b="0"/>
+      </a:effectRef>
+      <a:fontRef idx="minor">
+        <a:schemeClr val="tx1"/>
+      </a:fontRef>
+    </dgm:style>
+  </dgm:styleLbl>
+  <dgm:styleLbl name="alignNode1">
+    <dgm:scene3d>
+      <a:camera prst="orthographicFront"/>
+      <a:lightRig rig="threePt" dir="t"/>
+    </dgm:scene3d>
+    <dgm:sp3d/>
+    <dgm:txPr/>
+    <dgm:style>
+      <a:lnRef idx="1">
+        <a:scrgbClr r="0" g="0" b="0"/>
+      </a:lnRef>
+      <a:fillRef idx="3">
+        <a:scrgbClr r="0" g="0" b="0"/>
+      </a:fillRef>
+      <a:effectRef idx="3">
+        <a:scrgbClr r="0" g="0" b="0"/>
+      </a:effectRef>
+      <a:fontRef idx="minor">
+        <a:schemeClr val="lt1"/>
+      </a:fontRef>
+    </dgm:style>
+  </dgm:styleLbl>
+  <dgm:styleLbl name="node1">
+    <dgm:scene3d>
+      <a:camera prst="orthographicFront"/>
+      <a:lightRig rig="threePt" dir="t"/>
+    </dgm:scene3d>
+    <dgm:sp3d/>
+    <dgm:txPr/>
+    <dgm:style>
+      <a:lnRef idx="0">
+        <a:scrgbClr r="0" g="0" b="0"/>
+      </a:lnRef>
+      <a:fillRef idx="3">
+        <a:scrgbClr r="0" g="0" b="0"/>
+      </a:fillRef>
+      <a:effectRef idx="3">
+        <a:scrgbClr r="0" g="0" b="0"/>
+      </a:effectRef>
+      <a:fontRef idx="minor">
+        <a:schemeClr val="lt1"/>
+      </a:fontRef>
+    </dgm:style>
+  </dgm:styleLbl>
+  <dgm:styleLbl name="node2">
+    <dgm:scene3d>
+      <a:camera prst="orthographicFront"/>
+      <a:lightRig rig="threePt" dir="t"/>
+    </dgm:scene3d>
+    <dgm:sp3d/>
+    <dgm:txPr/>
+    <dgm:style>
+      <a:lnRef idx="0">
+        <a:scrgbClr r="0" g="0" b="0"/>
+      </a:lnRef>
+      <a:fillRef idx="3">
+        <a:scrgbClr r="0" g="0" b="0"/>
+      </a:fillRef>
+      <a:effectRef idx="3">
+        <a:scrgbClr r="0" g="0" b="0"/>
+      </a:effectRef>
+      <a:fontRef idx="minor">
+        <a:schemeClr val="lt1"/>
+      </a:fontRef>
+    </dgm:style>
+  </dgm:styleLbl>
+  <dgm:styleLbl name="node3">
+    <dgm:scene3d>
+      <a:camera prst="orthographicFront"/>
+      <a:lightRig rig="threePt" dir="t"/>
+    </dgm:scene3d>
+    <dgm:sp3d/>
+    <dgm:txPr/>
+    <dgm:style>
+      <a:lnRef idx="0">
+        <a:scrgbClr r="0" g="0" b="0"/>
+      </a:lnRef>
+      <a:fillRef idx="3">
+        <a:scrgbClr r="0" g="0" b="0"/>
+      </a:fillRef>
+      <a:effectRef idx="3">
+        <a:scrgbClr r="0" g="0" b="0"/>
+      </a:effectRef>
+      <a:fontRef idx="minor">
+        <a:schemeClr val="lt1"/>
+      </a:fontRef>
+    </dgm:style>
+  </dgm:styleLbl>
+  <dgm:styleLbl name="node4">
+    <dgm:scene3d>
+      <a:camera prst="orthographicFront"/>
+      <a:lightRig rig="threePt" dir="t"/>
+    </dgm:scene3d>
+    <dgm:sp3d/>
+    <dgm:txPr/>
+    <dgm:style>
+      <a:lnRef idx="0">
+        <a:scrgbClr r="0" g="0" b="0"/>
+      </a:lnRef>
+      <a:fillRef idx="3">
+        <a:scrgbClr r="0" g="0" b="0"/>
+      </a:fillRef>
+      <a:effectRef idx="3">
+        <a:scrgbClr r="0" g="0" b="0"/>
+      </a:effectRef>
+      <a:fontRef idx="minor">
+        <a:schemeClr val="lt1"/>
+      </a:fontRef>
+    </dgm:style>
+  </dgm:styleLbl>
+  <dgm:styleLbl name="fgImgPlace1">
+    <dgm:scene3d>
+      <a:camera prst="orthographicFront"/>
+      <a:lightRig rig="threePt" dir="t"/>
+    </dgm:scene3d>
+    <dgm:sp3d/>
+    <dgm:txPr/>
+    <dgm:style>
+      <a:lnRef idx="0">
+        <a:scrgbClr r="0" g="0" b="0"/>
+      </a:lnRef>
+      <a:fillRef idx="1">
+        <a:scrgbClr r="0" g="0" b="0"/>
+      </a:fillRef>
+      <a:effectRef idx="3">
+        <a:scrgbClr r="0" g="0" b="0"/>
+      </a:effectRef>
+      <a:fontRef idx="minor"/>
+    </dgm:style>
+  </dgm:styleLbl>
+  <dgm:styleLbl name="alignImgPlace1">
+    <dgm:scene3d>
+      <a:camera prst="orthographicFront"/>
+      <a:lightRig rig="threePt" dir="t"/>
+    </dgm:scene3d>
+    <dgm:sp3d/>
+    <dgm:txPr/>
+    <dgm:style>
+      <a:lnRef idx="0">
+        <a:scrgbClr r="0" g="0" b="0"/>
+      </a:lnRef>
+      <a:fillRef idx="1">
+        <a:scrgbClr r="0" g="0" b="0"/>
+      </a:fillRef>
+      <a:effectRef idx="3">
+        <a:scrgbClr r="0" g="0" b="0"/>
+      </a:effectRef>
+      <a:fontRef idx="minor"/>
+    </dgm:style>
+  </dgm:styleLbl>
+  <dgm:styleLbl name="bgImgPlace1">
+    <dgm:scene3d>
+      <a:camera prst="orthographicFront"/>
+      <a:lightRig rig="threePt" dir="t"/>
+    </dgm:scene3d>
+    <dgm:sp3d/>
+    <dgm:txPr/>
+    <dgm:style>
+      <a:lnRef idx="0">
+        <a:scrgbClr r="0" g="0" b="0"/>
+      </a:lnRef>
+      <a:fillRef idx="1">
+        <a:scrgbClr r="0" g="0" b="0"/>
+      </a:fillRef>
+      <a:effectRef idx="3">
+        <a:scrgbClr r="0" g="0" b="0"/>
+      </a:effectRef>
+      <a:fontRef idx="minor"/>
+    </dgm:style>
+  </dgm:styleLbl>
+  <dgm:styleLbl name="sibTrans2D1">
+    <dgm:scene3d>
+      <a:camera prst="orthographicFront"/>
+      <a:lightRig rig="threePt" dir="t"/>
+    </dgm:scene3d>
+    <dgm:sp3d/>
+    <dgm:txPr/>
+    <dgm:style>
+      <a:lnRef idx="0">
+        <a:scrgbClr r="0" g="0" b="0"/>
+      </a:lnRef>
+      <a:fillRef idx="3">
+        <a:scrgbClr r="0" g="0" b="0"/>
+      </a:fillRef>
+      <a:effectRef idx="3">
+        <a:scrgbClr r="0" g="0" b="0"/>
+      </a:effectRef>
+      <a:fontRef idx="minor">
+        <a:schemeClr val="lt1"/>
+      </a:fontRef>
+    </dgm:style>
+  </dgm:styleLbl>
+  <dgm:styleLbl name="fgSibTrans2D1">
+    <dgm:scene3d>
+      <a:camera prst="orthographicFront"/>
+      <a:lightRig rig="threePt" dir="t"/>
+    </dgm:scene3d>
+    <dgm:sp3d/>
+    <dgm:txPr/>
+    <dgm:style>
+      <a:lnRef idx="0">
+        <a:scrgbClr r="0" g="0" b="0"/>
+      </a:lnRef>
+      <a:fillRef idx="3">
+        <a:scrgbClr r="0" g="0" b="0"/>
+      </a:fillRef>
+      <a:effectRef idx="3">
+        <a:scrgbClr r="0" g="0" b="0"/>
+      </a:effectRef>
+      <a:fontRef idx="minor">
+        <a:schemeClr val="lt1"/>
+      </a:fontRef>
+    </dgm:style>
+  </dgm:styleLbl>
+  <dgm:styleLbl name="bgSibTrans2D1">
+    <dgm:scene3d>
+      <a:camera prst="orthographicFront"/>
+      <a:lightRig rig="threePt" dir="t"/>
+    </dgm:scene3d>
+    <dgm:sp3d/>
+    <dgm:txPr/>
+    <dgm:style>
+      <a:lnRef idx="0">
+        <a:scrgbClr r="0" g="0" b="0"/>
+      </a:lnRef>
+      <a:fillRef idx="3">
+        <a:scrgbClr r="0" g="0" b="0"/>
+      </a:fillRef>
+      <a:effectRef idx="3">
+        <a:scrgbClr r="0" g="0" b="0"/>
+      </a:effectRef>
+      <a:fontRef idx="minor">
+        <a:schemeClr val="lt1"/>
+      </a:fontRef>
+    </dgm:style>
+  </dgm:styleLbl>
+  <dgm:styleLbl name="sibTrans1D1">
+    <dgm:scene3d>
+      <a:camera prst="orthographicFront"/>
+      <a:lightRig rig="threePt" dir="t"/>
+    </dgm:scene3d>
+    <dgm:sp3d/>
+    <dgm:txPr/>
+    <dgm:style>
+      <a:lnRef idx="1">
+        <a:scrgbClr r="0" g="0" b="0"/>
+      </a:lnRef>
+      <a:fillRef idx="0">
+        <a:scrgbClr r="0" g="0" b="0"/>
+      </a:fillRef>
+      <a:effectRef idx="0">
+        <a:scrgbClr r="0" g="0" b="0"/>
+      </a:effectRef>
+      <a:fontRef idx="minor"/>
+    </dgm:style>
+  </dgm:styleLbl>
+  <dgm:styleLbl name="callout">
+    <dgm:scene3d>
+      <a:camera prst="orthographicFront"/>
+      <a:lightRig rig="threePt" dir="t"/>
+    </dgm:scene3d>
+    <dgm:sp3d/>
+    <dgm:txPr/>
+    <dgm:style>
+      <a:lnRef idx="1">
+        <a:scrgbClr r="0" g="0" b="0"/>
+      </a:lnRef>
+      <a:fillRef idx="0">
+        <a:scrgbClr r="0" g="0" b="0"/>
+      </a:fillRef>
+      <a:effectRef idx="1">
+        <a:scrgbClr r="0" g="0" b="0"/>
+      </a:effectRef>
+      <a:fontRef idx="minor"/>
+    </dgm:style>
+  </dgm:styleLbl>
+  <dgm:styleLbl name="asst0">
+    <dgm:scene3d>
+      <a:camera prst="orthographicFront"/>
+      <a:lightRig rig="threePt" dir="t"/>
+    </dgm:scene3d>
+    <dgm:sp3d/>
+    <dgm:txPr/>
+    <dgm:style>
+      <a:lnRef idx="0">
+        <a:scrgbClr r="0" g="0" b="0"/>
+      </a:lnRef>
+      <a:fillRef idx="3">
+        <a:scrgbClr r="0" g="0" b="0"/>
+      </a:fillRef>
+      <a:effectRef idx="3">
+        <a:scrgbClr r="0" g="0" b="0"/>
+      </a:effectRef>
+      <a:fontRef idx="minor">
+        <a:schemeClr val="lt1"/>
+      </a:fontRef>
+    </dgm:style>
+  </dgm:styleLbl>
+  <dgm:styleLbl name="asst1">
+    <dgm:scene3d>
+      <a:camera prst="orthographicFront"/>
+      <a:lightRig rig="threePt" dir="t"/>
+    </dgm:scene3d>
+    <dgm:sp3d/>
+    <dgm:txPr/>
+    <dgm:style>
+      <a:lnRef idx="0">
+        <a:scrgbClr r="0" g="0" b="0"/>
+      </a:lnRef>
+      <a:fillRef idx="3">
+        <a:scrgbClr r="0" g="0" b="0"/>
+      </a:fillRef>
+      <a:effectRef idx="3">
+        <a:scrgbClr r="0" g="0" b="0"/>
+      </a:effectRef>
+      <a:fontRef idx="minor">
+        <a:schemeClr val="lt1"/>
+      </a:fontRef>
+    </dgm:style>
+  </dgm:styleLbl>
+  <dgm:styleLbl name="asst2">
+    <dgm:scene3d>
+      <a:camera prst="orthographicFront"/>
+      <a:lightRig rig="threePt" dir="t"/>
+    </dgm:scene3d>
+    <dgm:sp3d/>
+    <dgm:txPr/>
+    <dgm:style>
+      <a:lnRef idx="0">
+        <a:scrgbClr r="0" g="0" b="0"/>
+      </a:lnRef>
+      <a:fillRef idx="3">
+        <a:scrgbClr r="0" g="0" b="0"/>
+      </a:fillRef>
+      <a:effectRef idx="3">
+        <a:scrgbClr r="0" g="0" b="0"/>
+      </a:effectRef>
+      <a:fontRef idx="minor">
+        <a:schemeClr val="lt1"/>
+      </a:fontRef>
+    </dgm:style>
+  </dgm:styleLbl>
+  <dgm:styleLbl name="asst3">
+    <dgm:scene3d>
+      <a:camera prst="orthographicFront"/>
+      <a:lightRig rig="threePt" dir="t"/>
+    </dgm:scene3d>
+    <dgm:sp3d/>
+    <dgm:txPr/>
+    <dgm:style>
+      <a:lnRef idx="0">
+        <a:scrgbClr r="0" g="0" b="0"/>
+      </a:lnRef>
+      <a:fillRef idx="3">
+        <a:scrgbClr r="0" g="0" b="0"/>
+      </a:fillRef>
+      <a:effectRef idx="3">
+        <a:scrgbClr r="0" g="0" b="0"/>
+      </a:effectRef>
+      <a:fontRef idx="minor">
+        <a:schemeClr val="lt1"/>
+      </a:fontRef>
+    </dgm:style>
+  </dgm:styleLbl>
+  <dgm:styleLbl name="asst4">
+    <dgm:scene3d>
+      <a:camera prst="orthographicFront"/>
+      <a:lightRig rig="threePt" dir="t"/>
+    </dgm:scene3d>
+    <dgm:sp3d/>
+    <dgm:txPr/>
+    <dgm:style>
+      <a:lnRef idx="0">
+        <a:scrgbClr r="0" g="0" b="0"/>
+      </a:lnRef>
+      <a:fillRef idx="3">
+        <a:scrgbClr r="0" g="0" b="0"/>
+      </a:fillRef>
+      <a:effectRef idx="3">
+        <a:scrgbClr r="0" g="0" b="0"/>
+      </a:effectRef>
+      <a:fontRef idx="minor">
+        <a:schemeClr val="lt1"/>
+      </a:fontRef>
+    </dgm:style>
+  </dgm:styleLbl>
+  <dgm:styleLbl name="parChTrans2D1">
+    <dgm:scene3d>
+      <a:camera prst="orthographicFront"/>
+      <a:lightRig rig="threePt" dir="t"/>
+    </dgm:scene3d>
+    <dgm:sp3d/>
+    <dgm:txPr/>
+    <dgm:style>
+      <a:lnRef idx="0">
+        <a:scrgbClr r="0" g="0" b="0"/>
+      </a:lnRef>
+      <a:fillRef idx="3">
+        <a:scrgbClr r="0" g="0" b="0"/>
+      </a:fillRef>
+      <a:effectRef idx="3">
+        <a:scrgbClr r="0" g="0" b="0"/>
+      </a:effectRef>
+      <a:fontRef idx="minor">
+        <a:schemeClr val="lt1"/>
+      </a:fontRef>
+    </dgm:style>
+  </dgm:styleLbl>
+  <dgm:styleLbl name="parChTrans2D2">
+    <dgm:scene3d>
+      <a:camera prst="orthographicFront"/>
+      <a:lightRig rig="threePt" dir="t"/>
+    </dgm:scene3d>
+    <dgm:sp3d/>
+    <dgm:txPr/>
+    <dgm:style>
+      <a:lnRef idx="0">
+        <a:scrgbClr r="0" g="0" b="0"/>
+      </a:lnRef>
+      <a:fillRef idx="3">
+        <a:scrgbClr r="0" g="0" b="0"/>
+      </a:fillRef>
+      <a:effectRef idx="3">
+        <a:scrgbClr r="0" g="0" b="0"/>
+      </a:effectRef>
+      <a:fontRef idx="minor">
+        <a:schemeClr val="lt1"/>
+      </a:fontRef>
+    </dgm:style>
+  </dgm:styleLbl>
+  <dgm:styleLbl name="parChTrans2D3">
+    <dgm:scene3d>
+      <a:camera prst="orthographicFront"/>
+      <a:lightRig rig="threePt" dir="t"/>
+    </dgm:scene3d>
+    <dgm:sp3d/>
+    <dgm:txPr/>
+    <dgm:style>
+      <a:lnRef idx="0">
+        <a:scrgbClr r="0" g="0" b="0"/>
+      </a:lnRef>
+      <a:fillRef idx="3">
+        <a:scrgbClr r="0" g="0" b="0"/>
+      </a:fillRef>
+      <a:effectRef idx="3">
+        <a:scrgbClr r="0" g="0" b="0"/>
+      </a:effectRef>
+      <a:fontRef idx="minor">
+        <a:schemeClr val="lt1"/>
+      </a:fontRef>
+    </dgm:style>
+  </dgm:styleLbl>
+  <dgm:styleLbl name="parChTrans2D4">
+    <dgm:scene3d>
+      <a:camera prst="orthographicFront"/>
+      <a:lightRig rig="threePt" dir="t"/>
+    </dgm:scene3d>
+    <dgm:sp3d/>
+    <dgm:txPr/>
+    <dgm:style>
+      <a:lnRef idx="0">
+        <a:scrgbClr r="0" g="0" b="0"/>
+      </a:lnRef>
+      <a:fillRef idx="3">
+        <a:scrgbClr r="0" g="0" b="0"/>
+      </a:fillRef>
+      <a:effectRef idx="3">
+        <a:scrgbClr r="0" g="0" b="0"/>
+      </a:effectRef>
+      <a:fontRef idx="minor">
+        <a:schemeClr val="lt1"/>
+      </a:fontRef>
+    </dgm:style>
+  </dgm:styleLbl>
+  <dgm:styleLbl name="parChTrans1D1">
+    <dgm:scene3d>
+      <a:camera prst="orthographicFront"/>
+      <a:lightRig rig="threePt" dir="t"/>
+    </dgm:scene3d>
+    <dgm:sp3d/>
+    <dgm:txPr/>
+    <dgm:style>
+      <a:lnRef idx="2">
+        <a:scrgbClr r="0" g="0" b="0"/>
+      </a:lnRef>
+      <a:fillRef idx="0">
+        <a:scrgbClr r="0" g="0" b="0"/>
+      </a:fillRef>
+      <a:effectRef idx="0">
+        <a:scrgbClr r="0" g="0" b="0"/>
+      </a:effectRef>
+      <a:fontRef idx="minor"/>
+    </dgm:style>
+  </dgm:styleLbl>
+  <dgm:styleLbl name="parChTrans1D2">
+    <dgm:scene3d>
+      <a:camera prst="orthographicFront"/>
+      <a:lightRig rig="threePt" dir="t"/>
+    </dgm:scene3d>
+    <dgm:sp3d/>
+    <dgm:txPr/>
+    <dgm:style>
+      <a:lnRef idx="2">
+        <a:scrgbClr r="0" g="0" b="0"/>
+      </a:lnRef>
+      <a:fillRef idx="0">
+        <a:scrgbClr r="0" g="0" b="0"/>
+      </a:fillRef>
+      <a:effectRef idx="0">
+        <a:scrgbClr r="0" g="0" b="0"/>
+      </a:effectRef>
+      <a:fontRef idx="minor"/>
+    </dgm:style>
+  </dgm:styleLbl>
+  <dgm:styleLbl name="parChTrans1D3">
+    <dgm:scene3d>
+      <a:camera prst="orthographicFront"/>
+      <a:lightRig rig="threePt" dir="t"/>
+    </dgm:scene3d>
+    <dgm:sp3d/>
+    <dgm:txPr/>
+    <dgm:style>
+      <a:lnRef idx="2">
+        <a:scrgbClr r="0" g="0" b="0"/>
+      </a:lnRef>
+      <a:fillRef idx="0">
+        <a:scrgbClr r="0" g="0" b="0"/>
+      </a:fillRef>
+      <a:effectRef idx="0">
+        <a:scrgbClr r="0" g="0" b="0"/>
+      </a:effectRef>
+      <a:fontRef idx="minor"/>
+    </dgm:style>
+  </dgm:styleLbl>
+  <dgm:styleLbl name="parChTrans1D4">
+    <dgm:scene3d>
+      <a:camera prst="orthographicFront"/>
+      <a:lightRig rig="threePt" dir="t"/>
+    </dgm:scene3d>
+    <dgm:sp3d/>
+    <dgm:txPr/>
+    <dgm:style>
+      <a:lnRef idx="2">
+        <a:scrgbClr r="0" g="0" b="0"/>
+      </a:lnRef>
+      <a:fillRef idx="0">
+        <a:scrgbClr r="0" g="0" b="0"/>
+      </a:fillRef>
+      <a:effectRef idx="0">
+        <a:scrgbClr r="0" g="0" b="0"/>
+      </a:effectRef>
+      <a:fontRef idx="minor"/>
+    </dgm:style>
+  </dgm:styleLbl>
+  <dgm:styleLbl name="fgAcc1">
+    <dgm:scene3d>
+      <a:camera prst="orthographicFront"/>
+      <a:lightRig rig="threePt" dir="t"/>
+    </dgm:scene3d>
+    <dgm:sp3d/>
+    <dgm:txPr/>
+    <dgm:style>
+      <a:lnRef idx="1">
+        <a:scrgbClr r="0" g="0" b="0"/>
+      </a:lnRef>
+      <a:fillRef idx="1">
+        <a:scrgbClr r="0" g="0" b="0"/>
+      </a:fillRef>
+      <a:effectRef idx="2">
+        <a:scrgbClr r="0" g="0" b="0"/>
+      </a:effectRef>
+      <a:fontRef idx="minor"/>
+    </dgm:style>
+  </dgm:styleLbl>
+  <dgm:styleLbl name="conFgAcc1">
+    <dgm:scene3d>
+      <a:camera prst="orthographicFront"/>
+      <a:lightRig rig="threePt" dir="t"/>
+    </dgm:scene3d>
+    <dgm:sp3d/>
+    <dgm:txPr/>
+    <dgm:style>
+      <a:lnRef idx="1">
+        <a:scrgbClr r="0" g="0" b="0"/>
+      </a:lnRef>
+      <a:fillRef idx="1">
+        <a:scrgbClr r="0" g="0" b="0"/>
+      </a:fillRef>
+      <a:effectRef idx="2">
+        <a:scrgbClr r="0" g="0" b="0"/>
+      </a:effectRef>
+      <a:fontRef idx="minor"/>
+    </dgm:style>
+  </dgm:styleLbl>
+  <dgm:styleLbl name="alignAcc1">
+    <dgm:scene3d>
+      <a:camera prst="orthographicFront"/>
+      <a:lightRig rig="threePt" dir="t"/>
+    </dgm:scene3d>
+    <dgm:sp3d/>
+    <dgm:txPr/>
+    <dgm:style>
+      <a:lnRef idx="1">
+        <a:scrgbClr r="0" g="0" b="0"/>
+      </a:lnRef>
+      <a:fillRef idx="1">
+        <a:scrgbClr r="0" g="0" b="0"/>
+      </a:fillRef>
+      <a:effectRef idx="2">
+        <a:scrgbClr r="0" g="0" b="0"/>
+      </a:effectRef>
+      <a:fontRef idx="minor"/>
+    </dgm:style>
+  </dgm:styleLbl>
+  <dgm:styleLbl name="trAlignAcc1">
+    <dgm:scene3d>
+      <a:camera prst="orthographicFront"/>
+      <a:lightRig rig="threePt" dir="t"/>
+    </dgm:scene3d>
+    <dgm:sp3d/>
+    <dgm:txPr/>
+    <dgm:style>
+      <a:lnRef idx="1">
+        <a:scrgbClr r="0" g="0" b="0"/>
+      </a:lnRef>
+      <a:fillRef idx="1">
+        <a:scrgbClr r="0" g="0" b="0"/>
+      </a:fillRef>
+      <a:effectRef idx="0">
+        <a:scrgbClr r="0" g="0" b="0"/>
+      </a:effectRef>
+      <a:fontRef idx="minor"/>
+    </dgm:style>
+  </dgm:styleLbl>
+  <dgm:styleLbl name="bgAcc1">
+    <dgm:scene3d>
+      <a:camera prst="orthographicFront"/>
+      <a:lightRig rig="threePt" dir="t"/>
+    </dgm:scene3d>
+    <dgm:sp3d/>
+    <dgm:txPr/>
+    <dgm:style>
+      <a:lnRef idx="1">
+        <a:scrgbClr r="0" g="0" b="0"/>
+      </a:lnRef>
+      <a:fillRef idx="1">
+        <a:scrgbClr r="0" g="0" b="0"/>
+      </a:fillRef>
+      <a:effectRef idx="2">
+        <a:scrgbClr r="0" g="0" b="0"/>
+      </a:effectRef>
+      <a:fontRef idx="minor"/>
+    </dgm:style>
+  </dgm:styleLbl>
+  <dgm:styleLbl name="solidFgAcc1">
+    <dgm:scene3d>
+      <a:camera prst="orthographicFront"/>
+      <a:lightRig rig="threePt" dir="t"/>
+    </dgm:scene3d>
+    <dgm:sp3d/>
+    <dgm:txPr/>
+    <dgm:style>
+      <a:lnRef idx="1">
+        <a:scrgbClr r="0" g="0" b="0"/>
+      </a:lnRef>
+      <a:fillRef idx="1">
+        <a:scrgbClr r="0" g="0" b="0"/>
+      </a:fillRef>
+      <a:effectRef idx="2">
+        <a:scrgbClr r="0" g="0" b="0"/>
+      </a:effectRef>
+      <a:fontRef idx="minor"/>
+    </dgm:style>
+  </dgm:styleLbl>
+  <dgm:styleLbl name="solidAlignAcc1">
+    <dgm:scene3d>
+      <a:camera prst="orthographicFront"/>
+      <a:lightRig rig="threePt" dir="t"/>
+    </dgm:scene3d>
+    <dgm:sp3d/>
+    <dgm:txPr/>
+    <dgm:style>
+      <a:lnRef idx="1">
+        <a:scrgbClr r="0" g="0" b="0"/>
+      </a:lnRef>
+      <a:fillRef idx="1">
+        <a:scrgbClr r="0" g="0" b="0"/>
+      </a:fillRef>
+      <a:effectRef idx="3">
+        <a:scrgbClr r="0" g="0" b="0"/>
+      </a:effectRef>
+      <a:fontRef idx="minor"/>
+    </dgm:style>
+  </dgm:styleLbl>
+  <dgm:styleLbl name="solidBgAcc1">
+    <dgm:scene3d>
+      <a:camera prst="orthographicFront"/>
+      <a:lightRig rig="threePt" dir="t"/>
+    </dgm:scene3d>
+    <dgm:sp3d/>
+    <dgm:txPr/>
+    <dgm:style>
+      <a:lnRef idx="1">
+        <a:scrgbClr r="0" g="0" b="0"/>
+      </a:lnRef>
+      <a:fillRef idx="1">
+        <a:scrgbClr r="0" g="0" b="0"/>
+      </a:fillRef>
+      <a:effectRef idx="3">
+        <a:scrgbClr r="0" g="0" b="0"/>
+      </a:effectRef>
+      <a:fontRef idx="minor"/>
+    </dgm:style>
+  </dgm:styleLbl>
+  <dgm:styleLbl name="fgAccFollowNode1">
+    <dgm:scene3d>
+      <a:camera prst="orthographicFront"/>
+      <a:lightRig rig="threePt" dir="t"/>
+    </dgm:scene3d>
+    <dgm:sp3d/>
+    <dgm:txPr/>
+    <dgm:style>
+      <a:lnRef idx="1">
+        <a:scrgbClr r="0" g="0" b="0"/>
+      </a:lnRef>
+      <a:fillRef idx="1">
+        <a:scrgbClr r="0" g="0" b="0"/>
+      </a:fillRef>
+      <a:effectRef idx="2">
+        <a:scrgbClr r="0" g="0" b="0"/>
+      </a:effectRef>
+      <a:fontRef idx="minor"/>
+    </dgm:style>
+  </dgm:styleLbl>
+  <dgm:styleLbl name="alignAccFollowNode1">
+    <dgm:scene3d>
+      <a:camera prst="orthographicFront"/>
+      <a:lightRig rig="threePt" dir="t"/>
+    </dgm:scene3d>
+    <dgm:sp3d/>
+    <dgm:txPr/>
+    <dgm:style>
+      <a:lnRef idx="1">
+        <a:scrgbClr r="0" g="0" b="0"/>
+      </a:lnRef>
+      <a:fillRef idx="1">
+        <a:scrgbClr r="0" g="0" b="0"/>
+      </a:fillRef>
+      <a:effectRef idx="2">
+        <a:scrgbClr r="0" g="0" b="0"/>
+      </a:effectRef>
+      <a:fontRef idx="minor"/>
+    </dgm:style>
+  </dgm:styleLbl>
+  <dgm:styleLbl name="bgAccFollowNode1">
+    <dgm:scene3d>
+      <a:camera prst="orthographicFront"/>
+      <a:lightRig rig="threePt" dir="t"/>
+    </dgm:scene3d>
+    <dgm:sp3d/>
+    <dgm:txPr/>
+    <dgm:style>
+      <a:lnRef idx="1">
+        <a:scrgbClr r="0" g="0" b="0"/>
+      </a:lnRef>
+      <a:fillRef idx="1">
+        <a:scrgbClr r="0" g="0" b="0"/>
+      </a:fillRef>
+      <a:effectRef idx="2">
+        <a:scrgbClr r="0" g="0" b="0"/>
+      </a:effectRef>
+      <a:fontRef idx="minor"/>
+    </dgm:style>
+  </dgm:styleLbl>
+  <dgm:styleLbl name="fgAcc0">
+    <dgm:scene3d>
+      <a:camera prst="orthographicFront"/>
+      <a:lightRig rig="threePt" dir="t"/>
+    </dgm:scene3d>
+    <dgm:sp3d/>
+    <dgm:txPr/>
+    <dgm:style>
+      <a:lnRef idx="1">
+        <a:scrgbClr r="0" g="0" b="0"/>
+      </a:lnRef>
+      <a:fillRef idx="1">
+        <a:scrgbClr r="0" g="0" b="0"/>
+      </a:fillRef>
+      <a:effectRef idx="2">
+        <a:scrgbClr r="0" g="0" b="0"/>
+      </a:effectRef>
+      <a:fontRef idx="minor"/>
+    </dgm:style>
+  </dgm:styleLbl>
+  <dgm:styleLbl name="fgAcc2">
+    <dgm:scene3d>
+      <a:camera prst="orthographicFront"/>
+      <a:lightRig rig="threePt" dir="t"/>
+    </dgm:scene3d>
+    <dgm:sp3d/>
+    <dgm:txPr/>
+    <dgm:style>
+      <a:lnRef idx="1">
+        <a:scrgbClr r="0" g="0" b="0"/>
+      </a:lnRef>
+      <a:fillRef idx="1">
+        <a:scrgbClr r="0" g="0" b="0"/>
+      </a:fillRef>
+      <a:effectRef idx="2">
+        <a:scrgbClr r="0" g="0" b="0"/>
+      </a:effectRef>
+      <a:fontRef idx="minor"/>
+    </dgm:style>
+  </dgm:styleLbl>
+  <dgm:styleLbl name="fgAcc3">
+    <dgm:scene3d>
+      <a:camera prst="orthographicFront"/>
+      <a:lightRig rig="threePt" dir="t"/>
+    </dgm:scene3d>
+    <dgm:sp3d/>
+    <dgm:txPr/>
+    <dgm:style>
+      <a:lnRef idx="1">
+        <a:scrgbClr r="0" g="0" b="0"/>
+      </a:lnRef>
+      <a:fillRef idx="1">
+        <a:scrgbClr r="0" g="0" b="0"/>
+      </a:fillRef>
+      <a:effectRef idx="2">
+        <a:scrgbClr r="0" g="0" b="0"/>
+      </a:effectRef>
+      <a:fontRef idx="minor"/>
+    </dgm:style>
+  </dgm:styleLbl>
+  <dgm:styleLbl name="fgAcc4">
+    <dgm:scene3d>
+      <a:camera prst="orthographicFront"/>
+      <a:lightRig rig="threePt" dir="t"/>
+    </dgm:scene3d>
+    <dgm:sp3d/>
+    <dgm:txPr/>
+    <dgm:style>
+      <a:lnRef idx="1">
+        <a:scrgbClr r="0" g="0" b="0"/>
+      </a:lnRef>
+      <a:fillRef idx="1">
+        <a:scrgbClr r="0" g="0" b="0"/>
+      </a:fillRef>
+      <a:effectRef idx="2">
+        <a:scrgbClr r="0" g="0" b="0"/>
+      </a:effectRef>
+      <a:fontRef idx="minor"/>
+    </dgm:style>
+  </dgm:styleLbl>
+  <dgm:styleLbl name="bgShp">
+    <dgm:scene3d>
+      <a:camera prst="orthographicFront"/>
+      <a:lightRig rig="threePt" dir="t"/>
+    </dgm:scene3d>
+    <dgm:sp3d/>
+    <dgm:txPr/>
+    <dgm:style>
+      <a:lnRef idx="0">
+        <a:scrgbClr r="0" g="0" b="0"/>
+      </a:lnRef>
+      <a:fillRef idx="1">
+        <a:scrgbClr r="0" g="0" b="0"/>
+      </a:fillRef>
+      <a:effectRef idx="2">
+        <a:scrgbClr r="0" g="0" b="0"/>
+      </a:effectRef>
+      <a:fontRef idx="minor"/>
+    </dgm:style>
+  </dgm:styleLbl>
+  <dgm:styleLbl name="dkBgShp">
+    <dgm:scene3d>
+      <a:camera prst="orthographicFront"/>
+      <a:lightRig rig="threePt" dir="t"/>
+    </dgm:scene3d>
+    <dgm:sp3d/>
+    <dgm:txPr/>
+    <dgm:style>
+      <a:lnRef idx="0">
+        <a:scrgbClr r="0" g="0" b="0"/>
+      </a:lnRef>
+      <a:fillRef idx="1">
+        <a:scrgbClr r="0" g="0" b="0"/>
+      </a:fillRef>
+      <a:effectRef idx="3">
+        <a:scrgbClr r="0" g="0" b="0"/>
+      </a:effectRef>
+      <a:fontRef idx="minor"/>
+    </dgm:style>
+  </dgm:styleLbl>
+  <dgm:styleLbl name="trBgShp">
+    <dgm:scene3d>
+      <a:camera prst="orthographicFront"/>
+      <a:lightRig rig="threePt" dir="t"/>
+    </dgm:scene3d>
+    <dgm:sp3d/>
+    <dgm:txPr/>
+    <dgm:style>
+      <a:lnRef idx="0">
+        <a:scrgbClr r="0" g="0" b="0"/>
+      </a:lnRef>
+      <a:fillRef idx="1">
+        <a:scrgbClr r="0" g="0" b="0"/>
+      </a:fillRef>
+      <a:effectRef idx="0">
+        <a:scrgbClr r="0" g="0" b="0"/>
+      </a:effectRef>
+      <a:fontRef idx="minor"/>
+    </dgm:style>
+  </dgm:styleLbl>
+  <dgm:styleLbl name="fgShp">
+    <dgm:scene3d>
+      <a:camera prst="orthographicFront"/>
+      <a:lightRig rig="threePt" dir="t"/>
+    </dgm:scene3d>
+    <dgm:sp3d/>
+    <dgm:txPr/>
+    <dgm:style>
+      <a:lnRef idx="0">
+        <a:scrgbClr r="0" g="0" b="0"/>
+      </a:lnRef>
+      <a:fillRef idx="3">
+        <a:scrgbClr r="0" g="0" b="0"/>
+      </a:fillRef>
+      <a:effectRef idx="3">
+        <a:scrgbClr r="0" g="0" b="0"/>
+      </a:effectRef>
+      <a:fontRef idx="minor"/>
+    </dgm:style>
+  </dgm:styleLbl>
+  <dgm:styleLbl name="revTx">
+    <dgm:scene3d>
+      <a:camera prst="orthographicFront"/>
+      <a:lightRig rig="threePt" dir="t"/>
+    </dgm:scene3d>
+    <dgm:sp3d/>
+    <dgm:txPr/>
+    <dgm:style>
+      <a:lnRef idx="0">
+        <a:scrgbClr r="0" g="0" b="0"/>
+      </a:lnRef>
+      <a:fillRef idx="0">
+        <a:scrgbClr r="0" g="0" b="0"/>
+      </a:fillRef>
+      <a:effectRef idx="0">
+        <a:scrgbClr r="0" g="0" b="0"/>
+      </a:effectRef>
+      <a:fontRef idx="minor"/>
+    </dgm:style>
+  </dgm:styleLbl>
+</dgm:styleDef>
+</file>
+
+<file path=ppt/diagrams/quickStyle4.xml><?xml version="1.0" encoding="utf-8"?>
 <dgm:styleDef xmlns:dgm="http://schemas.openxmlformats.org/drawingml/2006/diagram" xmlns:a="http://schemas.openxmlformats.org/drawingml/2006/main" uniqueId="urn:microsoft.com/office/officeart/2005/8/quickstyle/simple5">
   <dgm:title val=""/>
   <dgm:desc val=""/>
@@ -14730,7 +18196,7 @@
           <p:nvPr>
             <p:extLst>
               <p:ext uri="{D42A27DB-BD31-4B8C-83A1-F6EECF244321}">
-                <p14:modId xmlns:p14="http://schemas.microsoft.com/office/powerpoint/2010/main" val="11240479"/>
+                <p14:modId xmlns:p14="http://schemas.microsoft.com/office/powerpoint/2010/main" val="2498290231"/>
               </p:ext>
             </p:extLst>
           </p:nvPr>
@@ -14804,7 +18270,7 @@
           <a:noFill/>
         </p:spPr>
         <p:txBody>
-          <a:bodyPr wrap="none" rtlCol="0">
+          <a:bodyPr wrap="square" rtlCol="0">
             <a:spAutoFit/>
           </a:bodyPr>
           <a:lstStyle/>
@@ -14940,7 +18406,7 @@
           <a:noFill/>
         </p:spPr>
         <p:txBody>
-          <a:bodyPr wrap="none" rtlCol="0">
+          <a:bodyPr wrap="square" rtlCol="0">
             <a:spAutoFit/>
           </a:bodyPr>
           <a:lstStyle/>
@@ -15039,7 +18505,7 @@
           <a:noFill/>
         </p:spPr>
         <p:txBody>
-          <a:bodyPr wrap="none" rtlCol="0">
+          <a:bodyPr wrap="square" rtlCol="0">
             <a:spAutoFit/>
           </a:bodyPr>
           <a:lstStyle/>
@@ -15157,12 +18623,74 @@
           </a:p>
         </p:txBody>
       </p:sp>
+      <mc:AlternateContent xmlns:mc="http://schemas.openxmlformats.org/markup-compatibility/2006">
+        <mc:Choice xmlns:a14="http://schemas.microsoft.com/office/drawing/2010/main" Requires="a14">
+          <p:graphicFrame>
+            <p:nvGraphicFramePr>
+              <p:cNvPr id="11" name="图示 10">
+                <a:extLst>
+                  <a:ext uri="{FF2B5EF4-FFF2-40B4-BE49-F238E27FC236}">
+                    <a16:creationId xmlns:a16="http://schemas.microsoft.com/office/drawing/2014/main" id="{2E9DC2F0-D118-85A3-8F81-89769F97D9AB}"/>
+                  </a:ext>
+                </a:extLst>
+              </p:cNvPr>
+              <p:cNvGraphicFramePr/>
+              <p:nvPr>
+                <p:extLst>
+                  <p:ext uri="{D42A27DB-BD31-4B8C-83A1-F6EECF244321}">
+                    <p14:modId xmlns:p14="http://schemas.microsoft.com/office/powerpoint/2010/main" val="335568965"/>
+                  </p:ext>
+                </p:extLst>
+              </p:nvPr>
+            </p:nvGraphicFramePr>
+            <p:xfrm>
+              <a:off x="930949" y="5329173"/>
+              <a:ext cx="10505257" cy="2824150"/>
+            </p:xfrm>
+            <a:graphic>
+              <a:graphicData uri="http://schemas.openxmlformats.org/drawingml/2006/diagram">
+                <dgm:relIds xmlns:dgm="http://schemas.openxmlformats.org/drawingml/2006/diagram" xmlns:r="http://schemas.openxmlformats.org/officeDocument/2006/relationships" r:dm="rId9" r:lo="rId10" r:qs="rId11" r:cs="rId12"/>
+              </a:graphicData>
+            </a:graphic>
+          </p:graphicFrame>
+        </mc:Choice>
+        <mc:Fallback>
+          <p:graphicFrame>
+            <p:nvGraphicFramePr>
+              <p:cNvPr id="11" name="图示 10">
+                <a:extLst>
+                  <a:ext uri="{FF2B5EF4-FFF2-40B4-BE49-F238E27FC236}">
+                    <a16:creationId xmlns:a16="http://schemas.microsoft.com/office/drawing/2014/main" id="{2E9DC2F0-D118-85A3-8F81-89769F97D9AB}"/>
+                  </a:ext>
+                </a:extLst>
+              </p:cNvPr>
+              <p:cNvGraphicFramePr/>
+              <p:nvPr>
+                <p:extLst>
+                  <p:ext uri="{D42A27DB-BD31-4B8C-83A1-F6EECF244321}">
+                    <p14:modId xmlns:p14="http://schemas.microsoft.com/office/powerpoint/2010/main" val="335568965"/>
+                  </p:ext>
+                </p:extLst>
+              </p:nvPr>
+            </p:nvGraphicFramePr>
+            <p:xfrm>
+              <a:off x="930949" y="5329173"/>
+              <a:ext cx="10505257" cy="2824150"/>
+            </p:xfrm>
+            <a:graphic>
+              <a:graphicData uri="http://schemas.openxmlformats.org/drawingml/2006/diagram">
+                <dgm:relIds xmlns:dgm="http://schemas.openxmlformats.org/drawingml/2006/diagram" xmlns:r="http://schemas.openxmlformats.org/officeDocument/2006/relationships" r:dm="rId14" r:lo="rId10" r:qs="rId11" r:cs="rId12"/>
+              </a:graphicData>
+            </a:graphic>
+          </p:graphicFrame>
+        </mc:Fallback>
+      </mc:AlternateContent>
       <p:graphicFrame>
         <p:nvGraphicFramePr>
-          <p:cNvPr id="11" name="图示 10">
+          <p:cNvPr id="10" name="Diagram 9">
             <a:extLst>
               <a:ext uri="{FF2B5EF4-FFF2-40B4-BE49-F238E27FC236}">
-                <a16:creationId xmlns:a16="http://schemas.microsoft.com/office/drawing/2014/main" id="{2E9DC2F0-D118-85A3-8F81-89769F97D9AB}"/>
+                <a16:creationId xmlns:a16="http://schemas.microsoft.com/office/drawing/2014/main" id="{9F1C2654-9971-EC9B-88E0-D35C876E67D9}"/>
               </a:ext>
             </a:extLst>
           </p:cNvPr>
@@ -15170,18 +18698,18 @@
           <p:nvPr>
             <p:extLst>
               <p:ext uri="{D42A27DB-BD31-4B8C-83A1-F6EECF244321}">
-                <p14:modId xmlns:p14="http://schemas.microsoft.com/office/powerpoint/2010/main" val="3378696159"/>
+                <p14:modId xmlns:p14="http://schemas.microsoft.com/office/powerpoint/2010/main" val="1130182640"/>
               </p:ext>
             </p:extLst>
           </p:nvPr>
         </p:nvGraphicFramePr>
         <p:xfrm>
-          <a:off x="930949" y="5329173"/>
-          <a:ext cx="10505257" cy="2824150"/>
+          <a:off x="664474" y="8237953"/>
+          <a:ext cx="10659122" cy="719657"/>
         </p:xfrm>
         <a:graphic>
           <a:graphicData uri="http://schemas.openxmlformats.org/drawingml/2006/diagram">
-            <dgm:relIds xmlns:dgm="http://schemas.openxmlformats.org/drawingml/2006/diagram" xmlns:r="http://schemas.openxmlformats.org/officeDocument/2006/relationships" r:dm="rId9" r:lo="rId10" r:qs="rId11" r:cs="rId12"/>
+            <dgm:relIds xmlns:dgm="http://schemas.openxmlformats.org/drawingml/2006/diagram" xmlns:r="http://schemas.openxmlformats.org/officeDocument/2006/relationships" r:dm="rId15" r:lo="rId16" r:qs="rId17" r:cs="rId18"/>
           </a:graphicData>
         </a:graphic>
       </p:graphicFrame>
